--- a/03_企画書/PenguinPlan.pptx
+++ b/03_企画書/PenguinPlan.pptx
@@ -8,11 +8,12 @@
     <p:sldId id="256" r:id="rId2"/>
     <p:sldId id="257" r:id="rId3"/>
     <p:sldId id="258" r:id="rId4"/>
-    <p:sldId id="259" r:id="rId5"/>
-    <p:sldId id="263" r:id="rId6"/>
-    <p:sldId id="260" r:id="rId7"/>
-    <p:sldId id="261" r:id="rId8"/>
-    <p:sldId id="262" r:id="rId9"/>
+    <p:sldId id="264" r:id="rId5"/>
+    <p:sldId id="259" r:id="rId6"/>
+    <p:sldId id="263" r:id="rId7"/>
+    <p:sldId id="260" r:id="rId8"/>
+    <p:sldId id="261" r:id="rId9"/>
+    <p:sldId id="262" r:id="rId10"/>
   </p:sldIdLst>
   <p:sldSz cx="12192000" cy="6858000"/>
   <p:notesSz cx="6858000" cy="9144000"/>
@@ -111,6 +112,11 @@
       </a:defRPr>
     </a:lvl9pPr>
   </p:defaultTextStyle>
+  <p:extLst>
+    <p:ext uri="{EFAFB233-063F-42B5-8137-9DF3F51BA10A}">
+      <p15:sldGuideLst xmlns:p15="http://schemas.microsoft.com/office/powerpoint/2012/main"/>
+    </p:ext>
+  </p:extLst>
 </p:presentation>
 </file>
 
@@ -3951,8 +3957,8 @@
         </p:nvSpPr>
         <p:spPr>
           <a:xfrm>
-            <a:off x="222436" y="2300446"/>
-            <a:ext cx="11747127" cy="1446550"/>
+            <a:off x="110226" y="2272422"/>
+            <a:ext cx="11971547" cy="1538883"/>
           </a:xfrm>
           <a:prstGeom prst="rect">
             <a:avLst/>
@@ -3966,8 +3972,8 @@
           <a:lstStyle/>
           <a:p>
             <a:r>
-              <a:rPr kumimoji="1" lang="ja-JP" altLang="en-US" sz="8800" dirty="0">
-                <a:ln w="31750">
+              <a:rPr kumimoji="1" lang="ja-JP" altLang="en-US" sz="9400" dirty="0">
+                <a:ln w="19050">
                   <a:solidFill>
                     <a:schemeClr val="accent1"/>
                   </a:solidFill>
@@ -3999,11 +4005,11 @@
                 <a:latin typeface="GN-キルゴUかなO" panose="02000600000000000000" pitchFamily="2" charset="-128"/>
                 <a:ea typeface="GN-キルゴUかなO" panose="02000600000000000000" pitchFamily="2" charset="-128"/>
               </a:rPr>
-              <a:t>氷をたたいて</a:t>
-            </a:r>
-            <a:r>
-              <a:rPr lang="ja-JP" altLang="en-US" sz="8800" dirty="0">
-                <a:ln w="31750">
+              <a:t>氷の国で</a:t>
+            </a:r>
+            <a:r>
+              <a:rPr lang="ja-JP" altLang="en-US" sz="9400" dirty="0">
+                <a:ln w="19050">
                   <a:solidFill>
                     <a:schemeClr val="accent1"/>
                   </a:solidFill>
@@ -4035,11 +4041,11 @@
                 <a:latin typeface="GN-キルゴUかなO" panose="02000600000000000000" pitchFamily="2" charset="-128"/>
                 <a:ea typeface="GN-キルゴUかなO" panose="02000600000000000000" pitchFamily="2" charset="-128"/>
               </a:rPr>
-              <a:t>生き残れ</a:t>
-            </a:r>
-            <a:r>
-              <a:rPr lang="en-US" altLang="ja-JP" sz="8800" dirty="0">
-                <a:ln w="31750">
+              <a:t>の</a:t>
+            </a:r>
+            <a:r>
+              <a:rPr kumimoji="1" lang="ja-JP" altLang="en-US" sz="9400" dirty="0">
+                <a:ln w="19050">
                   <a:solidFill>
                     <a:schemeClr val="accent1"/>
                   </a:solidFill>
@@ -4071,10 +4077,10 @@
                 <a:latin typeface="GN-キルゴUかなO" panose="02000600000000000000" pitchFamily="2" charset="-128"/>
                 <a:ea typeface="GN-キルゴUかなO" panose="02000600000000000000" pitchFamily="2" charset="-128"/>
               </a:rPr>
-              <a:t>!</a:t>
-            </a:r>
-            <a:endParaRPr kumimoji="1" lang="en-US" altLang="ja-JP" sz="8800" dirty="0">
-              <a:ln w="31750">
+              <a:t>縄張り争い</a:t>
+            </a:r>
+            <a:endParaRPr kumimoji="1" lang="en-US" altLang="ja-JP" sz="9400" dirty="0">
+              <a:ln w="19050">
                 <a:solidFill>
                   <a:schemeClr val="accent1"/>
                 </a:solidFill>
@@ -4123,7 +4129,7 @@
         </p:nvSpPr>
         <p:spPr>
           <a:xfrm>
-            <a:off x="1182547" y="5486400"/>
+            <a:off x="1025231" y="5000790"/>
             <a:ext cx="9826906" cy="1371600"/>
           </a:xfrm>
           <a:prstGeom prst="trapezoid">
@@ -4137,6 +4143,11 @@
               <a:lumOff val="80000"/>
             </a:schemeClr>
           </a:solidFill>
+          <a:ln>
+            <a:solidFill>
+              <a:schemeClr val="accent1"/>
+            </a:solidFill>
+          </a:ln>
         </p:spPr>
         <p:style>
           <a:lnRef idx="2">
@@ -4191,62 +4202,14 @@
         </p:blipFill>
         <p:spPr>
           <a:xfrm rot="21147927" flipH="1">
-            <a:off x="1271528" y="5130091"/>
-            <a:ext cx="2871717" cy="1546309"/>
+            <a:off x="1211316" y="4078696"/>
+            <a:ext cx="3606431" cy="1941924"/>
           </a:xfrm>
           <a:prstGeom prst="rect">
             <a:avLst/>
           </a:prstGeom>
         </p:spPr>
       </p:pic>
-      <p:sp>
-        <p:nvSpPr>
-          <p:cNvPr id="12" name="星: 24 pt 11">
-            <a:extLst>
-              <a:ext uri="{FF2B5EF4-FFF2-40B4-BE49-F238E27FC236}">
-                <a16:creationId xmlns:a16="http://schemas.microsoft.com/office/drawing/2014/main" id="{3E243EBB-955F-58BA-3029-CBC1BDCD0895}"/>
-              </a:ext>
-            </a:extLst>
-          </p:cNvPr>
-          <p:cNvSpPr/>
-          <p:nvPr/>
-        </p:nvSpPr>
-        <p:spPr>
-          <a:xfrm rot="20225829">
-            <a:off x="4616447" y="5433264"/>
-            <a:ext cx="1919965" cy="1477872"/>
-          </a:xfrm>
-          <a:prstGeom prst="star24">
-            <a:avLst>
-              <a:gd name="adj" fmla="val 0"/>
-            </a:avLst>
-          </a:prstGeom>
-        </p:spPr>
-        <p:style>
-          <a:lnRef idx="2">
-            <a:schemeClr val="accent1">
-              <a:shade val="15000"/>
-            </a:schemeClr>
-          </a:lnRef>
-          <a:fillRef idx="1">
-            <a:schemeClr val="accent1"/>
-          </a:fillRef>
-          <a:effectRef idx="0">
-            <a:schemeClr val="accent1"/>
-          </a:effectRef>
-          <a:fontRef idx="minor">
-            <a:schemeClr val="lt1"/>
-          </a:fontRef>
-        </p:style>
-        <p:txBody>
-          <a:bodyPr rtlCol="0" anchor="ctr"/>
-          <a:lstStyle/>
-          <a:p>
-            <a:pPr algn="ctr"/>
-            <a:endParaRPr kumimoji="1" lang="ja-JP" altLang="en-US"/>
-          </a:p>
-        </p:txBody>
-      </p:sp>
       <p:pic>
         <p:nvPicPr>
           <p:cNvPr id="3" name="図 2">
@@ -4274,8 +4237,8 @@
           </a:stretch>
         </p:blipFill>
         <p:spPr>
-          <a:xfrm rot="17758354">
-            <a:off x="5191759" y="4866161"/>
+          <a:xfrm>
+            <a:off x="6947876" y="3811305"/>
             <a:ext cx="2865120" cy="2378968"/>
           </a:xfrm>
           <a:prstGeom prst="rect">
@@ -4293,161 +4256,6 @@
   <p:clrMapOvr>
     <a:masterClrMapping/>
   </p:clrMapOvr>
-  <p:timing>
-    <p:tnLst>
-      <p:par>
-        <p:cTn id="1" dur="indefinite" restart="never" nodeType="tmRoot">
-          <p:childTnLst>
-            <p:seq concurrent="1" nextAc="seek">
-              <p:cTn id="2" dur="indefinite" nodeType="mainSeq">
-                <p:childTnLst>
-                  <p:par>
-                    <p:cTn id="3" fill="hold">
-                      <p:stCondLst>
-                        <p:cond delay="indefinite"/>
-                        <p:cond evt="onBegin" delay="0">
-                          <p:tn val="2"/>
-                        </p:cond>
-                      </p:stCondLst>
-                      <p:childTnLst>
-                        <p:par>
-                          <p:cTn id="4" fill="hold">
-                            <p:stCondLst>
-                              <p:cond delay="0"/>
-                            </p:stCondLst>
-                            <p:childTnLst>
-                              <p:par>
-                                <p:cTn id="5" presetID="44" presetClass="path" presetSubtype="0" accel="50000" decel="50000" fill="hold" nodeType="afterEffect">
-                                  <p:stCondLst>
-                                    <p:cond delay="0"/>
-                                  </p:stCondLst>
-                                  <p:childTnLst>
-                                    <p:animMotion origin="layout" path="M -0.00013 2.22222E-6 L 0.05937 -0.16597 C 0.072 -0.19792 0.09466 -0.23542 0.12318 -0.25972 C 0.15443 -0.28935 0.18242 -0.30463 0.20573 -0.30255 L 0.31627 -0.29931 " pathEditMode="relative" rAng="19920000" ptsTypes="AAAAA">
-                                      <p:cBhvr>
-                                        <p:cTn id="6" dur="1000" fill="hold"/>
-                                        <p:tgtEl>
-                                          <p:spTgt spid="7"/>
-                                        </p:tgtEl>
-                                        <p:attrNameLst>
-                                          <p:attrName>ppt_x</p:attrName>
-                                          <p:attrName>ppt_y</p:attrName>
-                                        </p:attrNameLst>
-                                      </p:cBhvr>
-                                      <p:rCtr x="14141" y="-20556"/>
-                                    </p:animMotion>
-                                  </p:childTnLst>
-                                </p:cTn>
-                              </p:par>
-                              <p:par>
-                                <p:cTn id="7" presetID="8" presetClass="emph" presetSubtype="0" fill="hold" nodeType="withEffect">
-                                  <p:stCondLst>
-                                    <p:cond delay="250"/>
-                                  </p:stCondLst>
-                                  <p:childTnLst>
-                                    <p:animRot by="1800000">
-                                      <p:cBhvr>
-                                        <p:cTn id="8" dur="500" fill="hold"/>
-                                        <p:tgtEl>
-                                          <p:spTgt spid="7"/>
-                                        </p:tgtEl>
-                                        <p:attrNameLst>
-                                          <p:attrName>r</p:attrName>
-                                        </p:attrNameLst>
-                                      </p:cBhvr>
-                                    </p:animRot>
-                                  </p:childTnLst>
-                                </p:cTn>
-                              </p:par>
-                            </p:childTnLst>
-                          </p:cTn>
-                        </p:par>
-                        <p:par>
-                          <p:cTn id="9" fill="hold">
-                            <p:stCondLst>
-                              <p:cond delay="1000"/>
-                            </p:stCondLst>
-                            <p:childTnLst>
-                              <p:par>
-                                <p:cTn id="10" presetID="64" presetClass="path" presetSubtype="0" accel="50000" decel="50000" fill="hold" nodeType="afterEffect">
-                                  <p:stCondLst>
-                                    <p:cond delay="0"/>
-                                  </p:stCondLst>
-                                  <p:childTnLst>
-                                    <p:animMotion origin="layout" path="M -1.875E-6 0 L -1.875E-6 -0.25 " pathEditMode="relative" rAng="0" ptsTypes="AA">
-                                      <p:cBhvr>
-                                        <p:cTn id="11" dur="200" fill="hold"/>
-                                        <p:tgtEl>
-                                          <p:spTgt spid="3"/>
-                                        </p:tgtEl>
-                                        <p:attrNameLst>
-                                          <p:attrName>ppt_x</p:attrName>
-                                          <p:attrName>ppt_y</p:attrName>
-                                        </p:attrNameLst>
-                                      </p:cBhvr>
-                                      <p:rCtr x="0" y="-12500"/>
-                                    </p:animMotion>
-                                  </p:childTnLst>
-                                </p:cTn>
-                              </p:par>
-                            </p:childTnLst>
-                          </p:cTn>
-                        </p:par>
-                        <p:par>
-                          <p:cTn id="12" fill="hold">
-                            <p:stCondLst>
-                              <p:cond delay="1200"/>
-                            </p:stCondLst>
-                            <p:childTnLst>
-                              <p:par>
-                                <p:cTn id="13" presetID="42" presetClass="path" presetSubtype="0" accel="50000" decel="50000" fill="hold" nodeType="afterEffect">
-                                  <p:stCondLst>
-                                    <p:cond delay="0"/>
-                                  </p:stCondLst>
-                                  <p:childTnLst>
-                                    <p:animMotion origin="layout" path="M -1.875E-6 -0.25 L -1.875E-6 0 " pathEditMode="relative" rAng="0" ptsTypes="AA">
-                                      <p:cBhvr>
-                                        <p:cTn id="14" dur="200" fill="hold"/>
-                                        <p:tgtEl>
-                                          <p:spTgt spid="3"/>
-                                        </p:tgtEl>
-                                        <p:attrNameLst>
-                                          <p:attrName>ppt_x</p:attrName>
-                                          <p:attrName>ppt_y</p:attrName>
-                                        </p:attrNameLst>
-                                      </p:cBhvr>
-                                      <p:rCtr x="0" y="12500"/>
-                                    </p:animMotion>
-                                  </p:childTnLst>
-                                </p:cTn>
-                              </p:par>
-                            </p:childTnLst>
-                          </p:cTn>
-                        </p:par>
-                      </p:childTnLst>
-                    </p:cTn>
-                  </p:par>
-                </p:childTnLst>
-              </p:cTn>
-              <p:prevCondLst>
-                <p:cond evt="onPrev" delay="0">
-                  <p:tgtEl>
-                    <p:sldTgt/>
-                  </p:tgtEl>
-                </p:cond>
-              </p:prevCondLst>
-              <p:nextCondLst>
-                <p:cond evt="onNext" delay="0">
-                  <p:tgtEl>
-                    <p:sldTgt/>
-                  </p:tgtEl>
-                </p:cond>
-              </p:nextCondLst>
-            </p:seq>
-          </p:childTnLst>
-        </p:cTn>
-      </p:par>
-    </p:tnLst>
-  </p:timing>
 </p:sld>
 </file>
 
@@ -4537,7 +4345,7 @@
         <p:spPr>
           <a:xfrm>
             <a:off x="0" y="0"/>
-            <a:ext cx="8069838" cy="830997"/>
+            <a:ext cx="1415772" cy="830997"/>
           </a:xfrm>
           <a:prstGeom prst="rect">
             <a:avLst/>
@@ -4555,7 +4363,7 @@
                 <a:latin typeface="GN-キルゴUかなO" panose="02000600000000000000" pitchFamily="2" charset="-128"/>
                 <a:ea typeface="GN-キルゴUかなO" panose="02000600000000000000" pitchFamily="2" charset="-128"/>
               </a:rPr>
-              <a:t>ゲームの流れ、ユーザーの遊び</a:t>
+              <a:t>概要</a:t>
             </a:r>
             <a:endParaRPr kumimoji="1" lang="en-US" altLang="ja-JP" sz="4800" dirty="0">
               <a:latin typeface="GN-キルゴUかなO" panose="02000600000000000000" pitchFamily="2" charset="-128"/>
@@ -5811,915 +5619,1897 @@
   <p:clrMapOvr>
     <a:masterClrMapping/>
   </p:clrMapOvr>
-  <p:timing>
-    <p:tnLst>
-      <p:par>
-        <p:cTn id="1" dur="indefinite" restart="never" nodeType="tmRoot">
-          <p:childTnLst>
-            <p:seq concurrent="1" nextAc="seek">
-              <p:cTn id="2" dur="indefinite" nodeType="mainSeq">
-                <p:childTnLst>
-                  <p:par>
-                    <p:cTn id="3" fill="hold">
-                      <p:stCondLst>
-                        <p:cond delay="indefinite"/>
-                        <p:cond evt="onBegin" delay="0">
-                          <p:tn val="2"/>
-                        </p:cond>
-                      </p:stCondLst>
-                      <p:childTnLst>
-                        <p:par>
-                          <p:cTn id="4" fill="hold">
-                            <p:stCondLst>
-                              <p:cond delay="0"/>
-                            </p:stCondLst>
-                            <p:childTnLst>
-                              <p:par>
-                                <p:cTn id="5" presetID="44" presetClass="path" presetSubtype="0" accel="50000" decel="50000" fill="hold" nodeType="afterEffect">
-                                  <p:stCondLst>
-                                    <p:cond delay="0"/>
-                                  </p:stCondLst>
-                                  <p:childTnLst>
-                                    <p:animMotion origin="layout" path="M -0.00013 2.22222E-6 L 0.05937 -0.16597 C 0.072 -0.19792 0.09466 -0.23542 0.12318 -0.25972 C 0.15443 -0.28935 0.18242 -0.30463 0.20573 -0.30255 L 0.31627 -0.29931 " pathEditMode="relative" rAng="19920000" ptsTypes="AAAAA">
-                                      <p:cBhvr>
-                                        <p:cTn id="6" dur="1000" fill="hold"/>
-                                        <p:tgtEl>
-                                          <p:spTgt spid="6"/>
-                                        </p:tgtEl>
-                                        <p:attrNameLst>
-                                          <p:attrName>ppt_x</p:attrName>
-                                          <p:attrName>ppt_y</p:attrName>
-                                        </p:attrNameLst>
-                                      </p:cBhvr>
-                                      <p:rCtr x="14141" y="-20556"/>
-                                    </p:animMotion>
-                                  </p:childTnLst>
-                                </p:cTn>
-                              </p:par>
-                              <p:par>
-                                <p:cTn id="7" presetID="8" presetClass="emph" presetSubtype="0" fill="hold" nodeType="withEffect">
-                                  <p:stCondLst>
-                                    <p:cond delay="250"/>
-                                  </p:stCondLst>
-                                  <p:childTnLst>
-                                    <p:animRot by="1800000">
-                                      <p:cBhvr>
-                                        <p:cTn id="8" dur="500" fill="hold"/>
-                                        <p:tgtEl>
-                                          <p:spTgt spid="6"/>
-                                        </p:tgtEl>
-                                        <p:attrNameLst>
-                                          <p:attrName>r</p:attrName>
-                                        </p:attrNameLst>
-                                      </p:cBhvr>
-                                    </p:animRot>
-                                  </p:childTnLst>
-                                </p:cTn>
-                              </p:par>
-                            </p:childTnLst>
-                          </p:cTn>
-                        </p:par>
-                        <p:par>
-                          <p:cTn id="9" fill="hold">
-                            <p:stCondLst>
-                              <p:cond delay="1000"/>
-                            </p:stCondLst>
-                            <p:childTnLst>
-                              <p:par>
-                                <p:cTn id="10" presetID="64" presetClass="path" presetSubtype="0" accel="50000" decel="50000" fill="hold" nodeType="afterEffect">
-                                  <p:stCondLst>
-                                    <p:cond delay="0"/>
-                                  </p:stCondLst>
-                                  <p:childTnLst>
-                                    <p:animMotion origin="layout" path="M -1.875E-6 0 L -1.875E-6 -0.25 " pathEditMode="relative" rAng="0" ptsTypes="AA">
-                                      <p:cBhvr>
-                                        <p:cTn id="11" dur="200" fill="hold"/>
-                                        <p:tgtEl>
-                                          <p:spTgt spid="7"/>
-                                        </p:tgtEl>
-                                        <p:attrNameLst>
-                                          <p:attrName>ppt_x</p:attrName>
-                                          <p:attrName>ppt_y</p:attrName>
-                                        </p:attrNameLst>
-                                      </p:cBhvr>
-                                      <p:rCtr x="0" y="-12500"/>
-                                    </p:animMotion>
-                                  </p:childTnLst>
-                                </p:cTn>
-                              </p:par>
-                            </p:childTnLst>
-                          </p:cTn>
-                        </p:par>
-                        <p:par>
-                          <p:cTn id="12" fill="hold">
-                            <p:stCondLst>
-                              <p:cond delay="1200"/>
-                            </p:stCondLst>
-                            <p:childTnLst>
-                              <p:par>
-                                <p:cTn id="13" presetID="42" presetClass="path" presetSubtype="0" accel="50000" decel="50000" fill="hold" nodeType="afterEffect">
-                                  <p:stCondLst>
-                                    <p:cond delay="0"/>
-                                  </p:stCondLst>
-                                  <p:childTnLst>
-                                    <p:animMotion origin="layout" path="M -1.875E-6 -0.25 L -1.875E-6 0 " pathEditMode="relative" rAng="0" ptsTypes="AA">
-                                      <p:cBhvr>
-                                        <p:cTn id="14" dur="200" fill="hold"/>
-                                        <p:tgtEl>
-                                          <p:spTgt spid="7"/>
-                                        </p:tgtEl>
-                                        <p:attrNameLst>
-                                          <p:attrName>ppt_x</p:attrName>
-                                          <p:attrName>ppt_y</p:attrName>
-                                        </p:attrNameLst>
-                                      </p:cBhvr>
-                                      <p:rCtr x="0" y="12500"/>
-                                    </p:animMotion>
-                                  </p:childTnLst>
-                                </p:cTn>
-                              </p:par>
-                            </p:childTnLst>
-                          </p:cTn>
-                        </p:par>
-                        <p:par>
-                          <p:cTn id="15" fill="hold">
-                            <p:stCondLst>
-                              <p:cond delay="1400"/>
-                            </p:stCondLst>
-                            <p:childTnLst>
-                              <p:par>
-                                <p:cTn id="16" presetID="44" presetClass="path" presetSubtype="0" accel="50000" decel="50000" fill="hold" nodeType="afterEffect">
-                                  <p:stCondLst>
-                                    <p:cond delay="0"/>
-                                  </p:stCondLst>
-                                  <p:childTnLst>
-                                    <p:animMotion origin="layout" path="M -3.75E-6 -0.00023 L 0.05938 -0.16598 C 0.07175 -0.19769 0.09454 -0.23519 0.12318 -0.25973 C 0.15443 -0.28935 0.1823 -0.30463 0.20547 -0.30255 L 0.31602 -0.29908 " pathEditMode="relative" rAng="19920000" ptsTypes="AAAAA">
-                                      <p:cBhvr>
-                                        <p:cTn id="17" dur="1000" fill="hold"/>
-                                        <p:tgtEl>
-                                          <p:spTgt spid="11"/>
-                                        </p:tgtEl>
-                                        <p:attrNameLst>
-                                          <p:attrName>ppt_x</p:attrName>
-                                          <p:attrName>ppt_y</p:attrName>
-                                        </p:attrNameLst>
-                                      </p:cBhvr>
-                                      <p:rCtr x="14128" y="-20532"/>
-                                    </p:animMotion>
-                                  </p:childTnLst>
-                                </p:cTn>
-                              </p:par>
-                              <p:par>
-                                <p:cTn id="18" presetID="8" presetClass="emph" presetSubtype="0" fill="hold" nodeType="withEffect">
-                                  <p:stCondLst>
-                                    <p:cond delay="250"/>
-                                  </p:stCondLst>
-                                  <p:childTnLst>
-                                    <p:animRot by="1800000">
-                                      <p:cBhvr>
-                                        <p:cTn id="19" dur="500" fill="hold"/>
-                                        <p:tgtEl>
-                                          <p:spTgt spid="11"/>
-                                        </p:tgtEl>
-                                        <p:attrNameLst>
-                                          <p:attrName>r</p:attrName>
-                                        </p:attrNameLst>
-                                      </p:cBhvr>
-                                    </p:animRot>
-                                  </p:childTnLst>
-                                </p:cTn>
-                              </p:par>
-                            </p:childTnLst>
-                          </p:cTn>
-                        </p:par>
-                        <p:par>
-                          <p:cTn id="20" fill="hold">
-                            <p:stCondLst>
-                              <p:cond delay="2400"/>
-                            </p:stCondLst>
-                            <p:childTnLst>
-                              <p:par>
-                                <p:cTn id="21" presetID="64" presetClass="path" presetSubtype="0" accel="50000" decel="50000" fill="hold" nodeType="afterEffect">
-                                  <p:stCondLst>
-                                    <p:cond delay="0"/>
-                                  </p:stCondLst>
-                                  <p:childTnLst>
-                                    <p:animMotion origin="layout" path="M -2.70833E-6 -7.40741E-7 L -2.70833E-6 -0.25 " pathEditMode="relative" rAng="0" ptsTypes="AA">
-                                      <p:cBhvr>
-                                        <p:cTn id="22" dur="200" fill="hold"/>
-                                        <p:tgtEl>
-                                          <p:spTgt spid="15"/>
-                                        </p:tgtEl>
-                                        <p:attrNameLst>
-                                          <p:attrName>ppt_x</p:attrName>
-                                          <p:attrName>ppt_y</p:attrName>
-                                        </p:attrNameLst>
-                                      </p:cBhvr>
-                                      <p:rCtr x="0" y="-12500"/>
-                                    </p:animMotion>
-                                  </p:childTnLst>
-                                </p:cTn>
-                              </p:par>
-                            </p:childTnLst>
-                          </p:cTn>
-                        </p:par>
-                        <p:par>
-                          <p:cTn id="23" fill="hold">
-                            <p:stCondLst>
-                              <p:cond delay="2600"/>
-                            </p:stCondLst>
-                            <p:childTnLst>
-                              <p:par>
-                                <p:cTn id="24" presetID="42" presetClass="path" presetSubtype="0" accel="50000" decel="50000" fill="hold" nodeType="afterEffect">
-                                  <p:stCondLst>
-                                    <p:cond delay="0"/>
-                                  </p:stCondLst>
-                                  <p:childTnLst>
-                                    <p:animMotion origin="layout" path="M -2.70833E-6 -0.25 L -2.70833E-6 -7.40741E-7 " pathEditMode="relative" rAng="0" ptsTypes="AA">
-                                      <p:cBhvr>
-                                        <p:cTn id="25" dur="200" fill="hold"/>
-                                        <p:tgtEl>
-                                          <p:spTgt spid="15"/>
-                                        </p:tgtEl>
-                                        <p:attrNameLst>
-                                          <p:attrName>ppt_x</p:attrName>
-                                          <p:attrName>ppt_y</p:attrName>
-                                        </p:attrNameLst>
-                                      </p:cBhvr>
-                                      <p:rCtr x="0" y="12500"/>
-                                    </p:animMotion>
-                                  </p:childTnLst>
-                                </p:cTn>
-                              </p:par>
-                            </p:childTnLst>
-                          </p:cTn>
-                        </p:par>
-                      </p:childTnLst>
-                    </p:cTn>
-                  </p:par>
-                  <p:par>
-                    <p:cTn id="26" fill="hold">
-                      <p:stCondLst>
-                        <p:cond delay="indefinite"/>
-                      </p:stCondLst>
-                      <p:childTnLst>
-                        <p:par>
-                          <p:cTn id="27" fill="hold">
-                            <p:stCondLst>
-                              <p:cond delay="0"/>
-                            </p:stCondLst>
-                            <p:childTnLst>
-                              <p:par>
-                                <p:cTn id="28" presetID="42" presetClass="path" presetSubtype="0" accel="50000" decel="50000" fill="hold" nodeType="clickEffect">
-                                  <p:stCondLst>
-                                    <p:cond delay="0"/>
-                                  </p:stCondLst>
-                                  <p:childTnLst>
-                                    <p:animMotion origin="layout" path="M -4.16667E-7 -7.40741E-7 L 0.08125 0.09306 " pathEditMode="relative" rAng="0" ptsTypes="AA">
-                                      <p:cBhvr>
-                                        <p:cTn id="29" dur="2000" fill="hold"/>
-                                        <p:tgtEl>
-                                          <p:spTgt spid="28"/>
-                                        </p:tgtEl>
-                                        <p:attrNameLst>
-                                          <p:attrName>ppt_x</p:attrName>
-                                          <p:attrName>ppt_y</p:attrName>
-                                        </p:attrNameLst>
-                                      </p:cBhvr>
-                                      <p:rCtr x="4062" y="4653"/>
-                                    </p:animMotion>
-                                  </p:childTnLst>
-                                </p:cTn>
-                              </p:par>
-                            </p:childTnLst>
-                          </p:cTn>
-                        </p:par>
-                      </p:childTnLst>
-                    </p:cTn>
-                  </p:par>
-                  <p:par>
-                    <p:cTn id="30" fill="hold">
-                      <p:stCondLst>
-                        <p:cond delay="indefinite"/>
-                      </p:stCondLst>
-                      <p:childTnLst>
-                        <p:par>
-                          <p:cTn id="31" fill="hold">
-                            <p:stCondLst>
-                              <p:cond delay="0"/>
-                            </p:stCondLst>
-                            <p:childTnLst>
-                              <p:par>
-                                <p:cTn id="32" presetID="1" presetClass="emph" presetSubtype="2" fill="hold" nodeType="clickEffect">
-                                  <p:stCondLst>
-                                    <p:cond delay="0"/>
-                                  </p:stCondLst>
-                                  <p:childTnLst>
-                                    <p:animClr clrSpc="rgb" dir="cw">
-                                      <p:cBhvr>
-                                        <p:cTn id="33" dur="100" fill="hold"/>
-                                        <p:tgtEl>
-                                          <p:spTgt spid="23"/>
-                                        </p:tgtEl>
-                                        <p:attrNameLst>
-                                          <p:attrName>fillcolor</p:attrName>
-                                        </p:attrNameLst>
-                                      </p:cBhvr>
-                                      <p:to>
-                                        <a:srgbClr val="1FF4FF"/>
-                                      </p:to>
-                                    </p:animClr>
-                                    <p:set>
-                                      <p:cBhvr>
-                                        <p:cTn id="34" dur="100" fill="hold"/>
-                                        <p:tgtEl>
-                                          <p:spTgt spid="23"/>
-                                        </p:tgtEl>
-                                        <p:attrNameLst>
-                                          <p:attrName>fill.type</p:attrName>
-                                        </p:attrNameLst>
-                                      </p:cBhvr>
-                                      <p:to>
-                                        <p:strVal val="solid"/>
-                                      </p:to>
-                                    </p:set>
-                                    <p:set>
-                                      <p:cBhvr>
-                                        <p:cTn id="35" dur="100" fill="hold"/>
-                                        <p:tgtEl>
-                                          <p:spTgt spid="23"/>
-                                        </p:tgtEl>
-                                        <p:attrNameLst>
-                                          <p:attrName>fill.on</p:attrName>
-                                        </p:attrNameLst>
-                                      </p:cBhvr>
-                                      <p:to>
-                                        <p:strVal val="true"/>
-                                      </p:to>
-                                    </p:set>
-                                  </p:childTnLst>
-                                </p:cTn>
-                              </p:par>
-                            </p:childTnLst>
-                          </p:cTn>
-                        </p:par>
-                        <p:par>
-                          <p:cTn id="36" fill="hold">
-                            <p:stCondLst>
-                              <p:cond delay="100"/>
-                            </p:stCondLst>
-                            <p:childTnLst>
-                              <p:par>
-                                <p:cTn id="37" presetID="2" presetClass="exit" presetSubtype="8" fill="hold" grpId="0" nodeType="afterEffect">
-                                  <p:stCondLst>
-                                    <p:cond delay="0"/>
-                                  </p:stCondLst>
-                                  <p:childTnLst>
-                                    <p:anim calcmode="lin" valueType="num">
-                                      <p:cBhvr additive="base">
-                                        <p:cTn id="38" dur="1800"/>
-                                        <p:tgtEl>
-                                          <p:spTgt spid="23"/>
-                                        </p:tgtEl>
-                                        <p:attrNameLst>
-                                          <p:attrName>ppt_x</p:attrName>
-                                        </p:attrNameLst>
-                                      </p:cBhvr>
-                                      <p:tavLst>
-                                        <p:tav tm="0">
-                                          <p:val>
-                                            <p:strVal val="ppt_x"/>
-                                          </p:val>
-                                        </p:tav>
-                                        <p:tav tm="100000">
-                                          <p:val>
-                                            <p:strVal val="0-ppt_w/2"/>
-                                          </p:val>
-                                        </p:tav>
-                                      </p:tavLst>
-                                    </p:anim>
-                                    <p:anim calcmode="lin" valueType="num">
-                                      <p:cBhvr additive="base">
-                                        <p:cTn id="39" dur="1800"/>
-                                        <p:tgtEl>
-                                          <p:spTgt spid="23"/>
-                                        </p:tgtEl>
-                                        <p:attrNameLst>
-                                          <p:attrName>ppt_y</p:attrName>
-                                        </p:attrNameLst>
-                                      </p:cBhvr>
-                                      <p:tavLst>
-                                        <p:tav tm="0">
-                                          <p:val>
-                                            <p:strVal val="ppt_y"/>
-                                          </p:val>
-                                        </p:tav>
-                                        <p:tav tm="100000">
-                                          <p:val>
-                                            <p:strVal val="ppt_y"/>
-                                          </p:val>
-                                        </p:tav>
-                                      </p:tavLst>
-                                    </p:anim>
-                                    <p:set>
-                                      <p:cBhvr>
-                                        <p:cTn id="40" dur="1" fill="hold">
-                                          <p:stCondLst>
-                                            <p:cond delay="1799"/>
-                                          </p:stCondLst>
-                                        </p:cTn>
-                                        <p:tgtEl>
-                                          <p:spTgt spid="23"/>
-                                        </p:tgtEl>
-                                        <p:attrNameLst>
-                                          <p:attrName>style.visibility</p:attrName>
-                                        </p:attrNameLst>
-                                      </p:cBhvr>
-                                      <p:to>
-                                        <p:strVal val="hidden"/>
-                                      </p:to>
-                                    </p:set>
-                                  </p:childTnLst>
-                                </p:cTn>
-                              </p:par>
-                              <p:par>
-                                <p:cTn id="41" presetID="2" presetClass="exit" presetSubtype="8" fill="hold" grpId="0" nodeType="withEffect">
-                                  <p:stCondLst>
-                                    <p:cond delay="0"/>
-                                  </p:stCondLst>
-                                  <p:childTnLst>
-                                    <p:anim calcmode="lin" valueType="num">
-                                      <p:cBhvr additive="base">
-                                        <p:cTn id="42" dur="1800"/>
-                                        <p:tgtEl>
-                                          <p:spTgt spid="22"/>
-                                        </p:tgtEl>
-                                        <p:attrNameLst>
-                                          <p:attrName>ppt_x</p:attrName>
-                                        </p:attrNameLst>
-                                      </p:cBhvr>
-                                      <p:tavLst>
-                                        <p:tav tm="0">
-                                          <p:val>
-                                            <p:strVal val="ppt_x"/>
-                                          </p:val>
-                                        </p:tav>
-                                        <p:tav tm="100000">
-                                          <p:val>
-                                            <p:strVal val="0-ppt_w/2"/>
-                                          </p:val>
-                                        </p:tav>
-                                      </p:tavLst>
-                                    </p:anim>
-                                    <p:anim calcmode="lin" valueType="num">
-                                      <p:cBhvr additive="base">
-                                        <p:cTn id="43" dur="1800"/>
-                                        <p:tgtEl>
-                                          <p:spTgt spid="22"/>
-                                        </p:tgtEl>
-                                        <p:attrNameLst>
-                                          <p:attrName>ppt_y</p:attrName>
-                                        </p:attrNameLst>
-                                      </p:cBhvr>
-                                      <p:tavLst>
-                                        <p:tav tm="0">
-                                          <p:val>
-                                            <p:strVal val="ppt_y"/>
-                                          </p:val>
-                                        </p:tav>
-                                        <p:tav tm="100000">
-                                          <p:val>
-                                            <p:strVal val="ppt_y"/>
-                                          </p:val>
-                                        </p:tav>
-                                      </p:tavLst>
-                                    </p:anim>
-                                    <p:set>
-                                      <p:cBhvr>
-                                        <p:cTn id="44" dur="1" fill="hold">
-                                          <p:stCondLst>
-                                            <p:cond delay="1799"/>
-                                          </p:stCondLst>
-                                        </p:cTn>
-                                        <p:tgtEl>
-                                          <p:spTgt spid="22"/>
-                                        </p:tgtEl>
-                                        <p:attrNameLst>
-                                          <p:attrName>style.visibility</p:attrName>
-                                        </p:attrNameLst>
-                                      </p:cBhvr>
-                                      <p:to>
-                                        <p:strVal val="hidden"/>
-                                      </p:to>
-                                    </p:set>
-                                  </p:childTnLst>
-                                </p:cTn>
-                              </p:par>
-                              <p:par>
-                                <p:cTn id="45" presetID="2" presetClass="exit" presetSubtype="8" fill="hold" grpId="0" nodeType="withEffect">
-                                  <p:stCondLst>
-                                    <p:cond delay="0"/>
-                                  </p:stCondLst>
-                                  <p:childTnLst>
-                                    <p:anim calcmode="lin" valueType="num">
-                                      <p:cBhvr additive="base">
-                                        <p:cTn id="46" dur="1200"/>
-                                        <p:tgtEl>
-                                          <p:spTgt spid="26"/>
-                                        </p:tgtEl>
-                                        <p:attrNameLst>
-                                          <p:attrName>ppt_x</p:attrName>
-                                        </p:attrNameLst>
-                                      </p:cBhvr>
-                                      <p:tavLst>
-                                        <p:tav tm="0">
-                                          <p:val>
-                                            <p:strVal val="ppt_x"/>
-                                          </p:val>
-                                        </p:tav>
-                                        <p:tav tm="100000">
-                                          <p:val>
-                                            <p:strVal val="0-ppt_w/2"/>
-                                          </p:val>
-                                        </p:tav>
-                                      </p:tavLst>
-                                    </p:anim>
-                                    <p:anim calcmode="lin" valueType="num">
-                                      <p:cBhvr additive="base">
-                                        <p:cTn id="47" dur="1200"/>
-                                        <p:tgtEl>
-                                          <p:spTgt spid="26"/>
-                                        </p:tgtEl>
-                                        <p:attrNameLst>
-                                          <p:attrName>ppt_y</p:attrName>
-                                        </p:attrNameLst>
-                                      </p:cBhvr>
-                                      <p:tavLst>
-                                        <p:tav tm="0">
-                                          <p:val>
-                                            <p:strVal val="ppt_y"/>
-                                          </p:val>
-                                        </p:tav>
-                                        <p:tav tm="100000">
-                                          <p:val>
-                                            <p:strVal val="ppt_y"/>
-                                          </p:val>
-                                        </p:tav>
-                                      </p:tavLst>
-                                    </p:anim>
-                                    <p:set>
-                                      <p:cBhvr>
-                                        <p:cTn id="48" dur="1" fill="hold">
-                                          <p:stCondLst>
-                                            <p:cond delay="1199"/>
-                                          </p:stCondLst>
-                                        </p:cTn>
-                                        <p:tgtEl>
-                                          <p:spTgt spid="26"/>
-                                        </p:tgtEl>
-                                        <p:attrNameLst>
-                                          <p:attrName>style.visibility</p:attrName>
-                                        </p:attrNameLst>
-                                      </p:cBhvr>
-                                      <p:to>
-                                        <p:strVal val="hidden"/>
-                                      </p:to>
-                                    </p:set>
-                                  </p:childTnLst>
-                                </p:cTn>
-                              </p:par>
-                              <p:par>
-                                <p:cTn id="49" presetID="2" presetClass="exit" presetSubtype="8" fill="hold" grpId="0" nodeType="withEffect">
-                                  <p:stCondLst>
-                                    <p:cond delay="0"/>
-                                  </p:stCondLst>
-                                  <p:childTnLst>
-                                    <p:anim calcmode="lin" valueType="num">
-                                      <p:cBhvr additive="base">
-                                        <p:cTn id="50" dur="1200"/>
-                                        <p:tgtEl>
-                                          <p:spTgt spid="25"/>
-                                        </p:tgtEl>
-                                        <p:attrNameLst>
-                                          <p:attrName>ppt_x</p:attrName>
-                                        </p:attrNameLst>
-                                      </p:cBhvr>
-                                      <p:tavLst>
-                                        <p:tav tm="0">
-                                          <p:val>
-                                            <p:strVal val="ppt_x"/>
-                                          </p:val>
-                                        </p:tav>
-                                        <p:tav tm="100000">
-                                          <p:val>
-                                            <p:strVal val="0-ppt_w/2"/>
-                                          </p:val>
-                                        </p:tav>
-                                      </p:tavLst>
-                                    </p:anim>
-                                    <p:anim calcmode="lin" valueType="num">
-                                      <p:cBhvr additive="base">
-                                        <p:cTn id="51" dur="1200"/>
-                                        <p:tgtEl>
-                                          <p:spTgt spid="25"/>
-                                        </p:tgtEl>
-                                        <p:attrNameLst>
-                                          <p:attrName>ppt_y</p:attrName>
-                                        </p:attrNameLst>
-                                      </p:cBhvr>
-                                      <p:tavLst>
-                                        <p:tav tm="0">
-                                          <p:val>
-                                            <p:strVal val="ppt_y"/>
-                                          </p:val>
-                                        </p:tav>
-                                        <p:tav tm="100000">
-                                          <p:val>
-                                            <p:strVal val="ppt_y"/>
-                                          </p:val>
-                                        </p:tav>
-                                      </p:tavLst>
-                                    </p:anim>
-                                    <p:set>
-                                      <p:cBhvr>
-                                        <p:cTn id="52" dur="1" fill="hold">
-                                          <p:stCondLst>
-                                            <p:cond delay="1199"/>
-                                          </p:stCondLst>
-                                        </p:cTn>
-                                        <p:tgtEl>
-                                          <p:spTgt spid="25"/>
-                                        </p:tgtEl>
-                                        <p:attrNameLst>
-                                          <p:attrName>style.visibility</p:attrName>
-                                        </p:attrNameLst>
-                                      </p:cBhvr>
-                                      <p:to>
-                                        <p:strVal val="hidden"/>
-                                      </p:to>
-                                    </p:set>
-                                  </p:childTnLst>
-                                </p:cTn>
-                              </p:par>
-                              <p:par>
-                                <p:cTn id="53" presetID="2" presetClass="exit" presetSubtype="8" fill="hold" grpId="0" nodeType="withEffect">
-                                  <p:stCondLst>
-                                    <p:cond delay="0"/>
-                                  </p:stCondLst>
-                                  <p:childTnLst>
-                                    <p:anim calcmode="lin" valueType="num">
-                                      <p:cBhvr additive="base">
-                                        <p:cTn id="54" dur="1500"/>
-                                        <p:tgtEl>
-                                          <p:spTgt spid="21"/>
-                                        </p:tgtEl>
-                                        <p:attrNameLst>
-                                          <p:attrName>ppt_x</p:attrName>
-                                        </p:attrNameLst>
-                                      </p:cBhvr>
-                                      <p:tavLst>
-                                        <p:tav tm="0">
-                                          <p:val>
-                                            <p:strVal val="ppt_x"/>
-                                          </p:val>
-                                        </p:tav>
-                                        <p:tav tm="100000">
-                                          <p:val>
-                                            <p:strVal val="0-ppt_w/2"/>
-                                          </p:val>
-                                        </p:tav>
-                                      </p:tavLst>
-                                    </p:anim>
-                                    <p:anim calcmode="lin" valueType="num">
-                                      <p:cBhvr additive="base">
-                                        <p:cTn id="55" dur="1500"/>
-                                        <p:tgtEl>
-                                          <p:spTgt spid="21"/>
-                                        </p:tgtEl>
-                                        <p:attrNameLst>
-                                          <p:attrName>ppt_y</p:attrName>
-                                        </p:attrNameLst>
-                                      </p:cBhvr>
-                                      <p:tavLst>
-                                        <p:tav tm="0">
-                                          <p:val>
-                                            <p:strVal val="ppt_y"/>
-                                          </p:val>
-                                        </p:tav>
-                                        <p:tav tm="100000">
-                                          <p:val>
-                                            <p:strVal val="ppt_y"/>
-                                          </p:val>
-                                        </p:tav>
-                                      </p:tavLst>
-                                    </p:anim>
-                                    <p:set>
-                                      <p:cBhvr>
-                                        <p:cTn id="56" dur="1" fill="hold">
-                                          <p:stCondLst>
-                                            <p:cond delay="1499"/>
-                                          </p:stCondLst>
-                                        </p:cTn>
-                                        <p:tgtEl>
-                                          <p:spTgt spid="21"/>
-                                        </p:tgtEl>
-                                        <p:attrNameLst>
-                                          <p:attrName>style.visibility</p:attrName>
-                                        </p:attrNameLst>
-                                      </p:cBhvr>
-                                      <p:to>
-                                        <p:strVal val="hidden"/>
-                                      </p:to>
-                                    </p:set>
-                                  </p:childTnLst>
-                                </p:cTn>
-                              </p:par>
-                              <p:par>
-                                <p:cTn id="57" presetID="2" presetClass="exit" presetSubtype="8" fill="hold" grpId="0" nodeType="withEffect">
-                                  <p:stCondLst>
-                                    <p:cond delay="0"/>
-                                  </p:stCondLst>
-                                  <p:childTnLst>
-                                    <p:anim calcmode="lin" valueType="num">
-                                      <p:cBhvr additive="base">
-                                        <p:cTn id="58" dur="1500"/>
-                                        <p:tgtEl>
-                                          <p:spTgt spid="24"/>
-                                        </p:tgtEl>
-                                        <p:attrNameLst>
-                                          <p:attrName>ppt_x</p:attrName>
-                                        </p:attrNameLst>
-                                      </p:cBhvr>
-                                      <p:tavLst>
-                                        <p:tav tm="0">
-                                          <p:val>
-                                            <p:strVal val="ppt_x"/>
-                                          </p:val>
-                                        </p:tav>
-                                        <p:tav tm="100000">
-                                          <p:val>
-                                            <p:strVal val="0-ppt_w/2"/>
-                                          </p:val>
-                                        </p:tav>
-                                      </p:tavLst>
-                                    </p:anim>
-                                    <p:anim calcmode="lin" valueType="num">
-                                      <p:cBhvr additive="base">
-                                        <p:cTn id="59" dur="1500"/>
-                                        <p:tgtEl>
-                                          <p:spTgt spid="24"/>
-                                        </p:tgtEl>
-                                        <p:attrNameLst>
-                                          <p:attrName>ppt_y</p:attrName>
-                                        </p:attrNameLst>
-                                      </p:cBhvr>
-                                      <p:tavLst>
-                                        <p:tav tm="0">
-                                          <p:val>
-                                            <p:strVal val="ppt_y"/>
-                                          </p:val>
-                                        </p:tav>
-                                        <p:tav tm="100000">
-                                          <p:val>
-                                            <p:strVal val="ppt_y"/>
-                                          </p:val>
-                                        </p:tav>
-                                      </p:tavLst>
-                                    </p:anim>
-                                    <p:set>
-                                      <p:cBhvr>
-                                        <p:cTn id="60" dur="1" fill="hold">
-                                          <p:stCondLst>
-                                            <p:cond delay="1499"/>
-                                          </p:stCondLst>
-                                        </p:cTn>
-                                        <p:tgtEl>
-                                          <p:spTgt spid="24"/>
-                                        </p:tgtEl>
-                                        <p:attrNameLst>
-                                          <p:attrName>style.visibility</p:attrName>
-                                        </p:attrNameLst>
-                                      </p:cBhvr>
-                                      <p:to>
-                                        <p:strVal val="hidden"/>
-                                      </p:to>
-                                    </p:set>
-                                  </p:childTnLst>
-                                </p:cTn>
-                              </p:par>
-                              <p:par>
-                                <p:cTn id="61" presetID="2" presetClass="exit" presetSubtype="8" fill="hold" nodeType="withEffect">
-                                  <p:stCondLst>
-                                    <p:cond delay="0"/>
-                                  </p:stCondLst>
-                                  <p:childTnLst>
-                                    <p:anim calcmode="lin" valueType="num">
-                                      <p:cBhvr additive="base">
-                                        <p:cTn id="62" dur="1150"/>
-                                        <p:tgtEl>
-                                          <p:spTgt spid="27"/>
-                                        </p:tgtEl>
-                                        <p:attrNameLst>
-                                          <p:attrName>ppt_x</p:attrName>
-                                        </p:attrNameLst>
-                                      </p:cBhvr>
-                                      <p:tavLst>
-                                        <p:tav tm="0">
-                                          <p:val>
-                                            <p:strVal val="ppt_x"/>
-                                          </p:val>
-                                        </p:tav>
-                                        <p:tav tm="100000">
-                                          <p:val>
-                                            <p:strVal val="0-ppt_w/2"/>
-                                          </p:val>
-                                        </p:tav>
-                                      </p:tavLst>
-                                    </p:anim>
-                                    <p:anim calcmode="lin" valueType="num">
-                                      <p:cBhvr additive="base">
-                                        <p:cTn id="63" dur="1150"/>
-                                        <p:tgtEl>
-                                          <p:spTgt spid="27"/>
-                                        </p:tgtEl>
-                                        <p:attrNameLst>
-                                          <p:attrName>ppt_y</p:attrName>
-                                        </p:attrNameLst>
-                                      </p:cBhvr>
-                                      <p:tavLst>
-                                        <p:tav tm="0">
-                                          <p:val>
-                                            <p:strVal val="ppt_y"/>
-                                          </p:val>
-                                        </p:tav>
-                                        <p:tav tm="100000">
-                                          <p:val>
-                                            <p:strVal val="ppt_y"/>
-                                          </p:val>
-                                        </p:tav>
-                                      </p:tavLst>
-                                    </p:anim>
-                                    <p:set>
-                                      <p:cBhvr>
-                                        <p:cTn id="64" dur="1" fill="hold">
-                                          <p:stCondLst>
-                                            <p:cond delay="1149"/>
-                                          </p:stCondLst>
-                                        </p:cTn>
-                                        <p:tgtEl>
-                                          <p:spTgt spid="27"/>
-                                        </p:tgtEl>
-                                        <p:attrNameLst>
-                                          <p:attrName>style.visibility</p:attrName>
-                                        </p:attrNameLst>
-                                      </p:cBhvr>
-                                      <p:to>
-                                        <p:strVal val="hidden"/>
-                                      </p:to>
-                                    </p:set>
-                                  </p:childTnLst>
-                                </p:cTn>
-                              </p:par>
-                            </p:childTnLst>
-                          </p:cTn>
-                        </p:par>
-                      </p:childTnLst>
-                    </p:cTn>
-                  </p:par>
-                </p:childTnLst>
-              </p:cTn>
-              <p:prevCondLst>
-                <p:cond evt="onPrev" delay="0">
-                  <p:tgtEl>
-                    <p:sldTgt/>
-                  </p:tgtEl>
-                </p:cond>
-              </p:prevCondLst>
-              <p:nextCondLst>
-                <p:cond evt="onNext" delay="0">
-                  <p:tgtEl>
-                    <p:sldTgt/>
-                  </p:tgtEl>
-                </p:cond>
-              </p:nextCondLst>
-            </p:seq>
-          </p:childTnLst>
-        </p:cTn>
-      </p:par>
-    </p:tnLst>
-    <p:bldLst>
-      <p:bldP spid="21" grpId="0" animBg="1"/>
-      <p:bldP spid="22" grpId="0" animBg="1"/>
-      <p:bldP spid="23" grpId="0" animBg="1"/>
-      <p:bldP spid="24" grpId="0" animBg="1"/>
-      <p:bldP spid="25" grpId="0" animBg="1"/>
-      <p:bldP spid="26" grpId="0" animBg="1"/>
-    </p:bldLst>
-  </p:timing>
 </p:sld>
 </file>
 
 <file path=ppt/slides/slide4.xml><?xml version="1.0" encoding="utf-8"?>
+<p:sld xmlns:a="http://schemas.openxmlformats.org/drawingml/2006/main" xmlns:r="http://schemas.openxmlformats.org/officeDocument/2006/relationships" xmlns:p="http://schemas.openxmlformats.org/presentationml/2006/main">
+  <p:cSld>
+    <p:spTree>
+      <p:nvGrpSpPr>
+        <p:cNvPr id="1" name=""/>
+        <p:cNvGrpSpPr/>
+        <p:nvPr/>
+      </p:nvGrpSpPr>
+      <p:grpSpPr>
+        <a:xfrm>
+          <a:off x="0" y="0"/>
+          <a:ext cx="0" cy="0"/>
+          <a:chOff x="0" y="0"/>
+          <a:chExt cx="0" cy="0"/>
+        </a:xfrm>
+      </p:grpSpPr>
+      <p:sp>
+        <p:nvSpPr>
+          <p:cNvPr id="70" name="六角形 69">
+            <a:extLst>
+              <a:ext uri="{FF2B5EF4-FFF2-40B4-BE49-F238E27FC236}">
+                <a16:creationId xmlns:a16="http://schemas.microsoft.com/office/drawing/2014/main" id="{9ABA0172-07C8-FD29-360E-6054BC5FD642}"/>
+              </a:ext>
+            </a:extLst>
+          </p:cNvPr>
+          <p:cNvSpPr/>
+          <p:nvPr/>
+        </p:nvSpPr>
+        <p:spPr>
+          <a:xfrm>
+            <a:off x="1468918" y="3968624"/>
+            <a:ext cx="900000" cy="900000"/>
+          </a:xfrm>
+          <a:prstGeom prst="hexagon">
+            <a:avLst/>
+          </a:prstGeom>
+          <a:solidFill>
+            <a:srgbClr val="00B0F0"/>
+          </a:solidFill>
+          <a:ln w="12700"/>
+        </p:spPr>
+        <p:style>
+          <a:lnRef idx="2">
+            <a:schemeClr val="accent1">
+              <a:shade val="50000"/>
+            </a:schemeClr>
+          </a:lnRef>
+          <a:fillRef idx="1">
+            <a:schemeClr val="accent1"/>
+          </a:fillRef>
+          <a:effectRef idx="0">
+            <a:schemeClr val="accent1"/>
+          </a:effectRef>
+          <a:fontRef idx="minor">
+            <a:schemeClr val="lt1"/>
+          </a:fontRef>
+        </p:style>
+        <p:txBody>
+          <a:bodyPr rtlCol="0" anchor="ctr"/>
+          <a:lstStyle/>
+          <a:p>
+            <a:pPr algn="ctr"/>
+            <a:endParaRPr kumimoji="1" lang="ja-JP" altLang="en-US"/>
+          </a:p>
+        </p:txBody>
+      </p:sp>
+      <p:sp>
+        <p:nvSpPr>
+          <p:cNvPr id="71" name="六角形 70">
+            <a:extLst>
+              <a:ext uri="{FF2B5EF4-FFF2-40B4-BE49-F238E27FC236}">
+                <a16:creationId xmlns:a16="http://schemas.microsoft.com/office/drawing/2014/main" id="{2F53D961-DEAB-4A0F-5E9C-3350241C599C}"/>
+              </a:ext>
+            </a:extLst>
+          </p:cNvPr>
+          <p:cNvSpPr/>
+          <p:nvPr/>
+        </p:nvSpPr>
+        <p:spPr>
+          <a:xfrm>
+            <a:off x="2145193" y="3520529"/>
+            <a:ext cx="900000" cy="900000"/>
+          </a:xfrm>
+          <a:prstGeom prst="hexagon">
+            <a:avLst/>
+          </a:prstGeom>
+          <a:solidFill>
+            <a:srgbClr val="00B0F0"/>
+          </a:solidFill>
+          <a:ln w="12700"/>
+        </p:spPr>
+        <p:style>
+          <a:lnRef idx="2">
+            <a:schemeClr val="accent1">
+              <a:shade val="50000"/>
+            </a:schemeClr>
+          </a:lnRef>
+          <a:fillRef idx="1">
+            <a:schemeClr val="accent1"/>
+          </a:fillRef>
+          <a:effectRef idx="0">
+            <a:schemeClr val="accent1"/>
+          </a:effectRef>
+          <a:fontRef idx="minor">
+            <a:schemeClr val="lt1"/>
+          </a:fontRef>
+        </p:style>
+        <p:txBody>
+          <a:bodyPr rtlCol="0" anchor="ctr"/>
+          <a:lstStyle/>
+          <a:p>
+            <a:pPr algn="ctr"/>
+            <a:endParaRPr kumimoji="1" lang="ja-JP" altLang="en-US"/>
+          </a:p>
+        </p:txBody>
+      </p:sp>
+      <p:sp>
+        <p:nvSpPr>
+          <p:cNvPr id="72" name="六角形 71">
+            <a:extLst>
+              <a:ext uri="{FF2B5EF4-FFF2-40B4-BE49-F238E27FC236}">
+                <a16:creationId xmlns:a16="http://schemas.microsoft.com/office/drawing/2014/main" id="{8001A97C-739A-E3DC-2C1E-5A2EC4315E9B}"/>
+              </a:ext>
+            </a:extLst>
+          </p:cNvPr>
+          <p:cNvSpPr/>
+          <p:nvPr/>
+        </p:nvSpPr>
+        <p:spPr>
+          <a:xfrm>
+            <a:off x="2145193" y="2621100"/>
+            <a:ext cx="900000" cy="900000"/>
+          </a:xfrm>
+          <a:prstGeom prst="hexagon">
+            <a:avLst/>
+          </a:prstGeom>
+          <a:solidFill>
+            <a:srgbClr val="00B0F0"/>
+          </a:solidFill>
+          <a:ln w="12700"/>
+        </p:spPr>
+        <p:style>
+          <a:lnRef idx="2">
+            <a:schemeClr val="accent1">
+              <a:shade val="50000"/>
+            </a:schemeClr>
+          </a:lnRef>
+          <a:fillRef idx="1">
+            <a:schemeClr val="accent1"/>
+          </a:fillRef>
+          <a:effectRef idx="0">
+            <a:schemeClr val="accent1"/>
+          </a:effectRef>
+          <a:fontRef idx="minor">
+            <a:schemeClr val="lt1"/>
+          </a:fontRef>
+        </p:style>
+        <p:txBody>
+          <a:bodyPr rtlCol="0" anchor="ctr"/>
+          <a:lstStyle/>
+          <a:p>
+            <a:pPr algn="ctr"/>
+            <a:endParaRPr kumimoji="1" lang="ja-JP" altLang="en-US"/>
+          </a:p>
+        </p:txBody>
+      </p:sp>
+      <p:sp>
+        <p:nvSpPr>
+          <p:cNvPr id="18" name="正方形/長方形 17">
+            <a:extLst>
+              <a:ext uri="{FF2B5EF4-FFF2-40B4-BE49-F238E27FC236}">
+                <a16:creationId xmlns:a16="http://schemas.microsoft.com/office/drawing/2014/main" id="{FFE66F17-3ABB-49E2-4B2A-F36C9B4DEB74}"/>
+              </a:ext>
+            </a:extLst>
+          </p:cNvPr>
+          <p:cNvSpPr/>
+          <p:nvPr/>
+        </p:nvSpPr>
+        <p:spPr>
+          <a:xfrm>
+            <a:off x="1156254" y="1604149"/>
+            <a:ext cx="9879491" cy="3896999"/>
+          </a:xfrm>
+          <a:prstGeom prst="rect">
+            <a:avLst/>
+          </a:prstGeom>
+          <a:noFill/>
+          <a:ln w="38100">
+            <a:solidFill>
+              <a:schemeClr val="tx1"/>
+            </a:solidFill>
+          </a:ln>
+        </p:spPr>
+        <p:style>
+          <a:lnRef idx="2">
+            <a:schemeClr val="accent1">
+              <a:shade val="15000"/>
+            </a:schemeClr>
+          </a:lnRef>
+          <a:fillRef idx="1">
+            <a:schemeClr val="accent1"/>
+          </a:fillRef>
+          <a:effectRef idx="0">
+            <a:schemeClr val="accent1"/>
+          </a:effectRef>
+          <a:fontRef idx="minor">
+            <a:schemeClr val="lt1"/>
+          </a:fontRef>
+        </p:style>
+        <p:txBody>
+          <a:bodyPr rtlCol="0" anchor="ctr"/>
+          <a:lstStyle/>
+          <a:p>
+            <a:pPr algn="ctr"/>
+            <a:endParaRPr kumimoji="1" lang="ja-JP" altLang="en-US"/>
+          </a:p>
+        </p:txBody>
+      </p:sp>
+      <p:sp>
+        <p:nvSpPr>
+          <p:cNvPr id="2" name="テキスト ボックス 1">
+            <a:extLst>
+              <a:ext uri="{FF2B5EF4-FFF2-40B4-BE49-F238E27FC236}">
+                <a16:creationId xmlns:a16="http://schemas.microsoft.com/office/drawing/2014/main" id="{A0F4658D-A937-89F7-F7CE-E54595E91EF6}"/>
+              </a:ext>
+            </a:extLst>
+          </p:cNvPr>
+          <p:cNvSpPr txBox="1"/>
+          <p:nvPr/>
+        </p:nvSpPr>
+        <p:spPr>
+          <a:xfrm>
+            <a:off x="0" y="0"/>
+            <a:ext cx="5298245" cy="923330"/>
+          </a:xfrm>
+          <a:prstGeom prst="rect">
+            <a:avLst/>
+          </a:prstGeom>
+          <a:noFill/>
+        </p:spPr>
+        <p:txBody>
+          <a:bodyPr wrap="none" rtlCol="0">
+            <a:spAutoFit/>
+          </a:bodyPr>
+          <a:lstStyle/>
+          <a:p>
+            <a:r>
+              <a:rPr lang="ja-JP" altLang="en-US" sz="5400" dirty="0">
+                <a:latin typeface="GN-キルゴUかなO" panose="02000600000000000000" pitchFamily="2" charset="-128"/>
+                <a:ea typeface="GN-キルゴUかなO" panose="02000600000000000000" pitchFamily="2" charset="-128"/>
+              </a:rPr>
+              <a:t>ゲームのイメージ</a:t>
+            </a:r>
+            <a:endParaRPr kumimoji="1" lang="ja-JP" altLang="en-US" sz="5400" dirty="0">
+              <a:latin typeface="GN-キルゴUかなO" panose="02000600000000000000" pitchFamily="2" charset="-128"/>
+              <a:ea typeface="GN-キルゴUかなO" panose="02000600000000000000" pitchFamily="2" charset="-128"/>
+            </a:endParaRPr>
+          </a:p>
+        </p:txBody>
+      </p:sp>
+      <p:sp>
+        <p:nvSpPr>
+          <p:cNvPr id="19" name="六角形 18">
+            <a:extLst>
+              <a:ext uri="{FF2B5EF4-FFF2-40B4-BE49-F238E27FC236}">
+                <a16:creationId xmlns:a16="http://schemas.microsoft.com/office/drawing/2014/main" id="{AD5DCF0A-5C0B-76C8-B933-602CA4648AC3}"/>
+              </a:ext>
+            </a:extLst>
+          </p:cNvPr>
+          <p:cNvSpPr/>
+          <p:nvPr/>
+        </p:nvSpPr>
+        <p:spPr>
+          <a:xfrm>
+            <a:off x="4149781" y="3967405"/>
+            <a:ext cx="900000" cy="900000"/>
+          </a:xfrm>
+          <a:prstGeom prst="hexagon">
+            <a:avLst/>
+          </a:prstGeom>
+          <a:solidFill>
+            <a:schemeClr val="accent1">
+              <a:lumMod val="20000"/>
+              <a:lumOff val="80000"/>
+            </a:schemeClr>
+          </a:solidFill>
+          <a:ln w="12700"/>
+        </p:spPr>
+        <p:style>
+          <a:lnRef idx="2">
+            <a:schemeClr val="accent1">
+              <a:shade val="50000"/>
+            </a:schemeClr>
+          </a:lnRef>
+          <a:fillRef idx="1">
+            <a:schemeClr val="accent1"/>
+          </a:fillRef>
+          <a:effectRef idx="0">
+            <a:schemeClr val="accent1"/>
+          </a:effectRef>
+          <a:fontRef idx="minor">
+            <a:schemeClr val="lt1"/>
+          </a:fontRef>
+        </p:style>
+        <p:txBody>
+          <a:bodyPr rtlCol="0" anchor="ctr"/>
+          <a:lstStyle/>
+          <a:p>
+            <a:pPr algn="ctr"/>
+            <a:endParaRPr kumimoji="1" lang="ja-JP" altLang="en-US"/>
+          </a:p>
+        </p:txBody>
+      </p:sp>
+      <p:sp>
+        <p:nvSpPr>
+          <p:cNvPr id="24" name="六角形 23">
+            <a:extLst>
+              <a:ext uri="{FF2B5EF4-FFF2-40B4-BE49-F238E27FC236}">
+                <a16:creationId xmlns:a16="http://schemas.microsoft.com/office/drawing/2014/main" id="{1F073947-247B-CB10-6B23-547D9CC329BA}"/>
+              </a:ext>
+            </a:extLst>
+          </p:cNvPr>
+          <p:cNvSpPr/>
+          <p:nvPr/>
+        </p:nvSpPr>
+        <p:spPr>
+          <a:xfrm>
+            <a:off x="4826056" y="3519310"/>
+            <a:ext cx="900000" cy="900000"/>
+          </a:xfrm>
+          <a:prstGeom prst="hexagon">
+            <a:avLst/>
+          </a:prstGeom>
+          <a:solidFill>
+            <a:schemeClr val="accent1">
+              <a:lumMod val="20000"/>
+              <a:lumOff val="80000"/>
+            </a:schemeClr>
+          </a:solidFill>
+          <a:ln w="12700"/>
+        </p:spPr>
+        <p:style>
+          <a:lnRef idx="2">
+            <a:schemeClr val="accent1">
+              <a:shade val="50000"/>
+            </a:schemeClr>
+          </a:lnRef>
+          <a:fillRef idx="1">
+            <a:schemeClr val="accent1"/>
+          </a:fillRef>
+          <a:effectRef idx="0">
+            <a:schemeClr val="accent1"/>
+          </a:effectRef>
+          <a:fontRef idx="minor">
+            <a:schemeClr val="lt1"/>
+          </a:fontRef>
+        </p:style>
+        <p:txBody>
+          <a:bodyPr rtlCol="0" anchor="ctr"/>
+          <a:lstStyle/>
+          <a:p>
+            <a:pPr algn="ctr"/>
+            <a:endParaRPr kumimoji="1" lang="ja-JP" altLang="en-US"/>
+          </a:p>
+        </p:txBody>
+      </p:sp>
+      <p:sp>
+        <p:nvSpPr>
+          <p:cNvPr id="31" name="六角形 30">
+            <a:extLst>
+              <a:ext uri="{FF2B5EF4-FFF2-40B4-BE49-F238E27FC236}">
+                <a16:creationId xmlns:a16="http://schemas.microsoft.com/office/drawing/2014/main" id="{C5923BFE-B38C-6CEE-9EE5-F343AF919F7F}"/>
+              </a:ext>
+            </a:extLst>
+          </p:cNvPr>
+          <p:cNvSpPr/>
+          <p:nvPr/>
+        </p:nvSpPr>
+        <p:spPr>
+          <a:xfrm>
+            <a:off x="4828683" y="2619310"/>
+            <a:ext cx="900000" cy="900000"/>
+          </a:xfrm>
+          <a:prstGeom prst="hexagon">
+            <a:avLst/>
+          </a:prstGeom>
+          <a:solidFill>
+            <a:schemeClr val="accent1">
+              <a:lumMod val="20000"/>
+              <a:lumOff val="80000"/>
+            </a:schemeClr>
+          </a:solidFill>
+          <a:ln w="12700"/>
+        </p:spPr>
+        <p:style>
+          <a:lnRef idx="2">
+            <a:schemeClr val="accent1">
+              <a:shade val="50000"/>
+            </a:schemeClr>
+          </a:lnRef>
+          <a:fillRef idx="1">
+            <a:schemeClr val="accent1"/>
+          </a:fillRef>
+          <a:effectRef idx="0">
+            <a:schemeClr val="accent1"/>
+          </a:effectRef>
+          <a:fontRef idx="minor">
+            <a:schemeClr val="lt1"/>
+          </a:fontRef>
+        </p:style>
+        <p:txBody>
+          <a:bodyPr rtlCol="0" anchor="ctr"/>
+          <a:lstStyle/>
+          <a:p>
+            <a:pPr algn="ctr"/>
+            <a:endParaRPr kumimoji="1" lang="ja-JP" altLang="en-US"/>
+          </a:p>
+        </p:txBody>
+      </p:sp>
+      <p:sp>
+        <p:nvSpPr>
+          <p:cNvPr id="32" name="六角形 31">
+            <a:extLst>
+              <a:ext uri="{FF2B5EF4-FFF2-40B4-BE49-F238E27FC236}">
+                <a16:creationId xmlns:a16="http://schemas.microsoft.com/office/drawing/2014/main" id="{D8C10FE7-9702-B3D6-7F73-2F94367EE8FC}"/>
+              </a:ext>
+            </a:extLst>
+          </p:cNvPr>
+          <p:cNvSpPr/>
+          <p:nvPr/>
+        </p:nvSpPr>
+        <p:spPr>
+          <a:xfrm>
+            <a:off x="4161356" y="2167381"/>
+            <a:ext cx="900000" cy="900000"/>
+          </a:xfrm>
+          <a:prstGeom prst="hexagon">
+            <a:avLst/>
+          </a:prstGeom>
+          <a:solidFill>
+            <a:schemeClr val="accent1">
+              <a:lumMod val="20000"/>
+              <a:lumOff val="80000"/>
+            </a:schemeClr>
+          </a:solidFill>
+          <a:ln w="12700"/>
+        </p:spPr>
+        <p:style>
+          <a:lnRef idx="2">
+            <a:schemeClr val="accent1">
+              <a:shade val="50000"/>
+            </a:schemeClr>
+          </a:lnRef>
+          <a:fillRef idx="1">
+            <a:schemeClr val="accent1"/>
+          </a:fillRef>
+          <a:effectRef idx="0">
+            <a:schemeClr val="accent1"/>
+          </a:effectRef>
+          <a:fontRef idx="minor">
+            <a:schemeClr val="lt1"/>
+          </a:fontRef>
+        </p:style>
+        <p:txBody>
+          <a:bodyPr rtlCol="0" anchor="ctr"/>
+          <a:lstStyle/>
+          <a:p>
+            <a:pPr algn="ctr"/>
+            <a:endParaRPr kumimoji="1" lang="ja-JP" altLang="en-US"/>
+          </a:p>
+        </p:txBody>
+      </p:sp>
+      <p:sp>
+        <p:nvSpPr>
+          <p:cNvPr id="33" name="六角形 32">
+            <a:extLst>
+              <a:ext uri="{FF2B5EF4-FFF2-40B4-BE49-F238E27FC236}">
+                <a16:creationId xmlns:a16="http://schemas.microsoft.com/office/drawing/2014/main" id="{A88CCD1A-D6AB-8ACF-0AD4-3B358B0F17A5}"/>
+              </a:ext>
+            </a:extLst>
+          </p:cNvPr>
+          <p:cNvSpPr/>
+          <p:nvPr/>
+        </p:nvSpPr>
+        <p:spPr>
+          <a:xfrm>
+            <a:off x="8178180" y="2627257"/>
+            <a:ext cx="900000" cy="900000"/>
+          </a:xfrm>
+          <a:prstGeom prst="hexagon">
+            <a:avLst/>
+          </a:prstGeom>
+          <a:solidFill>
+            <a:schemeClr val="accent1">
+              <a:lumMod val="20000"/>
+              <a:lumOff val="80000"/>
+            </a:schemeClr>
+          </a:solidFill>
+          <a:ln w="12700"/>
+        </p:spPr>
+        <p:style>
+          <a:lnRef idx="2">
+            <a:schemeClr val="accent1">
+              <a:shade val="50000"/>
+            </a:schemeClr>
+          </a:lnRef>
+          <a:fillRef idx="1">
+            <a:schemeClr val="accent1"/>
+          </a:fillRef>
+          <a:effectRef idx="0">
+            <a:schemeClr val="accent1"/>
+          </a:effectRef>
+          <a:fontRef idx="minor">
+            <a:schemeClr val="lt1"/>
+          </a:fontRef>
+        </p:style>
+        <p:txBody>
+          <a:bodyPr rtlCol="0" anchor="ctr"/>
+          <a:lstStyle/>
+          <a:p>
+            <a:pPr algn="ctr"/>
+            <a:endParaRPr kumimoji="1" lang="ja-JP" altLang="en-US"/>
+          </a:p>
+        </p:txBody>
+      </p:sp>
+      <p:sp>
+        <p:nvSpPr>
+          <p:cNvPr id="34" name="六角形 33">
+            <a:extLst>
+              <a:ext uri="{FF2B5EF4-FFF2-40B4-BE49-F238E27FC236}">
+                <a16:creationId xmlns:a16="http://schemas.microsoft.com/office/drawing/2014/main" id="{3ADA2276-12E9-8D18-1E30-3CBF3936C060}"/>
+              </a:ext>
+            </a:extLst>
+          </p:cNvPr>
+          <p:cNvSpPr/>
+          <p:nvPr/>
+        </p:nvSpPr>
+        <p:spPr>
+          <a:xfrm>
+            <a:off x="7510853" y="2175328"/>
+            <a:ext cx="900000" cy="900000"/>
+          </a:xfrm>
+          <a:prstGeom prst="hexagon">
+            <a:avLst/>
+          </a:prstGeom>
+          <a:solidFill>
+            <a:schemeClr val="accent1">
+              <a:lumMod val="20000"/>
+              <a:lumOff val="80000"/>
+            </a:schemeClr>
+          </a:solidFill>
+          <a:ln w="12700"/>
+        </p:spPr>
+        <p:style>
+          <a:lnRef idx="2">
+            <a:schemeClr val="accent1">
+              <a:shade val="50000"/>
+            </a:schemeClr>
+          </a:lnRef>
+          <a:fillRef idx="1">
+            <a:schemeClr val="accent1"/>
+          </a:fillRef>
+          <a:effectRef idx="0">
+            <a:schemeClr val="accent1"/>
+          </a:effectRef>
+          <a:fontRef idx="minor">
+            <a:schemeClr val="lt1"/>
+          </a:fontRef>
+        </p:style>
+        <p:txBody>
+          <a:bodyPr rtlCol="0" anchor="ctr"/>
+          <a:lstStyle/>
+          <a:p>
+            <a:pPr algn="ctr"/>
+            <a:endParaRPr kumimoji="1" lang="ja-JP" altLang="en-US"/>
+          </a:p>
+        </p:txBody>
+      </p:sp>
+      <p:sp>
+        <p:nvSpPr>
+          <p:cNvPr id="35" name="六角形 34">
+            <a:extLst>
+              <a:ext uri="{FF2B5EF4-FFF2-40B4-BE49-F238E27FC236}">
+                <a16:creationId xmlns:a16="http://schemas.microsoft.com/office/drawing/2014/main" id="{0CEB4E0A-A4A4-7E6E-4697-DFB9888A4866}"/>
+              </a:ext>
+            </a:extLst>
+          </p:cNvPr>
+          <p:cNvSpPr/>
+          <p:nvPr/>
+        </p:nvSpPr>
+        <p:spPr>
+          <a:xfrm>
+            <a:off x="6839716" y="1719589"/>
+            <a:ext cx="900000" cy="900000"/>
+          </a:xfrm>
+          <a:prstGeom prst="hexagon">
+            <a:avLst/>
+          </a:prstGeom>
+          <a:solidFill>
+            <a:schemeClr val="accent1">
+              <a:lumMod val="20000"/>
+              <a:lumOff val="80000"/>
+            </a:schemeClr>
+          </a:solidFill>
+          <a:ln w="12700"/>
+        </p:spPr>
+        <p:style>
+          <a:lnRef idx="2">
+            <a:schemeClr val="accent1">
+              <a:shade val="50000"/>
+            </a:schemeClr>
+          </a:lnRef>
+          <a:fillRef idx="1">
+            <a:schemeClr val="accent1"/>
+          </a:fillRef>
+          <a:effectRef idx="0">
+            <a:schemeClr val="accent1"/>
+          </a:effectRef>
+          <a:fontRef idx="minor">
+            <a:schemeClr val="lt1"/>
+          </a:fontRef>
+        </p:style>
+        <p:txBody>
+          <a:bodyPr rtlCol="0" anchor="ctr"/>
+          <a:lstStyle/>
+          <a:p>
+            <a:pPr algn="ctr"/>
+            <a:endParaRPr kumimoji="1" lang="ja-JP" altLang="en-US"/>
+          </a:p>
+        </p:txBody>
+      </p:sp>
+      <p:cxnSp>
+        <p:nvCxnSpPr>
+          <p:cNvPr id="36" name="直線コネクタ 35">
+            <a:extLst>
+              <a:ext uri="{FF2B5EF4-FFF2-40B4-BE49-F238E27FC236}">
+                <a16:creationId xmlns:a16="http://schemas.microsoft.com/office/drawing/2014/main" id="{CCDCF1F3-4370-5714-4689-F13D52EB0FEC}"/>
+              </a:ext>
+            </a:extLst>
+          </p:cNvPr>
+          <p:cNvCxnSpPr>
+            <a:cxnSpLocks/>
+          </p:cNvCxnSpPr>
+          <p:nvPr/>
+        </p:nvCxnSpPr>
+        <p:spPr>
+          <a:xfrm>
+            <a:off x="9055360" y="2617381"/>
+            <a:ext cx="1181297" cy="0"/>
+          </a:xfrm>
+          <a:prstGeom prst="line">
+            <a:avLst/>
+          </a:prstGeom>
+        </p:spPr>
+        <p:style>
+          <a:lnRef idx="2">
+            <a:schemeClr val="accent1"/>
+          </a:lnRef>
+          <a:fillRef idx="0">
+            <a:schemeClr val="accent1"/>
+          </a:fillRef>
+          <a:effectRef idx="1">
+            <a:schemeClr val="accent1"/>
+          </a:effectRef>
+          <a:fontRef idx="minor">
+            <a:schemeClr val="tx1"/>
+          </a:fontRef>
+        </p:style>
+      </p:cxnSp>
+      <p:cxnSp>
+        <p:nvCxnSpPr>
+          <p:cNvPr id="37" name="直線コネクタ 36">
+            <a:extLst>
+              <a:ext uri="{FF2B5EF4-FFF2-40B4-BE49-F238E27FC236}">
+                <a16:creationId xmlns:a16="http://schemas.microsoft.com/office/drawing/2014/main" id="{C1D5DA92-CE7E-3802-F209-E28C4E85C384}"/>
+              </a:ext>
+            </a:extLst>
+          </p:cNvPr>
+          <p:cNvCxnSpPr>
+            <a:cxnSpLocks/>
+          </p:cNvCxnSpPr>
+          <p:nvPr/>
+        </p:nvCxnSpPr>
+        <p:spPr>
+          <a:xfrm>
+            <a:off x="9466733" y="2959851"/>
+            <a:ext cx="966243" cy="0"/>
+          </a:xfrm>
+          <a:prstGeom prst="line">
+            <a:avLst/>
+          </a:prstGeom>
+        </p:spPr>
+        <p:style>
+          <a:lnRef idx="2">
+            <a:schemeClr val="accent1"/>
+          </a:lnRef>
+          <a:fillRef idx="0">
+            <a:schemeClr val="accent1"/>
+          </a:fillRef>
+          <a:effectRef idx="1">
+            <a:schemeClr val="accent1"/>
+          </a:effectRef>
+          <a:fontRef idx="minor">
+            <a:schemeClr val="tx1"/>
+          </a:fontRef>
+        </p:style>
+      </p:cxnSp>
+      <p:cxnSp>
+        <p:nvCxnSpPr>
+          <p:cNvPr id="38" name="直線コネクタ 37">
+            <a:extLst>
+              <a:ext uri="{FF2B5EF4-FFF2-40B4-BE49-F238E27FC236}">
+                <a16:creationId xmlns:a16="http://schemas.microsoft.com/office/drawing/2014/main" id="{22C196DA-1D86-738E-DFE7-1F5B51ACA909}"/>
+              </a:ext>
+            </a:extLst>
+          </p:cNvPr>
+          <p:cNvCxnSpPr>
+            <a:cxnSpLocks/>
+          </p:cNvCxnSpPr>
+          <p:nvPr/>
+        </p:nvCxnSpPr>
+        <p:spPr>
+          <a:xfrm flipV="1">
+            <a:off x="9138663" y="3325157"/>
+            <a:ext cx="1014690" cy="14274"/>
+          </a:xfrm>
+          <a:prstGeom prst="line">
+            <a:avLst/>
+          </a:prstGeom>
+        </p:spPr>
+        <p:style>
+          <a:lnRef idx="2">
+            <a:schemeClr val="accent1"/>
+          </a:lnRef>
+          <a:fillRef idx="0">
+            <a:schemeClr val="accent1"/>
+          </a:fillRef>
+          <a:effectRef idx="1">
+            <a:schemeClr val="accent1"/>
+          </a:effectRef>
+          <a:fontRef idx="minor">
+            <a:schemeClr val="tx1"/>
+          </a:fontRef>
+        </p:style>
+      </p:cxnSp>
+      <p:cxnSp>
+        <p:nvCxnSpPr>
+          <p:cNvPr id="39" name="直線コネクタ 38">
+            <a:extLst>
+              <a:ext uri="{FF2B5EF4-FFF2-40B4-BE49-F238E27FC236}">
+                <a16:creationId xmlns:a16="http://schemas.microsoft.com/office/drawing/2014/main" id="{C3E06EDE-6172-1999-D0F9-07C440B61A5D}"/>
+              </a:ext>
+            </a:extLst>
+          </p:cNvPr>
+          <p:cNvCxnSpPr>
+            <a:cxnSpLocks/>
+          </p:cNvCxnSpPr>
+          <p:nvPr/>
+        </p:nvCxnSpPr>
+        <p:spPr>
+          <a:xfrm>
+            <a:off x="8066656" y="2042414"/>
+            <a:ext cx="1519304" cy="0"/>
+          </a:xfrm>
+          <a:prstGeom prst="line">
+            <a:avLst/>
+          </a:prstGeom>
+        </p:spPr>
+        <p:style>
+          <a:lnRef idx="2">
+            <a:schemeClr val="accent1"/>
+          </a:lnRef>
+          <a:fillRef idx="0">
+            <a:schemeClr val="accent1"/>
+          </a:fillRef>
+          <a:effectRef idx="1">
+            <a:schemeClr val="accent1"/>
+          </a:effectRef>
+          <a:fontRef idx="minor">
+            <a:schemeClr val="tx1"/>
+          </a:fontRef>
+        </p:style>
+      </p:cxnSp>
+      <p:cxnSp>
+        <p:nvCxnSpPr>
+          <p:cNvPr id="40" name="直線コネクタ 39">
+            <a:extLst>
+              <a:ext uri="{FF2B5EF4-FFF2-40B4-BE49-F238E27FC236}">
+                <a16:creationId xmlns:a16="http://schemas.microsoft.com/office/drawing/2014/main" id="{7A84AD8B-A722-E1A9-5836-072D38B5DD52}"/>
+              </a:ext>
+            </a:extLst>
+          </p:cNvPr>
+          <p:cNvCxnSpPr>
+            <a:cxnSpLocks/>
+          </p:cNvCxnSpPr>
+          <p:nvPr/>
+        </p:nvCxnSpPr>
+        <p:spPr>
+          <a:xfrm>
+            <a:off x="8550859" y="2342212"/>
+            <a:ext cx="931747" cy="0"/>
+          </a:xfrm>
+          <a:prstGeom prst="line">
+            <a:avLst/>
+          </a:prstGeom>
+        </p:spPr>
+        <p:style>
+          <a:lnRef idx="2">
+            <a:schemeClr val="accent1"/>
+          </a:lnRef>
+          <a:fillRef idx="0">
+            <a:schemeClr val="accent1"/>
+          </a:fillRef>
+          <a:effectRef idx="1">
+            <a:schemeClr val="accent1"/>
+          </a:effectRef>
+          <a:fontRef idx="minor">
+            <a:schemeClr val="tx1"/>
+          </a:fontRef>
+        </p:style>
+      </p:cxnSp>
+      <p:cxnSp>
+        <p:nvCxnSpPr>
+          <p:cNvPr id="41" name="直線コネクタ 40">
+            <a:extLst>
+              <a:ext uri="{FF2B5EF4-FFF2-40B4-BE49-F238E27FC236}">
+                <a16:creationId xmlns:a16="http://schemas.microsoft.com/office/drawing/2014/main" id="{C6CB91D0-1E5C-BAD2-9758-7ED513FF6871}"/>
+              </a:ext>
+            </a:extLst>
+          </p:cNvPr>
+          <p:cNvCxnSpPr>
+            <a:cxnSpLocks/>
+          </p:cNvCxnSpPr>
+          <p:nvPr/>
+        </p:nvCxnSpPr>
+        <p:spPr>
+          <a:xfrm>
+            <a:off x="7743350" y="1785334"/>
+            <a:ext cx="1544890" cy="5338"/>
+          </a:xfrm>
+          <a:prstGeom prst="line">
+            <a:avLst/>
+          </a:prstGeom>
+        </p:spPr>
+        <p:style>
+          <a:lnRef idx="2">
+            <a:schemeClr val="accent1"/>
+          </a:lnRef>
+          <a:fillRef idx="0">
+            <a:schemeClr val="accent1"/>
+          </a:fillRef>
+          <a:effectRef idx="1">
+            <a:schemeClr val="accent1"/>
+          </a:effectRef>
+          <a:fontRef idx="minor">
+            <a:schemeClr val="tx1"/>
+          </a:fontRef>
+        </p:style>
+      </p:cxnSp>
+      <p:pic>
+        <p:nvPicPr>
+          <p:cNvPr id="45" name="図 44">
+            <a:extLst>
+              <a:ext uri="{FF2B5EF4-FFF2-40B4-BE49-F238E27FC236}">
+                <a16:creationId xmlns:a16="http://schemas.microsoft.com/office/drawing/2014/main" id="{BA32613C-8A25-2C3A-C4FE-FF4008605EBD}"/>
+              </a:ext>
+            </a:extLst>
+          </p:cNvPr>
+          <p:cNvPicPr>
+            <a:picLocks noChangeAspect="1"/>
+          </p:cNvPicPr>
+          <p:nvPr/>
+        </p:nvPicPr>
+        <p:blipFill>
+          <a:blip r:embed="rId2">
+            <a:extLst>
+              <a:ext uri="{28A0092B-C50C-407E-A947-70E740481C1C}">
+                <a14:useLocalDpi xmlns:a14="http://schemas.microsoft.com/office/drawing/2010/main" val="0"/>
+              </a:ext>
+            </a:extLst>
+          </a:blip>
+          <a:stretch>
+            <a:fillRect/>
+          </a:stretch>
+        </p:blipFill>
+        <p:spPr>
+          <a:xfrm flipH="1">
+            <a:off x="4076685" y="1583245"/>
+            <a:ext cx="1214507" cy="1214507"/>
+          </a:xfrm>
+          <a:prstGeom prst="rect">
+            <a:avLst/>
+          </a:prstGeom>
+        </p:spPr>
+      </p:pic>
+      <p:pic>
+        <p:nvPicPr>
+          <p:cNvPr id="46" name="図 45">
+            <a:extLst>
+              <a:ext uri="{FF2B5EF4-FFF2-40B4-BE49-F238E27FC236}">
+                <a16:creationId xmlns:a16="http://schemas.microsoft.com/office/drawing/2014/main" id="{08EEEBD6-9CDC-49B8-0A24-D73BE7EFED53}"/>
+              </a:ext>
+            </a:extLst>
+          </p:cNvPr>
+          <p:cNvPicPr>
+            <a:picLocks noChangeAspect="1"/>
+          </p:cNvPicPr>
+          <p:nvPr/>
+        </p:nvPicPr>
+        <p:blipFill>
+          <a:blip r:embed="rId3">
+            <a:extLst>
+              <a:ext uri="{28A0092B-C50C-407E-A947-70E740481C1C}">
+                <a14:useLocalDpi xmlns:a14="http://schemas.microsoft.com/office/drawing/2010/main" val="0"/>
+              </a:ext>
+            </a:extLst>
+          </a:blip>
+          <a:stretch>
+            <a:fillRect/>
+          </a:stretch>
+        </p:blipFill>
+        <p:spPr>
+          <a:xfrm>
+            <a:off x="4161356" y="4103446"/>
+            <a:ext cx="930826" cy="501214"/>
+          </a:xfrm>
+          <a:prstGeom prst="rect">
+            <a:avLst/>
+          </a:prstGeom>
+        </p:spPr>
+      </p:pic>
+      <p:sp>
+        <p:nvSpPr>
+          <p:cNvPr id="47" name="六角形 46">
+            <a:extLst>
+              <a:ext uri="{FF2B5EF4-FFF2-40B4-BE49-F238E27FC236}">
+                <a16:creationId xmlns:a16="http://schemas.microsoft.com/office/drawing/2014/main" id="{7B028AE0-391C-4F2F-0CFB-8B29B6A80C4B}"/>
+              </a:ext>
+            </a:extLst>
+          </p:cNvPr>
+          <p:cNvSpPr/>
+          <p:nvPr/>
+        </p:nvSpPr>
+        <p:spPr>
+          <a:xfrm>
+            <a:off x="6169089" y="4427296"/>
+            <a:ext cx="900000" cy="900000"/>
+          </a:xfrm>
+          <a:prstGeom prst="hexagon">
+            <a:avLst/>
+          </a:prstGeom>
+          <a:solidFill>
+            <a:schemeClr val="accent1">
+              <a:lumMod val="20000"/>
+              <a:lumOff val="80000"/>
+            </a:schemeClr>
+          </a:solidFill>
+          <a:ln w="12700"/>
+        </p:spPr>
+        <p:style>
+          <a:lnRef idx="2">
+            <a:schemeClr val="accent1">
+              <a:shade val="50000"/>
+            </a:schemeClr>
+          </a:lnRef>
+          <a:fillRef idx="1">
+            <a:schemeClr val="accent1"/>
+          </a:fillRef>
+          <a:effectRef idx="0">
+            <a:schemeClr val="accent1"/>
+          </a:effectRef>
+          <a:fontRef idx="minor">
+            <a:schemeClr val="lt1"/>
+          </a:fontRef>
+        </p:style>
+        <p:txBody>
+          <a:bodyPr rtlCol="0" anchor="ctr"/>
+          <a:lstStyle/>
+          <a:p>
+            <a:pPr algn="ctr"/>
+            <a:endParaRPr kumimoji="1" lang="ja-JP" altLang="en-US"/>
+          </a:p>
+        </p:txBody>
+      </p:sp>
+      <p:sp>
+        <p:nvSpPr>
+          <p:cNvPr id="48" name="六角形 47">
+            <a:extLst>
+              <a:ext uri="{FF2B5EF4-FFF2-40B4-BE49-F238E27FC236}">
+                <a16:creationId xmlns:a16="http://schemas.microsoft.com/office/drawing/2014/main" id="{E09AD067-FBE6-4AAD-EDE5-B9D8A3AB614A}"/>
+              </a:ext>
+            </a:extLst>
+          </p:cNvPr>
+          <p:cNvSpPr/>
+          <p:nvPr/>
+        </p:nvSpPr>
+        <p:spPr>
+          <a:xfrm>
+            <a:off x="5497952" y="3971557"/>
+            <a:ext cx="900000" cy="900000"/>
+          </a:xfrm>
+          <a:prstGeom prst="hexagon">
+            <a:avLst/>
+          </a:prstGeom>
+          <a:solidFill>
+            <a:schemeClr val="accent1">
+              <a:lumMod val="20000"/>
+              <a:lumOff val="80000"/>
+            </a:schemeClr>
+          </a:solidFill>
+          <a:ln w="12700"/>
+        </p:spPr>
+        <p:style>
+          <a:lnRef idx="2">
+            <a:schemeClr val="accent1">
+              <a:shade val="50000"/>
+            </a:schemeClr>
+          </a:lnRef>
+          <a:fillRef idx="1">
+            <a:schemeClr val="accent1"/>
+          </a:fillRef>
+          <a:effectRef idx="0">
+            <a:schemeClr val="accent1"/>
+          </a:effectRef>
+          <a:fontRef idx="minor">
+            <a:schemeClr val="lt1"/>
+          </a:fontRef>
+        </p:style>
+        <p:txBody>
+          <a:bodyPr rtlCol="0" anchor="ctr"/>
+          <a:lstStyle/>
+          <a:p>
+            <a:pPr algn="ctr"/>
+            <a:endParaRPr kumimoji="1" lang="ja-JP" altLang="en-US"/>
+          </a:p>
+        </p:txBody>
+      </p:sp>
+      <p:sp>
+        <p:nvSpPr>
+          <p:cNvPr id="49" name="六角形 48">
+            <a:extLst>
+              <a:ext uri="{FF2B5EF4-FFF2-40B4-BE49-F238E27FC236}">
+                <a16:creationId xmlns:a16="http://schemas.microsoft.com/office/drawing/2014/main" id="{58FBDB7E-281F-5B29-C825-4108745E0996}"/>
+              </a:ext>
+            </a:extLst>
+          </p:cNvPr>
+          <p:cNvSpPr/>
+          <p:nvPr/>
+        </p:nvSpPr>
+        <p:spPr>
+          <a:xfrm>
+            <a:off x="9912523" y="4435125"/>
+            <a:ext cx="900000" cy="900000"/>
+          </a:xfrm>
+          <a:prstGeom prst="hexagon">
+            <a:avLst/>
+          </a:prstGeom>
+          <a:solidFill>
+            <a:schemeClr val="accent1">
+              <a:lumMod val="20000"/>
+              <a:lumOff val="80000"/>
+            </a:schemeClr>
+          </a:solidFill>
+          <a:ln w="12700"/>
+        </p:spPr>
+        <p:style>
+          <a:lnRef idx="2">
+            <a:schemeClr val="accent1">
+              <a:shade val="50000"/>
+            </a:schemeClr>
+          </a:lnRef>
+          <a:fillRef idx="1">
+            <a:schemeClr val="accent1"/>
+          </a:fillRef>
+          <a:effectRef idx="0">
+            <a:schemeClr val="accent1"/>
+          </a:effectRef>
+          <a:fontRef idx="minor">
+            <a:schemeClr val="lt1"/>
+          </a:fontRef>
+        </p:style>
+        <p:txBody>
+          <a:bodyPr rtlCol="0" anchor="ctr"/>
+          <a:lstStyle/>
+          <a:p>
+            <a:pPr algn="ctr"/>
+            <a:endParaRPr kumimoji="1" lang="ja-JP" altLang="en-US"/>
+          </a:p>
+        </p:txBody>
+      </p:sp>
+      <p:sp>
+        <p:nvSpPr>
+          <p:cNvPr id="50" name="六角形 49">
+            <a:extLst>
+              <a:ext uri="{FF2B5EF4-FFF2-40B4-BE49-F238E27FC236}">
+                <a16:creationId xmlns:a16="http://schemas.microsoft.com/office/drawing/2014/main" id="{60FB55C3-93FC-1C8A-53E9-06B1A47D508F}"/>
+              </a:ext>
+            </a:extLst>
+          </p:cNvPr>
+          <p:cNvSpPr/>
+          <p:nvPr/>
+        </p:nvSpPr>
+        <p:spPr>
+          <a:xfrm>
+            <a:off x="9241386" y="3979386"/>
+            <a:ext cx="900000" cy="900000"/>
+          </a:xfrm>
+          <a:prstGeom prst="hexagon">
+            <a:avLst/>
+          </a:prstGeom>
+          <a:solidFill>
+            <a:schemeClr val="accent1">
+              <a:lumMod val="20000"/>
+              <a:lumOff val="80000"/>
+            </a:schemeClr>
+          </a:solidFill>
+          <a:ln w="12700"/>
+        </p:spPr>
+        <p:style>
+          <a:lnRef idx="2">
+            <a:schemeClr val="accent1">
+              <a:shade val="50000"/>
+            </a:schemeClr>
+          </a:lnRef>
+          <a:fillRef idx="1">
+            <a:schemeClr val="accent1"/>
+          </a:fillRef>
+          <a:effectRef idx="0">
+            <a:schemeClr val="accent1"/>
+          </a:effectRef>
+          <a:fontRef idx="minor">
+            <a:schemeClr val="lt1"/>
+          </a:fontRef>
+        </p:style>
+        <p:txBody>
+          <a:bodyPr rtlCol="0" anchor="ctr"/>
+          <a:lstStyle/>
+          <a:p>
+            <a:pPr algn="ctr"/>
+            <a:endParaRPr kumimoji="1" lang="ja-JP" altLang="en-US"/>
+          </a:p>
+        </p:txBody>
+      </p:sp>
+      <p:sp>
+        <p:nvSpPr>
+          <p:cNvPr id="51" name="六角形 50">
+            <a:extLst>
+              <a:ext uri="{FF2B5EF4-FFF2-40B4-BE49-F238E27FC236}">
+                <a16:creationId xmlns:a16="http://schemas.microsoft.com/office/drawing/2014/main" id="{FF9B25FF-CB9D-C059-6840-340950E34C61}"/>
+              </a:ext>
+            </a:extLst>
+          </p:cNvPr>
+          <p:cNvSpPr/>
+          <p:nvPr/>
+        </p:nvSpPr>
+        <p:spPr>
+          <a:xfrm>
+            <a:off x="8566733" y="4430045"/>
+            <a:ext cx="900000" cy="900000"/>
+          </a:xfrm>
+          <a:prstGeom prst="hexagon">
+            <a:avLst/>
+          </a:prstGeom>
+          <a:solidFill>
+            <a:schemeClr val="accent1">
+              <a:lumMod val="20000"/>
+              <a:lumOff val="80000"/>
+            </a:schemeClr>
+          </a:solidFill>
+          <a:ln w="12700"/>
+        </p:spPr>
+        <p:style>
+          <a:lnRef idx="2">
+            <a:schemeClr val="accent1">
+              <a:shade val="50000"/>
+            </a:schemeClr>
+          </a:lnRef>
+          <a:fillRef idx="1">
+            <a:schemeClr val="accent1"/>
+          </a:fillRef>
+          <a:effectRef idx="0">
+            <a:schemeClr val="accent1"/>
+          </a:effectRef>
+          <a:fontRef idx="minor">
+            <a:schemeClr val="lt1"/>
+          </a:fontRef>
+        </p:style>
+        <p:txBody>
+          <a:bodyPr rtlCol="0" anchor="ctr"/>
+          <a:lstStyle/>
+          <a:p>
+            <a:pPr algn="ctr"/>
+            <a:endParaRPr kumimoji="1" lang="ja-JP" altLang="en-US"/>
+          </a:p>
+        </p:txBody>
+      </p:sp>
+      <p:sp>
+        <p:nvSpPr>
+          <p:cNvPr id="52" name="六角形 51">
+            <a:extLst>
+              <a:ext uri="{FF2B5EF4-FFF2-40B4-BE49-F238E27FC236}">
+                <a16:creationId xmlns:a16="http://schemas.microsoft.com/office/drawing/2014/main" id="{33DB9C58-3991-FB5A-5750-A2D0F4AFF306}"/>
+              </a:ext>
+            </a:extLst>
+          </p:cNvPr>
+          <p:cNvSpPr/>
+          <p:nvPr/>
+        </p:nvSpPr>
+        <p:spPr>
+          <a:xfrm>
+            <a:off x="7892080" y="3981106"/>
+            <a:ext cx="900000" cy="900000"/>
+          </a:xfrm>
+          <a:prstGeom prst="hexagon">
+            <a:avLst/>
+          </a:prstGeom>
+          <a:solidFill>
+            <a:schemeClr val="accent1">
+              <a:lumMod val="20000"/>
+              <a:lumOff val="80000"/>
+            </a:schemeClr>
+          </a:solidFill>
+          <a:ln w="12700"/>
+        </p:spPr>
+        <p:style>
+          <a:lnRef idx="2">
+            <a:schemeClr val="accent1">
+              <a:shade val="50000"/>
+            </a:schemeClr>
+          </a:lnRef>
+          <a:fillRef idx="1">
+            <a:schemeClr val="accent1"/>
+          </a:fillRef>
+          <a:effectRef idx="0">
+            <a:schemeClr val="accent1"/>
+          </a:effectRef>
+          <a:fontRef idx="minor">
+            <a:schemeClr val="lt1"/>
+          </a:fontRef>
+        </p:style>
+        <p:txBody>
+          <a:bodyPr rtlCol="0" anchor="ctr"/>
+          <a:lstStyle/>
+          <a:p>
+            <a:pPr algn="ctr"/>
+            <a:endParaRPr kumimoji="1" lang="ja-JP" altLang="en-US"/>
+          </a:p>
+        </p:txBody>
+      </p:sp>
+      <p:cxnSp>
+        <p:nvCxnSpPr>
+          <p:cNvPr id="53" name="直線コネクタ 52">
+            <a:extLst>
+              <a:ext uri="{FF2B5EF4-FFF2-40B4-BE49-F238E27FC236}">
+                <a16:creationId xmlns:a16="http://schemas.microsoft.com/office/drawing/2014/main" id="{8FB56354-D6D4-D36E-F09E-4CE9A64E3C68}"/>
+              </a:ext>
+            </a:extLst>
+          </p:cNvPr>
+          <p:cNvCxnSpPr>
+            <a:cxnSpLocks/>
+          </p:cNvCxnSpPr>
+          <p:nvPr/>
+        </p:nvCxnSpPr>
+        <p:spPr>
+          <a:xfrm>
+            <a:off x="10100087" y="4034005"/>
+            <a:ext cx="781273" cy="0"/>
+          </a:xfrm>
+          <a:prstGeom prst="line">
+            <a:avLst/>
+          </a:prstGeom>
+        </p:spPr>
+        <p:style>
+          <a:lnRef idx="2">
+            <a:schemeClr val="accent1"/>
+          </a:lnRef>
+          <a:fillRef idx="0">
+            <a:schemeClr val="accent1"/>
+          </a:fillRef>
+          <a:effectRef idx="1">
+            <a:schemeClr val="accent1"/>
+          </a:effectRef>
+          <a:fontRef idx="minor">
+            <a:schemeClr val="tx1"/>
+          </a:fontRef>
+        </p:style>
+      </p:cxnSp>
+      <p:cxnSp>
+        <p:nvCxnSpPr>
+          <p:cNvPr id="55" name="直線コネクタ 54">
+            <a:extLst>
+              <a:ext uri="{FF2B5EF4-FFF2-40B4-BE49-F238E27FC236}">
+                <a16:creationId xmlns:a16="http://schemas.microsoft.com/office/drawing/2014/main" id="{28E05BC6-1054-B6E4-531E-35DC8E6DC091}"/>
+              </a:ext>
+            </a:extLst>
+          </p:cNvPr>
+          <p:cNvCxnSpPr>
+            <a:cxnSpLocks/>
+          </p:cNvCxnSpPr>
+          <p:nvPr/>
+        </p:nvCxnSpPr>
+        <p:spPr>
+          <a:xfrm>
+            <a:off x="10256215" y="4223758"/>
+            <a:ext cx="480365" cy="0"/>
+          </a:xfrm>
+          <a:prstGeom prst="line">
+            <a:avLst/>
+          </a:prstGeom>
+        </p:spPr>
+        <p:style>
+          <a:lnRef idx="2">
+            <a:schemeClr val="accent1"/>
+          </a:lnRef>
+          <a:fillRef idx="0">
+            <a:schemeClr val="accent1"/>
+          </a:fillRef>
+          <a:effectRef idx="1">
+            <a:schemeClr val="accent1"/>
+          </a:effectRef>
+          <a:fontRef idx="minor">
+            <a:schemeClr val="tx1"/>
+          </a:fontRef>
+        </p:style>
+      </p:cxnSp>
+      <p:cxnSp>
+        <p:nvCxnSpPr>
+          <p:cNvPr id="60" name="直線コネクタ 59">
+            <a:extLst>
+              <a:ext uri="{FF2B5EF4-FFF2-40B4-BE49-F238E27FC236}">
+                <a16:creationId xmlns:a16="http://schemas.microsoft.com/office/drawing/2014/main" id="{6ACD7F32-802D-D43F-845E-1FB888F749F9}"/>
+              </a:ext>
+            </a:extLst>
+          </p:cNvPr>
+          <p:cNvCxnSpPr>
+            <a:cxnSpLocks/>
+          </p:cNvCxnSpPr>
+          <p:nvPr/>
+        </p:nvCxnSpPr>
+        <p:spPr>
+          <a:xfrm>
+            <a:off x="10736580" y="4506445"/>
+            <a:ext cx="278130" cy="0"/>
+          </a:xfrm>
+          <a:prstGeom prst="line">
+            <a:avLst/>
+          </a:prstGeom>
+        </p:spPr>
+        <p:style>
+          <a:lnRef idx="2">
+            <a:schemeClr val="accent1"/>
+          </a:lnRef>
+          <a:fillRef idx="0">
+            <a:schemeClr val="accent1"/>
+          </a:fillRef>
+          <a:effectRef idx="1">
+            <a:schemeClr val="accent1"/>
+          </a:effectRef>
+          <a:fontRef idx="minor">
+            <a:schemeClr val="tx1"/>
+          </a:fontRef>
+        </p:style>
+      </p:cxnSp>
+      <p:cxnSp>
+        <p:nvCxnSpPr>
+          <p:cNvPr id="63" name="直線コネクタ 62">
+            <a:extLst>
+              <a:ext uri="{FF2B5EF4-FFF2-40B4-BE49-F238E27FC236}">
+                <a16:creationId xmlns:a16="http://schemas.microsoft.com/office/drawing/2014/main" id="{DD2CBA96-D548-5D90-1776-8D1AD62E566D}"/>
+              </a:ext>
+            </a:extLst>
+          </p:cNvPr>
+          <p:cNvCxnSpPr>
+            <a:cxnSpLocks/>
+          </p:cNvCxnSpPr>
+          <p:nvPr/>
+        </p:nvCxnSpPr>
+        <p:spPr>
+          <a:xfrm>
+            <a:off x="10818495" y="4763620"/>
+            <a:ext cx="196215" cy="0"/>
+          </a:xfrm>
+          <a:prstGeom prst="line">
+            <a:avLst/>
+          </a:prstGeom>
+        </p:spPr>
+        <p:style>
+          <a:lnRef idx="2">
+            <a:schemeClr val="accent1"/>
+          </a:lnRef>
+          <a:fillRef idx="0">
+            <a:schemeClr val="accent1"/>
+          </a:fillRef>
+          <a:effectRef idx="1">
+            <a:schemeClr val="accent1"/>
+          </a:effectRef>
+          <a:fontRef idx="minor">
+            <a:schemeClr val="tx1"/>
+          </a:fontRef>
+        </p:style>
+      </p:cxnSp>
+      <p:cxnSp>
+        <p:nvCxnSpPr>
+          <p:cNvPr id="66" name="直線コネクタ 65">
+            <a:extLst>
+              <a:ext uri="{FF2B5EF4-FFF2-40B4-BE49-F238E27FC236}">
+                <a16:creationId xmlns:a16="http://schemas.microsoft.com/office/drawing/2014/main" id="{870AFBB4-F1DC-9711-C300-9B24D1BB536F}"/>
+              </a:ext>
+            </a:extLst>
+          </p:cNvPr>
+          <p:cNvCxnSpPr>
+            <a:cxnSpLocks/>
+          </p:cNvCxnSpPr>
+          <p:nvPr/>
+        </p:nvCxnSpPr>
+        <p:spPr>
+          <a:xfrm>
+            <a:off x="10778233" y="5036035"/>
+            <a:ext cx="236477" cy="0"/>
+          </a:xfrm>
+          <a:prstGeom prst="line">
+            <a:avLst/>
+          </a:prstGeom>
+        </p:spPr>
+        <p:style>
+          <a:lnRef idx="2">
+            <a:schemeClr val="accent1"/>
+          </a:lnRef>
+          <a:fillRef idx="0">
+            <a:schemeClr val="accent1"/>
+          </a:fillRef>
+          <a:effectRef idx="1">
+            <a:schemeClr val="accent1"/>
+          </a:effectRef>
+          <a:fontRef idx="minor">
+            <a:schemeClr val="tx1"/>
+          </a:fontRef>
+        </p:style>
+      </p:cxnSp>
+      <p:cxnSp>
+        <p:nvCxnSpPr>
+          <p:cNvPr id="68" name="直線コネクタ 67">
+            <a:extLst>
+              <a:ext uri="{FF2B5EF4-FFF2-40B4-BE49-F238E27FC236}">
+                <a16:creationId xmlns:a16="http://schemas.microsoft.com/office/drawing/2014/main" id="{C57B326D-7510-EF03-EA89-932B2D2C6C22}"/>
+              </a:ext>
+            </a:extLst>
+          </p:cNvPr>
+          <p:cNvCxnSpPr>
+            <a:cxnSpLocks/>
+          </p:cNvCxnSpPr>
+          <p:nvPr/>
+        </p:nvCxnSpPr>
+        <p:spPr>
+          <a:xfrm>
+            <a:off x="10659488" y="5308450"/>
+            <a:ext cx="326012" cy="4554"/>
+          </a:xfrm>
+          <a:prstGeom prst="line">
+            <a:avLst/>
+          </a:prstGeom>
+        </p:spPr>
+        <p:style>
+          <a:lnRef idx="2">
+            <a:schemeClr val="accent1"/>
+          </a:lnRef>
+          <a:fillRef idx="0">
+            <a:schemeClr val="accent1"/>
+          </a:fillRef>
+          <a:effectRef idx="1">
+            <a:schemeClr val="accent1"/>
+          </a:effectRef>
+          <a:fontRef idx="minor">
+            <a:schemeClr val="tx1"/>
+          </a:fontRef>
+        </p:style>
+      </p:cxnSp>
+      <p:pic>
+        <p:nvPicPr>
+          <p:cNvPr id="73" name="図 72">
+            <a:extLst>
+              <a:ext uri="{FF2B5EF4-FFF2-40B4-BE49-F238E27FC236}">
+                <a16:creationId xmlns:a16="http://schemas.microsoft.com/office/drawing/2014/main" id="{0A8C1254-7DB2-E05A-D1F1-9C431CD8D3DD}"/>
+              </a:ext>
+            </a:extLst>
+          </p:cNvPr>
+          <p:cNvPicPr>
+            <a:picLocks noChangeAspect="1"/>
+          </p:cNvPicPr>
+          <p:nvPr/>
+        </p:nvPicPr>
+        <p:blipFill>
+          <a:blip r:embed="rId3">
+            <a:extLst>
+              <a:ext uri="{28A0092B-C50C-407E-A947-70E740481C1C}">
+                <a14:useLocalDpi xmlns:a14="http://schemas.microsoft.com/office/drawing/2010/main" val="0"/>
+              </a:ext>
+            </a:extLst>
+          </a:blip>
+          <a:stretch>
+            <a:fillRect/>
+          </a:stretch>
+        </p:blipFill>
+        <p:spPr>
+          <a:xfrm flipH="1">
+            <a:off x="2033886" y="2728692"/>
+            <a:ext cx="930826" cy="501214"/>
+          </a:xfrm>
+          <a:prstGeom prst="rect">
+            <a:avLst/>
+          </a:prstGeom>
+        </p:spPr>
+      </p:pic>
+      <p:pic>
+        <p:nvPicPr>
+          <p:cNvPr id="74" name="図 73">
+            <a:extLst>
+              <a:ext uri="{FF2B5EF4-FFF2-40B4-BE49-F238E27FC236}">
+                <a16:creationId xmlns:a16="http://schemas.microsoft.com/office/drawing/2014/main" id="{97D7A36D-FA10-57B8-4521-A547DD7ADCDF}"/>
+              </a:ext>
+            </a:extLst>
+          </p:cNvPr>
+          <p:cNvPicPr>
+            <a:picLocks noChangeAspect="1"/>
+          </p:cNvPicPr>
+          <p:nvPr/>
+        </p:nvPicPr>
+        <p:blipFill>
+          <a:blip r:embed="rId3">
+            <a:extLst>
+              <a:ext uri="{28A0092B-C50C-407E-A947-70E740481C1C}">
+                <a14:useLocalDpi xmlns:a14="http://schemas.microsoft.com/office/drawing/2010/main" val="0"/>
+              </a:ext>
+            </a:extLst>
+          </a:blip>
+          <a:stretch>
+            <a:fillRect/>
+          </a:stretch>
+        </p:blipFill>
+        <p:spPr>
+          <a:xfrm flipH="1">
+            <a:off x="1419207" y="4103446"/>
+            <a:ext cx="930826" cy="501214"/>
+          </a:xfrm>
+          <a:prstGeom prst="rect">
+            <a:avLst/>
+          </a:prstGeom>
+        </p:spPr>
+      </p:pic>
+      <p:cxnSp>
+        <p:nvCxnSpPr>
+          <p:cNvPr id="75" name="直線コネクタ 74">
+            <a:extLst>
+              <a:ext uri="{FF2B5EF4-FFF2-40B4-BE49-F238E27FC236}">
+                <a16:creationId xmlns:a16="http://schemas.microsoft.com/office/drawing/2014/main" id="{7C5CF611-47B2-83F1-B02E-EAD779A5F6E2}"/>
+              </a:ext>
+            </a:extLst>
+          </p:cNvPr>
+          <p:cNvCxnSpPr>
+            <a:cxnSpLocks/>
+          </p:cNvCxnSpPr>
+          <p:nvPr/>
+        </p:nvCxnSpPr>
+        <p:spPr>
+          <a:xfrm>
+            <a:off x="3088402" y="4045344"/>
+            <a:ext cx="755888" cy="0"/>
+          </a:xfrm>
+          <a:prstGeom prst="line">
+            <a:avLst/>
+          </a:prstGeom>
+        </p:spPr>
+        <p:style>
+          <a:lnRef idx="2">
+            <a:schemeClr val="accent1"/>
+          </a:lnRef>
+          <a:fillRef idx="0">
+            <a:schemeClr val="accent1"/>
+          </a:fillRef>
+          <a:effectRef idx="1">
+            <a:schemeClr val="accent1"/>
+          </a:effectRef>
+          <a:fontRef idx="minor">
+            <a:schemeClr val="tx1"/>
+          </a:fontRef>
+        </p:style>
+      </p:cxnSp>
+      <p:cxnSp>
+        <p:nvCxnSpPr>
+          <p:cNvPr id="76" name="直線コネクタ 75">
+            <a:extLst>
+              <a:ext uri="{FF2B5EF4-FFF2-40B4-BE49-F238E27FC236}">
+                <a16:creationId xmlns:a16="http://schemas.microsoft.com/office/drawing/2014/main" id="{0A4E6782-BCB6-BA8F-D49C-87628D63253E}"/>
+              </a:ext>
+            </a:extLst>
+          </p:cNvPr>
+          <p:cNvCxnSpPr>
+            <a:cxnSpLocks/>
+          </p:cNvCxnSpPr>
+          <p:nvPr/>
+        </p:nvCxnSpPr>
+        <p:spPr>
+          <a:xfrm>
+            <a:off x="2905197" y="4427044"/>
+            <a:ext cx="966243" cy="0"/>
+          </a:xfrm>
+          <a:prstGeom prst="line">
+            <a:avLst/>
+          </a:prstGeom>
+        </p:spPr>
+        <p:style>
+          <a:lnRef idx="2">
+            <a:schemeClr val="accent1"/>
+          </a:lnRef>
+          <a:fillRef idx="0">
+            <a:schemeClr val="accent1"/>
+          </a:fillRef>
+          <a:effectRef idx="1">
+            <a:schemeClr val="accent1"/>
+          </a:effectRef>
+          <a:fontRef idx="minor">
+            <a:schemeClr val="tx1"/>
+          </a:fontRef>
+        </p:style>
+      </p:cxnSp>
+      <p:cxnSp>
+        <p:nvCxnSpPr>
+          <p:cNvPr id="77" name="直線コネクタ 76">
+            <a:extLst>
+              <a:ext uri="{FF2B5EF4-FFF2-40B4-BE49-F238E27FC236}">
+                <a16:creationId xmlns:a16="http://schemas.microsoft.com/office/drawing/2014/main" id="{8EB6C04F-1D98-7529-9877-849F7AAF6C9F}"/>
+              </a:ext>
+            </a:extLst>
+          </p:cNvPr>
+          <p:cNvCxnSpPr>
+            <a:cxnSpLocks/>
+          </p:cNvCxnSpPr>
+          <p:nvPr/>
+        </p:nvCxnSpPr>
+        <p:spPr>
+          <a:xfrm flipV="1">
+            <a:off x="2360780" y="4808744"/>
+            <a:ext cx="1014690" cy="14274"/>
+          </a:xfrm>
+          <a:prstGeom prst="line">
+            <a:avLst/>
+          </a:prstGeom>
+        </p:spPr>
+        <p:style>
+          <a:lnRef idx="2">
+            <a:schemeClr val="accent1"/>
+          </a:lnRef>
+          <a:fillRef idx="0">
+            <a:schemeClr val="accent1"/>
+          </a:fillRef>
+          <a:effectRef idx="1">
+            <a:schemeClr val="accent1"/>
+          </a:effectRef>
+          <a:fontRef idx="minor">
+            <a:schemeClr val="tx1"/>
+          </a:fontRef>
+        </p:style>
+      </p:cxnSp>
+      <p:cxnSp>
+        <p:nvCxnSpPr>
+          <p:cNvPr id="78" name="直線コネクタ 77">
+            <a:extLst>
+              <a:ext uri="{FF2B5EF4-FFF2-40B4-BE49-F238E27FC236}">
+                <a16:creationId xmlns:a16="http://schemas.microsoft.com/office/drawing/2014/main" id="{093239D7-E6A6-B541-850F-1993421A0D27}"/>
+              </a:ext>
+            </a:extLst>
+          </p:cNvPr>
+          <p:cNvCxnSpPr>
+            <a:cxnSpLocks/>
+          </p:cNvCxnSpPr>
+          <p:nvPr/>
+        </p:nvCxnSpPr>
+        <p:spPr>
+          <a:xfrm>
+            <a:off x="3131681" y="3063823"/>
+            <a:ext cx="788809" cy="0"/>
+          </a:xfrm>
+          <a:prstGeom prst="line">
+            <a:avLst/>
+          </a:prstGeom>
+        </p:spPr>
+        <p:style>
+          <a:lnRef idx="2">
+            <a:schemeClr val="accent1"/>
+          </a:lnRef>
+          <a:fillRef idx="0">
+            <a:schemeClr val="accent1"/>
+          </a:fillRef>
+          <a:effectRef idx="1">
+            <a:schemeClr val="accent1"/>
+          </a:effectRef>
+          <a:fontRef idx="minor">
+            <a:schemeClr val="tx1"/>
+          </a:fontRef>
+        </p:style>
+      </p:cxnSp>
+      <p:cxnSp>
+        <p:nvCxnSpPr>
+          <p:cNvPr id="79" name="直線コネクタ 78">
+            <a:extLst>
+              <a:ext uri="{FF2B5EF4-FFF2-40B4-BE49-F238E27FC236}">
+                <a16:creationId xmlns:a16="http://schemas.microsoft.com/office/drawing/2014/main" id="{204AD236-4E7E-736C-35FB-43DA62F4F293}"/>
+              </a:ext>
+            </a:extLst>
+          </p:cNvPr>
+          <p:cNvCxnSpPr>
+            <a:cxnSpLocks/>
+          </p:cNvCxnSpPr>
+          <p:nvPr/>
+        </p:nvCxnSpPr>
+        <p:spPr>
+          <a:xfrm flipV="1">
+            <a:off x="3131681" y="3536056"/>
+            <a:ext cx="1069766" cy="174"/>
+          </a:xfrm>
+          <a:prstGeom prst="line">
+            <a:avLst/>
+          </a:prstGeom>
+        </p:spPr>
+        <p:style>
+          <a:lnRef idx="2">
+            <a:schemeClr val="accent1"/>
+          </a:lnRef>
+          <a:fillRef idx="0">
+            <a:schemeClr val="accent1"/>
+          </a:fillRef>
+          <a:effectRef idx="1">
+            <a:schemeClr val="accent1"/>
+          </a:effectRef>
+          <a:fontRef idx="minor">
+            <a:schemeClr val="tx1"/>
+          </a:fontRef>
+        </p:style>
+      </p:cxnSp>
+      <p:cxnSp>
+        <p:nvCxnSpPr>
+          <p:cNvPr id="80" name="直線コネクタ 79">
+            <a:extLst>
+              <a:ext uri="{FF2B5EF4-FFF2-40B4-BE49-F238E27FC236}">
+                <a16:creationId xmlns:a16="http://schemas.microsoft.com/office/drawing/2014/main" id="{B535CF57-420F-21FD-D544-D27270B97521}"/>
+              </a:ext>
+            </a:extLst>
+          </p:cNvPr>
+          <p:cNvCxnSpPr>
+            <a:cxnSpLocks/>
+          </p:cNvCxnSpPr>
+          <p:nvPr/>
+        </p:nvCxnSpPr>
+        <p:spPr>
+          <a:xfrm>
+            <a:off x="2968342" y="2710809"/>
+            <a:ext cx="1086583" cy="0"/>
+          </a:xfrm>
+          <a:prstGeom prst="line">
+            <a:avLst/>
+          </a:prstGeom>
+        </p:spPr>
+        <p:style>
+          <a:lnRef idx="2">
+            <a:schemeClr val="accent1"/>
+          </a:lnRef>
+          <a:fillRef idx="0">
+            <a:schemeClr val="accent1"/>
+          </a:fillRef>
+          <a:effectRef idx="1">
+            <a:schemeClr val="accent1"/>
+          </a:effectRef>
+          <a:fontRef idx="minor">
+            <a:schemeClr val="tx1"/>
+          </a:fontRef>
+        </p:style>
+      </p:cxnSp>
+      <p:sp>
+        <p:nvSpPr>
+          <p:cNvPr id="3" name="テキスト ボックス 2">
+            <a:extLst>
+              <a:ext uri="{FF2B5EF4-FFF2-40B4-BE49-F238E27FC236}">
+                <a16:creationId xmlns:a16="http://schemas.microsoft.com/office/drawing/2014/main" id="{1C5EF04C-21B8-7B54-DD14-B43D58E67BD8}"/>
+              </a:ext>
+            </a:extLst>
+          </p:cNvPr>
+          <p:cNvSpPr txBox="1"/>
+          <p:nvPr/>
+        </p:nvSpPr>
+        <p:spPr>
+          <a:xfrm>
+            <a:off x="768171" y="923330"/>
+            <a:ext cx="2698175" cy="523220"/>
+          </a:xfrm>
+          <a:prstGeom prst="rect">
+            <a:avLst/>
+          </a:prstGeom>
+          <a:noFill/>
+        </p:spPr>
+        <p:txBody>
+          <a:bodyPr wrap="none" rtlCol="0">
+            <a:spAutoFit/>
+          </a:bodyPr>
+          <a:lstStyle/>
+          <a:p>
+            <a:r>
+              <a:rPr kumimoji="1" lang="ja-JP" altLang="en-US" sz="2800" dirty="0">
+                <a:solidFill>
+                  <a:schemeClr val="accent1"/>
+                </a:solidFill>
+                <a:latin typeface="HGP創英角ｺﾞｼｯｸUB" panose="020B0900000000000000" pitchFamily="50" charset="-128"/>
+                <a:ea typeface="HGP創英角ｺﾞｼｯｸUB" panose="020B0900000000000000" pitchFamily="50" charset="-128"/>
+              </a:rPr>
+              <a:t>六角形型</a:t>
+            </a:r>
+            <a:r>
+              <a:rPr kumimoji="1" lang="ja-JP" altLang="en-US" sz="2800" dirty="0">
+                <a:latin typeface="HGP創英角ｺﾞｼｯｸUB" panose="020B0900000000000000" pitchFamily="50" charset="-128"/>
+                <a:ea typeface="HGP創英角ｺﾞｼｯｸUB" panose="020B0900000000000000" pitchFamily="50" charset="-128"/>
+              </a:rPr>
+              <a:t>の流氷</a:t>
+            </a:r>
+          </a:p>
+        </p:txBody>
+      </p:sp>
+      <p:sp>
+        <p:nvSpPr>
+          <p:cNvPr id="4" name="テキスト ボックス 3">
+            <a:extLst>
+              <a:ext uri="{FF2B5EF4-FFF2-40B4-BE49-F238E27FC236}">
+                <a16:creationId xmlns:a16="http://schemas.microsoft.com/office/drawing/2014/main" id="{97BB1B8E-2C3B-31BC-852C-D0A425F26426}"/>
+              </a:ext>
+            </a:extLst>
+          </p:cNvPr>
+          <p:cNvSpPr txBox="1"/>
+          <p:nvPr/>
+        </p:nvSpPr>
+        <p:spPr>
+          <a:xfrm>
+            <a:off x="4414865" y="725094"/>
+            <a:ext cx="3640740" cy="646331"/>
+          </a:xfrm>
+          <a:prstGeom prst="rect">
+            <a:avLst/>
+          </a:prstGeom>
+          <a:noFill/>
+        </p:spPr>
+        <p:txBody>
+          <a:bodyPr wrap="none" rtlCol="0">
+            <a:spAutoFit/>
+          </a:bodyPr>
+          <a:lstStyle/>
+          <a:p>
+            <a:r>
+              <a:rPr kumimoji="1" lang="ja-JP" altLang="en-US" sz="3600" dirty="0">
+                <a:solidFill>
+                  <a:schemeClr val="accent1"/>
+                </a:solidFill>
+                <a:latin typeface="HGP創英角ｺﾞｼｯｸUB" panose="020B0900000000000000" pitchFamily="50" charset="-128"/>
+                <a:ea typeface="HGP創英角ｺﾞｼｯｸUB" panose="020B0900000000000000" pitchFamily="50" charset="-128"/>
+              </a:rPr>
+              <a:t>海の上</a:t>
+            </a:r>
+            <a:r>
+              <a:rPr kumimoji="1" lang="ja-JP" altLang="en-US" sz="3600" dirty="0">
+                <a:latin typeface="HGP創英角ｺﾞｼｯｸUB" panose="020B0900000000000000" pitchFamily="50" charset="-128"/>
+                <a:ea typeface="HGP創英角ｺﾞｼｯｸUB" panose="020B0900000000000000" pitchFamily="50" charset="-128"/>
+              </a:rPr>
+              <a:t>で行われる</a:t>
+            </a:r>
+          </a:p>
+        </p:txBody>
+      </p:sp>
+    </p:spTree>
+    <p:extLst>
+      <p:ext uri="{BB962C8B-B14F-4D97-AF65-F5344CB8AC3E}">
+        <p14:creationId xmlns:p14="http://schemas.microsoft.com/office/powerpoint/2010/main" val="2553804057"/>
+      </p:ext>
+    </p:extLst>
+  </p:cSld>
+  <p:clrMapOvr>
+    <a:masterClrMapping/>
+  </p:clrMapOvr>
+</p:sld>
+</file>
+
+<file path=ppt/slides/slide5.xml><?xml version="1.0" encoding="utf-8"?>
 <p:sld xmlns:a="http://schemas.openxmlformats.org/drawingml/2006/main" xmlns:r="http://schemas.openxmlformats.org/officeDocument/2006/relationships" xmlns:p="http://schemas.openxmlformats.org/presentationml/2006/main">
   <p:cSld>
     <p:spTree>
@@ -8634,1573 +9424,10 @@
   <p:clrMapOvr>
     <a:masterClrMapping/>
   </p:clrMapOvr>
-  <p:timing>
-    <p:tnLst>
-      <p:par>
-        <p:cTn id="1" dur="indefinite" restart="never" nodeType="tmRoot">
-          <p:childTnLst>
-            <p:seq concurrent="1" nextAc="seek">
-              <p:cTn id="2" dur="indefinite" nodeType="mainSeq">
-                <p:childTnLst>
-                  <p:par>
-                    <p:cTn id="3" fill="hold">
-                      <p:stCondLst>
-                        <p:cond delay="indefinite"/>
-                      </p:stCondLst>
-                      <p:childTnLst>
-                        <p:par>
-                          <p:cTn id="4" fill="hold">
-                            <p:stCondLst>
-                              <p:cond delay="0"/>
-                            </p:stCondLst>
-                            <p:childTnLst>
-                              <p:par>
-                                <p:cTn id="5" presetID="42" presetClass="path" presetSubtype="0" accel="50000" decel="50000" fill="hold" nodeType="clickEffect">
-                                  <p:stCondLst>
-                                    <p:cond delay="0"/>
-                                  </p:stCondLst>
-                                  <p:childTnLst>
-                                    <p:animMotion origin="layout" path="M -4.16667E-7 -7.40741E-7 L 0.08125 0.09306 " pathEditMode="relative" rAng="0" ptsTypes="AA">
-                                      <p:cBhvr>
-                                        <p:cTn id="6" dur="2000" fill="hold"/>
-                                        <p:tgtEl>
-                                          <p:spTgt spid="29"/>
-                                        </p:tgtEl>
-                                        <p:attrNameLst>
-                                          <p:attrName>ppt_x</p:attrName>
-                                          <p:attrName>ppt_y</p:attrName>
-                                        </p:attrNameLst>
-                                      </p:cBhvr>
-                                      <p:rCtr x="4062" y="4653"/>
-                                    </p:animMotion>
-                                  </p:childTnLst>
-                                </p:cTn>
-                              </p:par>
-                              <p:par>
-                                <p:cTn id="7" presetID="2" presetClass="exit" presetSubtype="8" fill="hold" grpId="0" nodeType="withEffect">
-                                  <p:stCondLst>
-                                    <p:cond delay="0"/>
-                                  </p:stCondLst>
-                                  <p:childTnLst>
-                                    <p:anim calcmode="lin" valueType="num">
-                                      <p:cBhvr additive="base">
-                                        <p:cTn id="8" dur="1200"/>
-                                        <p:tgtEl>
-                                          <p:spTgt spid="27"/>
-                                        </p:tgtEl>
-                                        <p:attrNameLst>
-                                          <p:attrName>ppt_x</p:attrName>
-                                        </p:attrNameLst>
-                                      </p:cBhvr>
-                                      <p:tavLst>
-                                        <p:tav tm="0">
-                                          <p:val>
-                                            <p:strVal val="ppt_x"/>
-                                          </p:val>
-                                        </p:tav>
-                                        <p:tav tm="100000">
-                                          <p:val>
-                                            <p:strVal val="0-ppt_w/2"/>
-                                          </p:val>
-                                        </p:tav>
-                                      </p:tavLst>
-                                    </p:anim>
-                                    <p:anim calcmode="lin" valueType="num">
-                                      <p:cBhvr additive="base">
-                                        <p:cTn id="9" dur="1200"/>
-                                        <p:tgtEl>
-                                          <p:spTgt spid="27"/>
-                                        </p:tgtEl>
-                                        <p:attrNameLst>
-                                          <p:attrName>ppt_y</p:attrName>
-                                        </p:attrNameLst>
-                                      </p:cBhvr>
-                                      <p:tavLst>
-                                        <p:tav tm="0">
-                                          <p:val>
-                                            <p:strVal val="ppt_y"/>
-                                          </p:val>
-                                        </p:tav>
-                                        <p:tav tm="100000">
-                                          <p:val>
-                                            <p:strVal val="ppt_y"/>
-                                          </p:val>
-                                        </p:tav>
-                                      </p:tavLst>
-                                    </p:anim>
-                                    <p:set>
-                                      <p:cBhvr>
-                                        <p:cTn id="10" dur="1" fill="hold">
-                                          <p:stCondLst>
-                                            <p:cond delay="1199"/>
-                                          </p:stCondLst>
-                                        </p:cTn>
-                                        <p:tgtEl>
-                                          <p:spTgt spid="27"/>
-                                        </p:tgtEl>
-                                        <p:attrNameLst>
-                                          <p:attrName>style.visibility</p:attrName>
-                                        </p:attrNameLst>
-                                      </p:cBhvr>
-                                      <p:to>
-                                        <p:strVal val="hidden"/>
-                                      </p:to>
-                                    </p:set>
-                                  </p:childTnLst>
-                                </p:cTn>
-                              </p:par>
-                              <p:par>
-                                <p:cTn id="11" presetID="2" presetClass="exit" presetSubtype="8" fill="hold" grpId="0" nodeType="withEffect">
-                                  <p:stCondLst>
-                                    <p:cond delay="0"/>
-                                  </p:stCondLst>
-                                  <p:childTnLst>
-                                    <p:anim calcmode="lin" valueType="num">
-                                      <p:cBhvr additive="base">
-                                        <p:cTn id="12" dur="1200"/>
-                                        <p:tgtEl>
-                                          <p:spTgt spid="26"/>
-                                        </p:tgtEl>
-                                        <p:attrNameLst>
-                                          <p:attrName>ppt_x</p:attrName>
-                                        </p:attrNameLst>
-                                      </p:cBhvr>
-                                      <p:tavLst>
-                                        <p:tav tm="0">
-                                          <p:val>
-                                            <p:strVal val="ppt_x"/>
-                                          </p:val>
-                                        </p:tav>
-                                        <p:tav tm="100000">
-                                          <p:val>
-                                            <p:strVal val="0-ppt_w/2"/>
-                                          </p:val>
-                                        </p:tav>
-                                      </p:tavLst>
-                                    </p:anim>
-                                    <p:anim calcmode="lin" valueType="num">
-                                      <p:cBhvr additive="base">
-                                        <p:cTn id="13" dur="1200"/>
-                                        <p:tgtEl>
-                                          <p:spTgt spid="26"/>
-                                        </p:tgtEl>
-                                        <p:attrNameLst>
-                                          <p:attrName>ppt_y</p:attrName>
-                                        </p:attrNameLst>
-                                      </p:cBhvr>
-                                      <p:tavLst>
-                                        <p:tav tm="0">
-                                          <p:val>
-                                            <p:strVal val="ppt_y"/>
-                                          </p:val>
-                                        </p:tav>
-                                        <p:tav tm="100000">
-                                          <p:val>
-                                            <p:strVal val="ppt_y"/>
-                                          </p:val>
-                                        </p:tav>
-                                      </p:tavLst>
-                                    </p:anim>
-                                    <p:set>
-                                      <p:cBhvr>
-                                        <p:cTn id="14" dur="1" fill="hold">
-                                          <p:stCondLst>
-                                            <p:cond delay="1199"/>
-                                          </p:stCondLst>
-                                        </p:cTn>
-                                        <p:tgtEl>
-                                          <p:spTgt spid="26"/>
-                                        </p:tgtEl>
-                                        <p:attrNameLst>
-                                          <p:attrName>style.visibility</p:attrName>
-                                        </p:attrNameLst>
-                                      </p:cBhvr>
-                                      <p:to>
-                                        <p:strVal val="hidden"/>
-                                      </p:to>
-                                    </p:set>
-                                  </p:childTnLst>
-                                </p:cTn>
-                              </p:par>
-                              <p:par>
-                                <p:cTn id="15" presetID="2" presetClass="exit" presetSubtype="8" fill="hold" grpId="0" nodeType="withEffect">
-                                  <p:stCondLst>
-                                    <p:cond delay="0"/>
-                                  </p:stCondLst>
-                                  <p:childTnLst>
-                                    <p:anim calcmode="lin" valueType="num">
-                                      <p:cBhvr additive="base">
-                                        <p:cTn id="16" dur="1500"/>
-                                        <p:tgtEl>
-                                          <p:spTgt spid="25"/>
-                                        </p:tgtEl>
-                                        <p:attrNameLst>
-                                          <p:attrName>ppt_x</p:attrName>
-                                        </p:attrNameLst>
-                                      </p:cBhvr>
-                                      <p:tavLst>
-                                        <p:tav tm="0">
-                                          <p:val>
-                                            <p:strVal val="ppt_x"/>
-                                          </p:val>
-                                        </p:tav>
-                                        <p:tav tm="100000">
-                                          <p:val>
-                                            <p:strVal val="0-ppt_w/2"/>
-                                          </p:val>
-                                        </p:tav>
-                                      </p:tavLst>
-                                    </p:anim>
-                                    <p:anim calcmode="lin" valueType="num">
-                                      <p:cBhvr additive="base">
-                                        <p:cTn id="17" dur="1500"/>
-                                        <p:tgtEl>
-                                          <p:spTgt spid="25"/>
-                                        </p:tgtEl>
-                                        <p:attrNameLst>
-                                          <p:attrName>ppt_y</p:attrName>
-                                        </p:attrNameLst>
-                                      </p:cBhvr>
-                                      <p:tavLst>
-                                        <p:tav tm="0">
-                                          <p:val>
-                                            <p:strVal val="ppt_y"/>
-                                          </p:val>
-                                        </p:tav>
-                                        <p:tav tm="100000">
-                                          <p:val>
-                                            <p:strVal val="ppt_y"/>
-                                          </p:val>
-                                        </p:tav>
-                                      </p:tavLst>
-                                    </p:anim>
-                                    <p:set>
-                                      <p:cBhvr>
-                                        <p:cTn id="18" dur="1" fill="hold">
-                                          <p:stCondLst>
-                                            <p:cond delay="1499"/>
-                                          </p:stCondLst>
-                                        </p:cTn>
-                                        <p:tgtEl>
-                                          <p:spTgt spid="25"/>
-                                        </p:tgtEl>
-                                        <p:attrNameLst>
-                                          <p:attrName>style.visibility</p:attrName>
-                                        </p:attrNameLst>
-                                      </p:cBhvr>
-                                      <p:to>
-                                        <p:strVal val="hidden"/>
-                                      </p:to>
-                                    </p:set>
-                                  </p:childTnLst>
-                                </p:cTn>
-                              </p:par>
-                              <p:par>
-                                <p:cTn id="19" presetID="2" presetClass="exit" presetSubtype="8" fill="hold" nodeType="withEffect">
-                                  <p:stCondLst>
-                                    <p:cond delay="0"/>
-                                  </p:stCondLst>
-                                  <p:childTnLst>
-                                    <p:anim calcmode="lin" valueType="num">
-                                      <p:cBhvr additive="base">
-                                        <p:cTn id="20" dur="1150"/>
-                                        <p:tgtEl>
-                                          <p:spTgt spid="28"/>
-                                        </p:tgtEl>
-                                        <p:attrNameLst>
-                                          <p:attrName>ppt_x</p:attrName>
-                                        </p:attrNameLst>
-                                      </p:cBhvr>
-                                      <p:tavLst>
-                                        <p:tav tm="0">
-                                          <p:val>
-                                            <p:strVal val="ppt_x"/>
-                                          </p:val>
-                                        </p:tav>
-                                        <p:tav tm="100000">
-                                          <p:val>
-                                            <p:strVal val="0-ppt_w/2"/>
-                                          </p:val>
-                                        </p:tav>
-                                      </p:tavLst>
-                                    </p:anim>
-                                    <p:anim calcmode="lin" valueType="num">
-                                      <p:cBhvr additive="base">
-                                        <p:cTn id="21" dur="1150"/>
-                                        <p:tgtEl>
-                                          <p:spTgt spid="28"/>
-                                        </p:tgtEl>
-                                        <p:attrNameLst>
-                                          <p:attrName>ppt_y</p:attrName>
-                                        </p:attrNameLst>
-                                      </p:cBhvr>
-                                      <p:tavLst>
-                                        <p:tav tm="0">
-                                          <p:val>
-                                            <p:strVal val="ppt_y"/>
-                                          </p:val>
-                                        </p:tav>
-                                        <p:tav tm="100000">
-                                          <p:val>
-                                            <p:strVal val="ppt_y"/>
-                                          </p:val>
-                                        </p:tav>
-                                      </p:tavLst>
-                                    </p:anim>
-                                    <p:set>
-                                      <p:cBhvr>
-                                        <p:cTn id="22" dur="1" fill="hold">
-                                          <p:stCondLst>
-                                            <p:cond delay="1149"/>
-                                          </p:stCondLst>
-                                        </p:cTn>
-                                        <p:tgtEl>
-                                          <p:spTgt spid="28"/>
-                                        </p:tgtEl>
-                                        <p:attrNameLst>
-                                          <p:attrName>style.visibility</p:attrName>
-                                        </p:attrNameLst>
-                                      </p:cBhvr>
-                                      <p:to>
-                                        <p:strVal val="hidden"/>
-                                      </p:to>
-                                    </p:set>
-                                  </p:childTnLst>
-                                </p:cTn>
-                              </p:par>
-                            </p:childTnLst>
-                          </p:cTn>
-                        </p:par>
-                      </p:childTnLst>
-                    </p:cTn>
-                  </p:par>
-                  <p:par>
-                    <p:cTn id="23" fill="hold">
-                      <p:stCondLst>
-                        <p:cond delay="indefinite"/>
-                      </p:stCondLst>
-                      <p:childTnLst>
-                        <p:par>
-                          <p:cTn id="24" fill="hold">
-                            <p:stCondLst>
-                              <p:cond delay="0"/>
-                            </p:stCondLst>
-                            <p:childTnLst>
-                              <p:par>
-                                <p:cTn id="25" presetID="1" presetClass="emph" presetSubtype="2" fill="hold" nodeType="clickEffect">
-                                  <p:stCondLst>
-                                    <p:cond delay="0"/>
-                                  </p:stCondLst>
-                                  <p:childTnLst>
-                                    <p:animClr clrSpc="rgb" dir="cw">
-                                      <p:cBhvr>
-                                        <p:cTn id="26" dur="100" fill="hold"/>
-                                        <p:tgtEl>
-                                          <p:spTgt spid="32"/>
-                                        </p:tgtEl>
-                                        <p:attrNameLst>
-                                          <p:attrName>fillcolor</p:attrName>
-                                        </p:attrNameLst>
-                                      </p:cBhvr>
-                                      <p:to>
-                                        <a:srgbClr val="1FF4FF"/>
-                                      </p:to>
-                                    </p:animClr>
-                                    <p:set>
-                                      <p:cBhvr>
-                                        <p:cTn id="27" dur="100" fill="hold"/>
-                                        <p:tgtEl>
-                                          <p:spTgt spid="32"/>
-                                        </p:tgtEl>
-                                        <p:attrNameLst>
-                                          <p:attrName>fill.type</p:attrName>
-                                        </p:attrNameLst>
-                                      </p:cBhvr>
-                                      <p:to>
-                                        <p:strVal val="solid"/>
-                                      </p:to>
-                                    </p:set>
-                                    <p:set>
-                                      <p:cBhvr>
-                                        <p:cTn id="28" dur="100" fill="hold"/>
-                                        <p:tgtEl>
-                                          <p:spTgt spid="32"/>
-                                        </p:tgtEl>
-                                        <p:attrNameLst>
-                                          <p:attrName>fill.on</p:attrName>
-                                        </p:attrNameLst>
-                                      </p:cBhvr>
-                                      <p:to>
-                                        <p:strVal val="true"/>
-                                      </p:to>
-                                    </p:set>
-                                  </p:childTnLst>
-                                </p:cTn>
-                              </p:par>
-                            </p:childTnLst>
-                          </p:cTn>
-                        </p:par>
-                        <p:par>
-                          <p:cTn id="29" fill="hold">
-                            <p:stCondLst>
-                              <p:cond delay="100"/>
-                            </p:stCondLst>
-                            <p:childTnLst>
-                              <p:par>
-                                <p:cTn id="30" presetID="2" presetClass="exit" presetSubtype="8" fill="hold" grpId="0" nodeType="afterEffect">
-                                  <p:stCondLst>
-                                    <p:cond delay="0"/>
-                                  </p:stCondLst>
-                                  <p:childTnLst>
-                                    <p:anim calcmode="lin" valueType="num">
-                                      <p:cBhvr additive="base">
-                                        <p:cTn id="31" dur="1800"/>
-                                        <p:tgtEl>
-                                          <p:spTgt spid="32"/>
-                                        </p:tgtEl>
-                                        <p:attrNameLst>
-                                          <p:attrName>ppt_x</p:attrName>
-                                        </p:attrNameLst>
-                                      </p:cBhvr>
-                                      <p:tavLst>
-                                        <p:tav tm="0">
-                                          <p:val>
-                                            <p:strVal val="ppt_x"/>
-                                          </p:val>
-                                        </p:tav>
-                                        <p:tav tm="100000">
-                                          <p:val>
-                                            <p:strVal val="0-ppt_w/2"/>
-                                          </p:val>
-                                        </p:tav>
-                                      </p:tavLst>
-                                    </p:anim>
-                                    <p:anim calcmode="lin" valueType="num">
-                                      <p:cBhvr additive="base">
-                                        <p:cTn id="32" dur="1800"/>
-                                        <p:tgtEl>
-                                          <p:spTgt spid="32"/>
-                                        </p:tgtEl>
-                                        <p:attrNameLst>
-                                          <p:attrName>ppt_y</p:attrName>
-                                        </p:attrNameLst>
-                                      </p:cBhvr>
-                                      <p:tavLst>
-                                        <p:tav tm="0">
-                                          <p:val>
-                                            <p:strVal val="ppt_y"/>
-                                          </p:val>
-                                        </p:tav>
-                                        <p:tav tm="100000">
-                                          <p:val>
-                                            <p:strVal val="ppt_y"/>
-                                          </p:val>
-                                        </p:tav>
-                                      </p:tavLst>
-                                    </p:anim>
-                                    <p:set>
-                                      <p:cBhvr>
-                                        <p:cTn id="33" dur="1" fill="hold">
-                                          <p:stCondLst>
-                                            <p:cond delay="1799"/>
-                                          </p:stCondLst>
-                                        </p:cTn>
-                                        <p:tgtEl>
-                                          <p:spTgt spid="32"/>
-                                        </p:tgtEl>
-                                        <p:attrNameLst>
-                                          <p:attrName>style.visibility</p:attrName>
-                                        </p:attrNameLst>
-                                      </p:cBhvr>
-                                      <p:to>
-                                        <p:strVal val="hidden"/>
-                                      </p:to>
-                                    </p:set>
-                                  </p:childTnLst>
-                                </p:cTn>
-                              </p:par>
-                              <p:par>
-                                <p:cTn id="34" presetID="2" presetClass="exit" presetSubtype="8" fill="hold" grpId="0" nodeType="withEffect">
-                                  <p:stCondLst>
-                                    <p:cond delay="0"/>
-                                  </p:stCondLst>
-                                  <p:childTnLst>
-                                    <p:anim calcmode="lin" valueType="num">
-                                      <p:cBhvr additive="base">
-                                        <p:cTn id="35" dur="1800"/>
-                                        <p:tgtEl>
-                                          <p:spTgt spid="31"/>
-                                        </p:tgtEl>
-                                        <p:attrNameLst>
-                                          <p:attrName>ppt_x</p:attrName>
-                                        </p:attrNameLst>
-                                      </p:cBhvr>
-                                      <p:tavLst>
-                                        <p:tav tm="0">
-                                          <p:val>
-                                            <p:strVal val="ppt_x"/>
-                                          </p:val>
-                                        </p:tav>
-                                        <p:tav tm="100000">
-                                          <p:val>
-                                            <p:strVal val="0-ppt_w/2"/>
-                                          </p:val>
-                                        </p:tav>
-                                      </p:tavLst>
-                                    </p:anim>
-                                    <p:anim calcmode="lin" valueType="num">
-                                      <p:cBhvr additive="base">
-                                        <p:cTn id="36" dur="1800"/>
-                                        <p:tgtEl>
-                                          <p:spTgt spid="31"/>
-                                        </p:tgtEl>
-                                        <p:attrNameLst>
-                                          <p:attrName>ppt_y</p:attrName>
-                                        </p:attrNameLst>
-                                      </p:cBhvr>
-                                      <p:tavLst>
-                                        <p:tav tm="0">
-                                          <p:val>
-                                            <p:strVal val="ppt_y"/>
-                                          </p:val>
-                                        </p:tav>
-                                        <p:tav tm="100000">
-                                          <p:val>
-                                            <p:strVal val="ppt_y"/>
-                                          </p:val>
-                                        </p:tav>
-                                      </p:tavLst>
-                                    </p:anim>
-                                    <p:set>
-                                      <p:cBhvr>
-                                        <p:cTn id="37" dur="1" fill="hold">
-                                          <p:stCondLst>
-                                            <p:cond delay="1799"/>
-                                          </p:stCondLst>
-                                        </p:cTn>
-                                        <p:tgtEl>
-                                          <p:spTgt spid="31"/>
-                                        </p:tgtEl>
-                                        <p:attrNameLst>
-                                          <p:attrName>style.visibility</p:attrName>
-                                        </p:attrNameLst>
-                                      </p:cBhvr>
-                                      <p:to>
-                                        <p:strVal val="hidden"/>
-                                      </p:to>
-                                    </p:set>
-                                  </p:childTnLst>
-                                </p:cTn>
-                              </p:par>
-                              <p:par>
-                                <p:cTn id="38" presetID="2" presetClass="exit" presetSubtype="8" fill="hold" grpId="0" nodeType="withEffect">
-                                  <p:stCondLst>
-                                    <p:cond delay="0"/>
-                                  </p:stCondLst>
-                                  <p:childTnLst>
-                                    <p:anim calcmode="lin" valueType="num">
-                                      <p:cBhvr additive="base">
-                                        <p:cTn id="39" dur="1500"/>
-                                        <p:tgtEl>
-                                          <p:spTgt spid="30"/>
-                                        </p:tgtEl>
-                                        <p:attrNameLst>
-                                          <p:attrName>ppt_x</p:attrName>
-                                        </p:attrNameLst>
-                                      </p:cBhvr>
-                                      <p:tavLst>
-                                        <p:tav tm="0">
-                                          <p:val>
-                                            <p:strVal val="ppt_x"/>
-                                          </p:val>
-                                        </p:tav>
-                                        <p:tav tm="100000">
-                                          <p:val>
-                                            <p:strVal val="0-ppt_w/2"/>
-                                          </p:val>
-                                        </p:tav>
-                                      </p:tavLst>
-                                    </p:anim>
-                                    <p:anim calcmode="lin" valueType="num">
-                                      <p:cBhvr additive="base">
-                                        <p:cTn id="40" dur="1500"/>
-                                        <p:tgtEl>
-                                          <p:spTgt spid="30"/>
-                                        </p:tgtEl>
-                                        <p:attrNameLst>
-                                          <p:attrName>ppt_y</p:attrName>
-                                        </p:attrNameLst>
-                                      </p:cBhvr>
-                                      <p:tavLst>
-                                        <p:tav tm="0">
-                                          <p:val>
-                                            <p:strVal val="ppt_y"/>
-                                          </p:val>
-                                        </p:tav>
-                                        <p:tav tm="100000">
-                                          <p:val>
-                                            <p:strVal val="ppt_y"/>
-                                          </p:val>
-                                        </p:tav>
-                                      </p:tavLst>
-                                    </p:anim>
-                                    <p:set>
-                                      <p:cBhvr>
-                                        <p:cTn id="41" dur="1" fill="hold">
-                                          <p:stCondLst>
-                                            <p:cond delay="1499"/>
-                                          </p:stCondLst>
-                                        </p:cTn>
-                                        <p:tgtEl>
-                                          <p:spTgt spid="30"/>
-                                        </p:tgtEl>
-                                        <p:attrNameLst>
-                                          <p:attrName>style.visibility</p:attrName>
-                                        </p:attrNameLst>
-                                      </p:cBhvr>
-                                      <p:to>
-                                        <p:strVal val="hidden"/>
-                                      </p:to>
-                                    </p:set>
-                                  </p:childTnLst>
-                                </p:cTn>
-                              </p:par>
-                              <p:par>
-                                <p:cTn id="42" presetID="2" presetClass="exit" presetSubtype="8" fill="hold" nodeType="withEffect">
-                                  <p:stCondLst>
-                                    <p:cond delay="0"/>
-                                  </p:stCondLst>
-                                  <p:childTnLst>
-                                    <p:anim calcmode="lin" valueType="num">
-                                      <p:cBhvr additive="base">
-                                        <p:cTn id="43" dur="1150"/>
-                                        <p:tgtEl>
-                                          <p:spTgt spid="38"/>
-                                        </p:tgtEl>
-                                        <p:attrNameLst>
-                                          <p:attrName>ppt_x</p:attrName>
-                                        </p:attrNameLst>
-                                      </p:cBhvr>
-                                      <p:tavLst>
-                                        <p:tav tm="0">
-                                          <p:val>
-                                            <p:strVal val="ppt_x"/>
-                                          </p:val>
-                                        </p:tav>
-                                        <p:tav tm="100000">
-                                          <p:val>
-                                            <p:strVal val="0-ppt_w/2"/>
-                                          </p:val>
-                                        </p:tav>
-                                      </p:tavLst>
-                                    </p:anim>
-                                    <p:anim calcmode="lin" valueType="num">
-                                      <p:cBhvr additive="base">
-                                        <p:cTn id="44" dur="1150"/>
-                                        <p:tgtEl>
-                                          <p:spTgt spid="38"/>
-                                        </p:tgtEl>
-                                        <p:attrNameLst>
-                                          <p:attrName>ppt_y</p:attrName>
-                                        </p:attrNameLst>
-                                      </p:cBhvr>
-                                      <p:tavLst>
-                                        <p:tav tm="0">
-                                          <p:val>
-                                            <p:strVal val="ppt_y"/>
-                                          </p:val>
-                                        </p:tav>
-                                        <p:tav tm="100000">
-                                          <p:val>
-                                            <p:strVal val="ppt_y"/>
-                                          </p:val>
-                                        </p:tav>
-                                      </p:tavLst>
-                                    </p:anim>
-                                    <p:set>
-                                      <p:cBhvr>
-                                        <p:cTn id="45" dur="1" fill="hold">
-                                          <p:stCondLst>
-                                            <p:cond delay="1149"/>
-                                          </p:stCondLst>
-                                        </p:cTn>
-                                        <p:tgtEl>
-                                          <p:spTgt spid="38"/>
-                                        </p:tgtEl>
-                                        <p:attrNameLst>
-                                          <p:attrName>style.visibility</p:attrName>
-                                        </p:attrNameLst>
-                                      </p:cBhvr>
-                                      <p:to>
-                                        <p:strVal val="hidden"/>
-                                      </p:to>
-                                    </p:set>
-                                  </p:childTnLst>
-                                </p:cTn>
-                              </p:par>
-                            </p:childTnLst>
-                          </p:cTn>
-                        </p:par>
-                      </p:childTnLst>
-                    </p:cTn>
-                  </p:par>
-                  <p:par>
-                    <p:cTn id="46" fill="hold">
-                      <p:stCondLst>
-                        <p:cond delay="indefinite"/>
-                      </p:stCondLst>
-                      <p:childTnLst>
-                        <p:par>
-                          <p:cTn id="47" fill="hold">
-                            <p:stCondLst>
-                              <p:cond delay="0"/>
-                            </p:stCondLst>
-                            <p:childTnLst>
-                              <p:par>
-                                <p:cTn id="48" presetID="42" presetClass="path" presetSubtype="0" accel="50000" decel="50000" fill="hold" nodeType="clickEffect">
-                                  <p:stCondLst>
-                                    <p:cond delay="0"/>
-                                  </p:stCondLst>
-                                  <p:childTnLst>
-                                    <p:animMotion origin="layout" path="M -4.16667E-7 -7.40741E-7 L 0.08125 0.09306 " pathEditMode="relative" rAng="0" ptsTypes="AA">
-                                      <p:cBhvr>
-                                        <p:cTn id="49" dur="2000" fill="hold"/>
-                                        <p:tgtEl>
-                                          <p:spTgt spid="48"/>
-                                        </p:tgtEl>
-                                        <p:attrNameLst>
-                                          <p:attrName>ppt_x</p:attrName>
-                                          <p:attrName>ppt_y</p:attrName>
-                                        </p:attrNameLst>
-                                      </p:cBhvr>
-                                      <p:rCtr x="4062" y="4653"/>
-                                    </p:animMotion>
-                                  </p:childTnLst>
-                                </p:cTn>
-                              </p:par>
-                              <p:par>
-                                <p:cTn id="50" presetID="2" presetClass="exit" presetSubtype="8" fill="hold" grpId="0" nodeType="withEffect">
-                                  <p:stCondLst>
-                                    <p:cond delay="0"/>
-                                  </p:stCondLst>
-                                  <p:childTnLst>
-                                    <p:anim calcmode="lin" valueType="num">
-                                      <p:cBhvr additive="base">
-                                        <p:cTn id="51" dur="1200"/>
-                                        <p:tgtEl>
-                                          <p:spTgt spid="46"/>
-                                        </p:tgtEl>
-                                        <p:attrNameLst>
-                                          <p:attrName>ppt_x</p:attrName>
-                                        </p:attrNameLst>
-                                      </p:cBhvr>
-                                      <p:tavLst>
-                                        <p:tav tm="0">
-                                          <p:val>
-                                            <p:strVal val="ppt_x"/>
-                                          </p:val>
-                                        </p:tav>
-                                        <p:tav tm="100000">
-                                          <p:val>
-                                            <p:strVal val="0-ppt_w/2"/>
-                                          </p:val>
-                                        </p:tav>
-                                      </p:tavLst>
-                                    </p:anim>
-                                    <p:anim calcmode="lin" valueType="num">
-                                      <p:cBhvr additive="base">
-                                        <p:cTn id="52" dur="1200"/>
-                                        <p:tgtEl>
-                                          <p:spTgt spid="46"/>
-                                        </p:tgtEl>
-                                        <p:attrNameLst>
-                                          <p:attrName>ppt_y</p:attrName>
-                                        </p:attrNameLst>
-                                      </p:cBhvr>
-                                      <p:tavLst>
-                                        <p:tav tm="0">
-                                          <p:val>
-                                            <p:strVal val="ppt_y"/>
-                                          </p:val>
-                                        </p:tav>
-                                        <p:tav tm="100000">
-                                          <p:val>
-                                            <p:strVal val="ppt_y"/>
-                                          </p:val>
-                                        </p:tav>
-                                      </p:tavLst>
-                                    </p:anim>
-                                    <p:set>
-                                      <p:cBhvr>
-                                        <p:cTn id="53" dur="1" fill="hold">
-                                          <p:stCondLst>
-                                            <p:cond delay="1199"/>
-                                          </p:stCondLst>
-                                        </p:cTn>
-                                        <p:tgtEl>
-                                          <p:spTgt spid="46"/>
-                                        </p:tgtEl>
-                                        <p:attrNameLst>
-                                          <p:attrName>style.visibility</p:attrName>
-                                        </p:attrNameLst>
-                                      </p:cBhvr>
-                                      <p:to>
-                                        <p:strVal val="hidden"/>
-                                      </p:to>
-                                    </p:set>
-                                  </p:childTnLst>
-                                </p:cTn>
-                              </p:par>
-                              <p:par>
-                                <p:cTn id="54" presetID="2" presetClass="exit" presetSubtype="8" fill="hold" grpId="0" nodeType="withEffect">
-                                  <p:stCondLst>
-                                    <p:cond delay="0"/>
-                                  </p:stCondLst>
-                                  <p:childTnLst>
-                                    <p:anim calcmode="lin" valueType="num">
-                                      <p:cBhvr additive="base">
-                                        <p:cTn id="55" dur="1200"/>
-                                        <p:tgtEl>
-                                          <p:spTgt spid="45"/>
-                                        </p:tgtEl>
-                                        <p:attrNameLst>
-                                          <p:attrName>ppt_x</p:attrName>
-                                        </p:attrNameLst>
-                                      </p:cBhvr>
-                                      <p:tavLst>
-                                        <p:tav tm="0">
-                                          <p:val>
-                                            <p:strVal val="ppt_x"/>
-                                          </p:val>
-                                        </p:tav>
-                                        <p:tav tm="100000">
-                                          <p:val>
-                                            <p:strVal val="0-ppt_w/2"/>
-                                          </p:val>
-                                        </p:tav>
-                                      </p:tavLst>
-                                    </p:anim>
-                                    <p:anim calcmode="lin" valueType="num">
-                                      <p:cBhvr additive="base">
-                                        <p:cTn id="56" dur="1200"/>
-                                        <p:tgtEl>
-                                          <p:spTgt spid="45"/>
-                                        </p:tgtEl>
-                                        <p:attrNameLst>
-                                          <p:attrName>ppt_y</p:attrName>
-                                        </p:attrNameLst>
-                                      </p:cBhvr>
-                                      <p:tavLst>
-                                        <p:tav tm="0">
-                                          <p:val>
-                                            <p:strVal val="ppt_y"/>
-                                          </p:val>
-                                        </p:tav>
-                                        <p:tav tm="100000">
-                                          <p:val>
-                                            <p:strVal val="ppt_y"/>
-                                          </p:val>
-                                        </p:tav>
-                                      </p:tavLst>
-                                    </p:anim>
-                                    <p:set>
-                                      <p:cBhvr>
-                                        <p:cTn id="57" dur="1" fill="hold">
-                                          <p:stCondLst>
-                                            <p:cond delay="1199"/>
-                                          </p:stCondLst>
-                                        </p:cTn>
-                                        <p:tgtEl>
-                                          <p:spTgt spid="45"/>
-                                        </p:tgtEl>
-                                        <p:attrNameLst>
-                                          <p:attrName>style.visibility</p:attrName>
-                                        </p:attrNameLst>
-                                      </p:cBhvr>
-                                      <p:to>
-                                        <p:strVal val="hidden"/>
-                                      </p:to>
-                                    </p:set>
-                                  </p:childTnLst>
-                                </p:cTn>
-                              </p:par>
-                              <p:par>
-                                <p:cTn id="58" presetID="2" presetClass="exit" presetSubtype="8" fill="hold" grpId="0" nodeType="withEffect">
-                                  <p:stCondLst>
-                                    <p:cond delay="0"/>
-                                  </p:stCondLst>
-                                  <p:childTnLst>
-                                    <p:anim calcmode="lin" valueType="num">
-                                      <p:cBhvr additive="base">
-                                        <p:cTn id="59" dur="1500"/>
-                                        <p:tgtEl>
-                                          <p:spTgt spid="44"/>
-                                        </p:tgtEl>
-                                        <p:attrNameLst>
-                                          <p:attrName>ppt_x</p:attrName>
-                                        </p:attrNameLst>
-                                      </p:cBhvr>
-                                      <p:tavLst>
-                                        <p:tav tm="0">
-                                          <p:val>
-                                            <p:strVal val="ppt_x"/>
-                                          </p:val>
-                                        </p:tav>
-                                        <p:tav tm="100000">
-                                          <p:val>
-                                            <p:strVal val="0-ppt_w/2"/>
-                                          </p:val>
-                                        </p:tav>
-                                      </p:tavLst>
-                                    </p:anim>
-                                    <p:anim calcmode="lin" valueType="num">
-                                      <p:cBhvr additive="base">
-                                        <p:cTn id="60" dur="1500"/>
-                                        <p:tgtEl>
-                                          <p:spTgt spid="44"/>
-                                        </p:tgtEl>
-                                        <p:attrNameLst>
-                                          <p:attrName>ppt_y</p:attrName>
-                                        </p:attrNameLst>
-                                      </p:cBhvr>
-                                      <p:tavLst>
-                                        <p:tav tm="0">
-                                          <p:val>
-                                            <p:strVal val="ppt_y"/>
-                                          </p:val>
-                                        </p:tav>
-                                        <p:tav tm="100000">
-                                          <p:val>
-                                            <p:strVal val="ppt_y"/>
-                                          </p:val>
-                                        </p:tav>
-                                      </p:tavLst>
-                                    </p:anim>
-                                    <p:set>
-                                      <p:cBhvr>
-                                        <p:cTn id="61" dur="1" fill="hold">
-                                          <p:stCondLst>
-                                            <p:cond delay="1499"/>
-                                          </p:stCondLst>
-                                        </p:cTn>
-                                        <p:tgtEl>
-                                          <p:spTgt spid="44"/>
-                                        </p:tgtEl>
-                                        <p:attrNameLst>
-                                          <p:attrName>style.visibility</p:attrName>
-                                        </p:attrNameLst>
-                                      </p:cBhvr>
-                                      <p:to>
-                                        <p:strVal val="hidden"/>
-                                      </p:to>
-                                    </p:set>
-                                  </p:childTnLst>
-                                </p:cTn>
-                              </p:par>
-                              <p:par>
-                                <p:cTn id="62" presetID="2" presetClass="exit" presetSubtype="8" fill="hold" nodeType="withEffect">
-                                  <p:stCondLst>
-                                    <p:cond delay="0"/>
-                                  </p:stCondLst>
-                                  <p:childTnLst>
-                                    <p:anim calcmode="lin" valueType="num">
-                                      <p:cBhvr additive="base">
-                                        <p:cTn id="63" dur="1150"/>
-                                        <p:tgtEl>
-                                          <p:spTgt spid="47"/>
-                                        </p:tgtEl>
-                                        <p:attrNameLst>
-                                          <p:attrName>ppt_x</p:attrName>
-                                        </p:attrNameLst>
-                                      </p:cBhvr>
-                                      <p:tavLst>
-                                        <p:tav tm="0">
-                                          <p:val>
-                                            <p:strVal val="ppt_x"/>
-                                          </p:val>
-                                        </p:tav>
-                                        <p:tav tm="100000">
-                                          <p:val>
-                                            <p:strVal val="0-ppt_w/2"/>
-                                          </p:val>
-                                        </p:tav>
-                                      </p:tavLst>
-                                    </p:anim>
-                                    <p:anim calcmode="lin" valueType="num">
-                                      <p:cBhvr additive="base">
-                                        <p:cTn id="64" dur="1150"/>
-                                        <p:tgtEl>
-                                          <p:spTgt spid="47"/>
-                                        </p:tgtEl>
-                                        <p:attrNameLst>
-                                          <p:attrName>ppt_y</p:attrName>
-                                        </p:attrNameLst>
-                                      </p:cBhvr>
-                                      <p:tavLst>
-                                        <p:tav tm="0">
-                                          <p:val>
-                                            <p:strVal val="ppt_y"/>
-                                          </p:val>
-                                        </p:tav>
-                                        <p:tav tm="100000">
-                                          <p:val>
-                                            <p:strVal val="ppt_y"/>
-                                          </p:val>
-                                        </p:tav>
-                                      </p:tavLst>
-                                    </p:anim>
-                                    <p:set>
-                                      <p:cBhvr>
-                                        <p:cTn id="65" dur="1" fill="hold">
-                                          <p:stCondLst>
-                                            <p:cond delay="1149"/>
-                                          </p:stCondLst>
-                                        </p:cTn>
-                                        <p:tgtEl>
-                                          <p:spTgt spid="47"/>
-                                        </p:tgtEl>
-                                        <p:attrNameLst>
-                                          <p:attrName>style.visibility</p:attrName>
-                                        </p:attrNameLst>
-                                      </p:cBhvr>
-                                      <p:to>
-                                        <p:strVal val="hidden"/>
-                                      </p:to>
-                                    </p:set>
-                                  </p:childTnLst>
-                                </p:cTn>
-                              </p:par>
-                              <p:par>
-                                <p:cTn id="66" presetID="2" presetClass="exit" presetSubtype="8" fill="hold" grpId="0" nodeType="withEffect">
-                                  <p:stCondLst>
-                                    <p:cond delay="0"/>
-                                  </p:stCondLst>
-                                  <p:childTnLst>
-                                    <p:anim calcmode="lin" valueType="num">
-                                      <p:cBhvr additive="base">
-                                        <p:cTn id="67" dur="1200"/>
-                                        <p:tgtEl>
-                                          <p:spTgt spid="50"/>
-                                        </p:tgtEl>
-                                        <p:attrNameLst>
-                                          <p:attrName>ppt_x</p:attrName>
-                                        </p:attrNameLst>
-                                      </p:cBhvr>
-                                      <p:tavLst>
-                                        <p:tav tm="0">
-                                          <p:val>
-                                            <p:strVal val="ppt_x"/>
-                                          </p:val>
-                                        </p:tav>
-                                        <p:tav tm="100000">
-                                          <p:val>
-                                            <p:strVal val="0-ppt_w/2"/>
-                                          </p:val>
-                                        </p:tav>
-                                      </p:tavLst>
-                                    </p:anim>
-                                    <p:anim calcmode="lin" valueType="num">
-                                      <p:cBhvr additive="base">
-                                        <p:cTn id="68" dur="1200"/>
-                                        <p:tgtEl>
-                                          <p:spTgt spid="50"/>
-                                        </p:tgtEl>
-                                        <p:attrNameLst>
-                                          <p:attrName>ppt_y</p:attrName>
-                                        </p:attrNameLst>
-                                      </p:cBhvr>
-                                      <p:tavLst>
-                                        <p:tav tm="0">
-                                          <p:val>
-                                            <p:strVal val="ppt_y"/>
-                                          </p:val>
-                                        </p:tav>
-                                        <p:tav tm="100000">
-                                          <p:val>
-                                            <p:strVal val="ppt_y"/>
-                                          </p:val>
-                                        </p:tav>
-                                      </p:tavLst>
-                                    </p:anim>
-                                    <p:set>
-                                      <p:cBhvr>
-                                        <p:cTn id="69" dur="1" fill="hold">
-                                          <p:stCondLst>
-                                            <p:cond delay="1199"/>
-                                          </p:stCondLst>
-                                        </p:cTn>
-                                        <p:tgtEl>
-                                          <p:spTgt spid="50"/>
-                                        </p:tgtEl>
-                                        <p:attrNameLst>
-                                          <p:attrName>style.visibility</p:attrName>
-                                        </p:attrNameLst>
-                                      </p:cBhvr>
-                                      <p:to>
-                                        <p:strVal val="hidden"/>
-                                      </p:to>
-                                    </p:set>
-                                  </p:childTnLst>
-                                </p:cTn>
-                              </p:par>
-                            </p:childTnLst>
-                          </p:cTn>
-                        </p:par>
-                      </p:childTnLst>
-                    </p:cTn>
-                  </p:par>
-                  <p:par>
-                    <p:cTn id="70" fill="hold">
-                      <p:stCondLst>
-                        <p:cond delay="indefinite"/>
-                      </p:stCondLst>
-                      <p:childTnLst>
-                        <p:par>
-                          <p:cTn id="71" fill="hold">
-                            <p:stCondLst>
-                              <p:cond delay="0"/>
-                            </p:stCondLst>
-                            <p:childTnLst>
-                              <p:par>
-                                <p:cTn id="72" presetID="1" presetClass="emph" presetSubtype="2" fill="hold" nodeType="clickEffect">
-                                  <p:stCondLst>
-                                    <p:cond delay="0"/>
-                                  </p:stCondLst>
-                                  <p:childTnLst>
-                                    <p:animClr clrSpc="rgb" dir="cw">
-                                      <p:cBhvr>
-                                        <p:cTn id="73" dur="100" fill="hold"/>
-                                        <p:tgtEl>
-                                          <p:spTgt spid="53"/>
-                                        </p:tgtEl>
-                                        <p:attrNameLst>
-                                          <p:attrName>fillcolor</p:attrName>
-                                        </p:attrNameLst>
-                                      </p:cBhvr>
-                                      <p:to>
-                                        <a:srgbClr val="1FF4FF"/>
-                                      </p:to>
-                                    </p:animClr>
-                                    <p:set>
-                                      <p:cBhvr>
-                                        <p:cTn id="74" dur="100" fill="hold"/>
-                                        <p:tgtEl>
-                                          <p:spTgt spid="53"/>
-                                        </p:tgtEl>
-                                        <p:attrNameLst>
-                                          <p:attrName>fill.type</p:attrName>
-                                        </p:attrNameLst>
-                                      </p:cBhvr>
-                                      <p:to>
-                                        <p:strVal val="solid"/>
-                                      </p:to>
-                                    </p:set>
-                                    <p:set>
-                                      <p:cBhvr>
-                                        <p:cTn id="75" dur="100" fill="hold"/>
-                                        <p:tgtEl>
-                                          <p:spTgt spid="53"/>
-                                        </p:tgtEl>
-                                        <p:attrNameLst>
-                                          <p:attrName>fill.on</p:attrName>
-                                        </p:attrNameLst>
-                                      </p:cBhvr>
-                                      <p:to>
-                                        <p:strVal val="true"/>
-                                      </p:to>
-                                    </p:set>
-                                  </p:childTnLst>
-                                </p:cTn>
-                              </p:par>
-                            </p:childTnLst>
-                          </p:cTn>
-                        </p:par>
-                        <p:par>
-                          <p:cTn id="76" fill="hold">
-                            <p:stCondLst>
-                              <p:cond delay="100"/>
-                            </p:stCondLst>
-                            <p:childTnLst>
-                              <p:par>
-                                <p:cTn id="77" presetID="2" presetClass="exit" presetSubtype="8" fill="hold" grpId="0" nodeType="afterEffect">
-                                  <p:stCondLst>
-                                    <p:cond delay="0"/>
-                                  </p:stCondLst>
-                                  <p:childTnLst>
-                                    <p:anim calcmode="lin" valueType="num">
-                                      <p:cBhvr additive="base">
-                                        <p:cTn id="78" dur="1800"/>
-                                        <p:tgtEl>
-                                          <p:spTgt spid="53"/>
-                                        </p:tgtEl>
-                                        <p:attrNameLst>
-                                          <p:attrName>ppt_x</p:attrName>
-                                        </p:attrNameLst>
-                                      </p:cBhvr>
-                                      <p:tavLst>
-                                        <p:tav tm="0">
-                                          <p:val>
-                                            <p:strVal val="ppt_x"/>
-                                          </p:val>
-                                        </p:tav>
-                                        <p:tav tm="100000">
-                                          <p:val>
-                                            <p:strVal val="0-ppt_w/2"/>
-                                          </p:val>
-                                        </p:tav>
-                                      </p:tavLst>
-                                    </p:anim>
-                                    <p:anim calcmode="lin" valueType="num">
-                                      <p:cBhvr additive="base">
-                                        <p:cTn id="79" dur="1800"/>
-                                        <p:tgtEl>
-                                          <p:spTgt spid="53"/>
-                                        </p:tgtEl>
-                                        <p:attrNameLst>
-                                          <p:attrName>ppt_y</p:attrName>
-                                        </p:attrNameLst>
-                                      </p:cBhvr>
-                                      <p:tavLst>
-                                        <p:tav tm="0">
-                                          <p:val>
-                                            <p:strVal val="ppt_y"/>
-                                          </p:val>
-                                        </p:tav>
-                                        <p:tav tm="100000">
-                                          <p:val>
-                                            <p:strVal val="ppt_y"/>
-                                          </p:val>
-                                        </p:tav>
-                                      </p:tavLst>
-                                    </p:anim>
-                                    <p:set>
-                                      <p:cBhvr>
-                                        <p:cTn id="80" dur="1" fill="hold">
-                                          <p:stCondLst>
-                                            <p:cond delay="1799"/>
-                                          </p:stCondLst>
-                                        </p:cTn>
-                                        <p:tgtEl>
-                                          <p:spTgt spid="53"/>
-                                        </p:tgtEl>
-                                        <p:attrNameLst>
-                                          <p:attrName>style.visibility</p:attrName>
-                                        </p:attrNameLst>
-                                      </p:cBhvr>
-                                      <p:to>
-                                        <p:strVal val="hidden"/>
-                                      </p:to>
-                                    </p:set>
-                                  </p:childTnLst>
-                                </p:cTn>
-                              </p:par>
-                              <p:par>
-                                <p:cTn id="81" presetID="2" presetClass="exit" presetSubtype="8" fill="hold" grpId="0" nodeType="withEffect">
-                                  <p:stCondLst>
-                                    <p:cond delay="0"/>
-                                  </p:stCondLst>
-                                  <p:childTnLst>
-                                    <p:anim calcmode="lin" valueType="num">
-                                      <p:cBhvr additive="base">
-                                        <p:cTn id="82" dur="1800"/>
-                                        <p:tgtEl>
-                                          <p:spTgt spid="52"/>
-                                        </p:tgtEl>
-                                        <p:attrNameLst>
-                                          <p:attrName>ppt_x</p:attrName>
-                                        </p:attrNameLst>
-                                      </p:cBhvr>
-                                      <p:tavLst>
-                                        <p:tav tm="0">
-                                          <p:val>
-                                            <p:strVal val="ppt_x"/>
-                                          </p:val>
-                                        </p:tav>
-                                        <p:tav tm="100000">
-                                          <p:val>
-                                            <p:strVal val="0-ppt_w/2"/>
-                                          </p:val>
-                                        </p:tav>
-                                      </p:tavLst>
-                                    </p:anim>
-                                    <p:anim calcmode="lin" valueType="num">
-                                      <p:cBhvr additive="base">
-                                        <p:cTn id="83" dur="1800"/>
-                                        <p:tgtEl>
-                                          <p:spTgt spid="52"/>
-                                        </p:tgtEl>
-                                        <p:attrNameLst>
-                                          <p:attrName>ppt_y</p:attrName>
-                                        </p:attrNameLst>
-                                      </p:cBhvr>
-                                      <p:tavLst>
-                                        <p:tav tm="0">
-                                          <p:val>
-                                            <p:strVal val="ppt_y"/>
-                                          </p:val>
-                                        </p:tav>
-                                        <p:tav tm="100000">
-                                          <p:val>
-                                            <p:strVal val="ppt_y"/>
-                                          </p:val>
-                                        </p:tav>
-                                      </p:tavLst>
-                                    </p:anim>
-                                    <p:set>
-                                      <p:cBhvr>
-                                        <p:cTn id="84" dur="1" fill="hold">
-                                          <p:stCondLst>
-                                            <p:cond delay="1799"/>
-                                          </p:stCondLst>
-                                        </p:cTn>
-                                        <p:tgtEl>
-                                          <p:spTgt spid="52"/>
-                                        </p:tgtEl>
-                                        <p:attrNameLst>
-                                          <p:attrName>style.visibility</p:attrName>
-                                        </p:attrNameLst>
-                                      </p:cBhvr>
-                                      <p:to>
-                                        <p:strVal val="hidden"/>
-                                      </p:to>
-                                    </p:set>
-                                  </p:childTnLst>
-                                </p:cTn>
-                              </p:par>
-                              <p:par>
-                                <p:cTn id="85" presetID="2" presetClass="exit" presetSubtype="8" fill="hold" grpId="0" nodeType="withEffect">
-                                  <p:stCondLst>
-                                    <p:cond delay="0"/>
-                                  </p:stCondLst>
-                                  <p:childTnLst>
-                                    <p:anim calcmode="lin" valueType="num">
-                                      <p:cBhvr additive="base">
-                                        <p:cTn id="86" dur="1500"/>
-                                        <p:tgtEl>
-                                          <p:spTgt spid="51"/>
-                                        </p:tgtEl>
-                                        <p:attrNameLst>
-                                          <p:attrName>ppt_x</p:attrName>
-                                        </p:attrNameLst>
-                                      </p:cBhvr>
-                                      <p:tavLst>
-                                        <p:tav tm="0">
-                                          <p:val>
-                                            <p:strVal val="ppt_x"/>
-                                          </p:val>
-                                        </p:tav>
-                                        <p:tav tm="100000">
-                                          <p:val>
-                                            <p:strVal val="0-ppt_w/2"/>
-                                          </p:val>
-                                        </p:tav>
-                                      </p:tavLst>
-                                    </p:anim>
-                                    <p:anim calcmode="lin" valueType="num">
-                                      <p:cBhvr additive="base">
-                                        <p:cTn id="87" dur="1500"/>
-                                        <p:tgtEl>
-                                          <p:spTgt spid="51"/>
-                                        </p:tgtEl>
-                                        <p:attrNameLst>
-                                          <p:attrName>ppt_y</p:attrName>
-                                        </p:attrNameLst>
-                                      </p:cBhvr>
-                                      <p:tavLst>
-                                        <p:tav tm="0">
-                                          <p:val>
-                                            <p:strVal val="ppt_y"/>
-                                          </p:val>
-                                        </p:tav>
-                                        <p:tav tm="100000">
-                                          <p:val>
-                                            <p:strVal val="ppt_y"/>
-                                          </p:val>
-                                        </p:tav>
-                                      </p:tavLst>
-                                    </p:anim>
-                                    <p:set>
-                                      <p:cBhvr>
-                                        <p:cTn id="88" dur="1" fill="hold">
-                                          <p:stCondLst>
-                                            <p:cond delay="1499"/>
-                                          </p:stCondLst>
-                                        </p:cTn>
-                                        <p:tgtEl>
-                                          <p:spTgt spid="51"/>
-                                        </p:tgtEl>
-                                        <p:attrNameLst>
-                                          <p:attrName>style.visibility</p:attrName>
-                                        </p:attrNameLst>
-                                      </p:cBhvr>
-                                      <p:to>
-                                        <p:strVal val="hidden"/>
-                                      </p:to>
-                                    </p:set>
-                                  </p:childTnLst>
-                                </p:cTn>
-                              </p:par>
-                              <p:par>
-                                <p:cTn id="89" presetID="2" presetClass="exit" presetSubtype="8" fill="hold" grpId="0" nodeType="withEffect">
-                                  <p:stCondLst>
-                                    <p:cond delay="0"/>
-                                  </p:stCondLst>
-                                  <p:childTnLst>
-                                    <p:anim calcmode="lin" valueType="num">
-                                      <p:cBhvr additive="base">
-                                        <p:cTn id="90" dur="1200"/>
-                                        <p:tgtEl>
-                                          <p:spTgt spid="54"/>
-                                        </p:tgtEl>
-                                        <p:attrNameLst>
-                                          <p:attrName>ppt_x</p:attrName>
-                                        </p:attrNameLst>
-                                      </p:cBhvr>
-                                      <p:tavLst>
-                                        <p:tav tm="0">
-                                          <p:val>
-                                            <p:strVal val="ppt_x"/>
-                                          </p:val>
-                                        </p:tav>
-                                        <p:tav tm="100000">
-                                          <p:val>
-                                            <p:strVal val="0-ppt_w/2"/>
-                                          </p:val>
-                                        </p:tav>
-                                      </p:tavLst>
-                                    </p:anim>
-                                    <p:anim calcmode="lin" valueType="num">
-                                      <p:cBhvr additive="base">
-                                        <p:cTn id="91" dur="1200"/>
-                                        <p:tgtEl>
-                                          <p:spTgt spid="54"/>
-                                        </p:tgtEl>
-                                        <p:attrNameLst>
-                                          <p:attrName>ppt_y</p:attrName>
-                                        </p:attrNameLst>
-                                      </p:cBhvr>
-                                      <p:tavLst>
-                                        <p:tav tm="0">
-                                          <p:val>
-                                            <p:strVal val="ppt_y"/>
-                                          </p:val>
-                                        </p:tav>
-                                        <p:tav tm="100000">
-                                          <p:val>
-                                            <p:strVal val="ppt_y"/>
-                                          </p:val>
-                                        </p:tav>
-                                      </p:tavLst>
-                                    </p:anim>
-                                    <p:set>
-                                      <p:cBhvr>
-                                        <p:cTn id="92" dur="1" fill="hold">
-                                          <p:stCondLst>
-                                            <p:cond delay="1199"/>
-                                          </p:stCondLst>
-                                        </p:cTn>
-                                        <p:tgtEl>
-                                          <p:spTgt spid="54"/>
-                                        </p:tgtEl>
-                                        <p:attrNameLst>
-                                          <p:attrName>style.visibility</p:attrName>
-                                        </p:attrNameLst>
-                                      </p:cBhvr>
-                                      <p:to>
-                                        <p:strVal val="hidden"/>
-                                      </p:to>
-                                    </p:set>
-                                  </p:childTnLst>
-                                </p:cTn>
-                              </p:par>
-                            </p:childTnLst>
-                          </p:cTn>
-                        </p:par>
-                      </p:childTnLst>
-                    </p:cTn>
-                  </p:par>
-                  <p:par>
-                    <p:cTn id="93" fill="hold">
-                      <p:stCondLst>
-                        <p:cond delay="indefinite"/>
-                      </p:stCondLst>
-                      <p:childTnLst>
-                        <p:par>
-                          <p:cTn id="94" fill="hold">
-                            <p:stCondLst>
-                              <p:cond delay="0"/>
-                            </p:stCondLst>
-                            <p:childTnLst>
-                              <p:par>
-                                <p:cTn id="95" presetID="42" presetClass="path" presetSubtype="0" accel="50000" decel="50000" fill="hold" nodeType="clickEffect">
-                                  <p:stCondLst>
-                                    <p:cond delay="0"/>
-                                  </p:stCondLst>
-                                  <p:childTnLst>
-                                    <p:animMotion origin="layout" path="M -4.16667E-7 -7.40741E-7 L 0.08125 0.09306 " pathEditMode="relative" rAng="0" ptsTypes="AA">
-                                      <p:cBhvr>
-                                        <p:cTn id="96" dur="2000" fill="hold"/>
-                                        <p:tgtEl>
-                                          <p:spTgt spid="67"/>
-                                        </p:tgtEl>
-                                        <p:attrNameLst>
-                                          <p:attrName>ppt_x</p:attrName>
-                                          <p:attrName>ppt_y</p:attrName>
-                                        </p:attrNameLst>
-                                      </p:cBhvr>
-                                      <p:rCtr x="4062" y="4653"/>
-                                    </p:animMotion>
-                                  </p:childTnLst>
-                                </p:cTn>
-                              </p:par>
-                            </p:childTnLst>
-                          </p:cTn>
-                        </p:par>
-                      </p:childTnLst>
-                    </p:cTn>
-                  </p:par>
-                </p:childTnLst>
-              </p:cTn>
-              <p:prevCondLst>
-                <p:cond evt="onPrev" delay="0">
-                  <p:tgtEl>
-                    <p:sldTgt/>
-                  </p:tgtEl>
-                </p:cond>
-              </p:prevCondLst>
-              <p:nextCondLst>
-                <p:cond evt="onNext" delay="0">
-                  <p:tgtEl>
-                    <p:sldTgt/>
-                  </p:tgtEl>
-                </p:cond>
-              </p:nextCondLst>
-            </p:seq>
-          </p:childTnLst>
-        </p:cTn>
-      </p:par>
-    </p:tnLst>
-    <p:bldLst>
-      <p:bldP spid="50" grpId="0" animBg="1"/>
-      <p:bldP spid="54" grpId="0" animBg="1"/>
-      <p:bldP spid="25" grpId="0" animBg="1"/>
-      <p:bldP spid="26" grpId="0" animBg="1"/>
-      <p:bldP spid="27" grpId="0" animBg="1"/>
-      <p:bldP spid="30" grpId="0" animBg="1"/>
-      <p:bldP spid="31" grpId="0" animBg="1"/>
-      <p:bldP spid="32" grpId="0" animBg="1"/>
-      <p:bldP spid="44" grpId="0" animBg="1"/>
-      <p:bldP spid="45" grpId="0" animBg="1"/>
-      <p:bldP spid="46" grpId="0" animBg="1"/>
-      <p:bldP spid="51" grpId="0" animBg="1"/>
-      <p:bldP spid="52" grpId="0" animBg="1"/>
-      <p:bldP spid="53" grpId="0" animBg="1"/>
-    </p:bldLst>
-  </p:timing>
 </p:sld>
 </file>
 
-<file path=ppt/slides/slide5.xml><?xml version="1.0" encoding="utf-8"?>
+<file path=ppt/slides/slide6.xml><?xml version="1.0" encoding="utf-8"?>
 <p:sld xmlns:a="http://schemas.openxmlformats.org/drawingml/2006/main" xmlns:r="http://schemas.openxmlformats.org/officeDocument/2006/relationships" xmlns:p="http://schemas.openxmlformats.org/presentationml/2006/main">
   <p:cSld>
     <p:spTree>
@@ -12014,6 +11241,162 @@
           </a:p>
         </p:txBody>
       </p:sp>
+      <p:pic>
+        <p:nvPicPr>
+          <p:cNvPr id="3" name="図 2">
+            <a:extLst>
+              <a:ext uri="{FF2B5EF4-FFF2-40B4-BE49-F238E27FC236}">
+                <a16:creationId xmlns:a16="http://schemas.microsoft.com/office/drawing/2014/main" id="{07358F52-0FD6-89B0-268F-6048ECAA980C}"/>
+              </a:ext>
+            </a:extLst>
+          </p:cNvPr>
+          <p:cNvPicPr>
+            <a:picLocks noChangeAspect="1"/>
+          </p:cNvPicPr>
+          <p:nvPr/>
+        </p:nvPicPr>
+        <p:blipFill>
+          <a:blip r:embed="rId4">
+            <a:extLst>
+              <a:ext uri="{28A0092B-C50C-407E-A947-70E740481C1C}">
+                <a14:useLocalDpi xmlns:a14="http://schemas.microsoft.com/office/drawing/2010/main" val="0"/>
+              </a:ext>
+            </a:extLst>
+          </a:blip>
+          <a:stretch>
+            <a:fillRect/>
+          </a:stretch>
+        </p:blipFill>
+        <p:spPr>
+          <a:xfrm>
+            <a:off x="6103280" y="960897"/>
+            <a:ext cx="1835978" cy="1835978"/>
+          </a:xfrm>
+          <a:prstGeom prst="rect">
+            <a:avLst/>
+          </a:prstGeom>
+        </p:spPr>
+      </p:pic>
+      <p:sp>
+        <p:nvSpPr>
+          <p:cNvPr id="6" name="矢印: 右カーブ 5">
+            <a:extLst>
+              <a:ext uri="{FF2B5EF4-FFF2-40B4-BE49-F238E27FC236}">
+                <a16:creationId xmlns:a16="http://schemas.microsoft.com/office/drawing/2014/main" id="{88679EB6-D815-0C49-3F07-BAA02F3602C5}"/>
+              </a:ext>
+            </a:extLst>
+          </p:cNvPr>
+          <p:cNvSpPr/>
+          <p:nvPr/>
+        </p:nvSpPr>
+        <p:spPr>
+          <a:xfrm rot="2210014">
+            <a:off x="6005922" y="850862"/>
+            <a:ext cx="444673" cy="1635561"/>
+          </a:xfrm>
+          <a:prstGeom prst="curvedRightArrow">
+            <a:avLst>
+              <a:gd name="adj1" fmla="val 33571"/>
+              <a:gd name="adj2" fmla="val 96062"/>
+              <a:gd name="adj3" fmla="val 25000"/>
+            </a:avLst>
+          </a:prstGeom>
+          <a:solidFill>
+            <a:schemeClr val="tx1"/>
+          </a:solidFill>
+          <a:ln>
+            <a:noFill/>
+          </a:ln>
+        </p:spPr>
+        <p:style>
+          <a:lnRef idx="2">
+            <a:schemeClr val="accent1">
+              <a:shade val="15000"/>
+            </a:schemeClr>
+          </a:lnRef>
+          <a:fillRef idx="1">
+            <a:schemeClr val="accent1"/>
+          </a:fillRef>
+          <a:effectRef idx="0">
+            <a:schemeClr val="accent1"/>
+          </a:effectRef>
+          <a:fontRef idx="minor">
+            <a:schemeClr val="lt1"/>
+          </a:fontRef>
+        </p:style>
+        <p:txBody>
+          <a:bodyPr rtlCol="0" anchor="ctr"/>
+          <a:lstStyle/>
+          <a:p>
+            <a:pPr algn="ctr"/>
+            <a:endParaRPr kumimoji="1" lang="ja-JP" altLang="en-US">
+              <a:solidFill>
+                <a:schemeClr val="tx1"/>
+              </a:solidFill>
+            </a:endParaRPr>
+          </a:p>
+        </p:txBody>
+      </p:sp>
+      <p:sp>
+        <p:nvSpPr>
+          <p:cNvPr id="7" name="矢印: 右カーブ 6">
+            <a:extLst>
+              <a:ext uri="{FF2B5EF4-FFF2-40B4-BE49-F238E27FC236}">
+                <a16:creationId xmlns:a16="http://schemas.microsoft.com/office/drawing/2014/main" id="{D4C1C31B-21FF-5259-8EAB-4A50F7CB8905}"/>
+              </a:ext>
+            </a:extLst>
+          </p:cNvPr>
+          <p:cNvSpPr/>
+          <p:nvPr/>
+        </p:nvSpPr>
+        <p:spPr>
+          <a:xfrm rot="12447497">
+            <a:off x="7654742" y="1432058"/>
+            <a:ext cx="444673" cy="1635561"/>
+          </a:xfrm>
+          <a:prstGeom prst="curvedRightArrow">
+            <a:avLst>
+              <a:gd name="adj1" fmla="val 29353"/>
+              <a:gd name="adj2" fmla="val 96062"/>
+              <a:gd name="adj3" fmla="val 25000"/>
+            </a:avLst>
+          </a:prstGeom>
+          <a:solidFill>
+            <a:schemeClr val="tx1"/>
+          </a:solidFill>
+          <a:ln>
+            <a:noFill/>
+          </a:ln>
+        </p:spPr>
+        <p:style>
+          <a:lnRef idx="2">
+            <a:schemeClr val="accent1">
+              <a:shade val="15000"/>
+            </a:schemeClr>
+          </a:lnRef>
+          <a:fillRef idx="1">
+            <a:schemeClr val="accent1"/>
+          </a:fillRef>
+          <a:effectRef idx="0">
+            <a:schemeClr val="accent1"/>
+          </a:effectRef>
+          <a:fontRef idx="minor">
+            <a:schemeClr val="lt1"/>
+          </a:fontRef>
+        </p:style>
+        <p:txBody>
+          <a:bodyPr rtlCol="0" anchor="ctr"/>
+          <a:lstStyle/>
+          <a:p>
+            <a:pPr algn="ctr"/>
+            <a:endParaRPr kumimoji="1" lang="ja-JP" altLang="en-US">
+              <a:solidFill>
+                <a:schemeClr val="tx1"/>
+              </a:solidFill>
+            </a:endParaRPr>
+          </a:p>
+        </p:txBody>
+      </p:sp>
     </p:spTree>
     <p:extLst>
       <p:ext uri="{BB962C8B-B14F-4D97-AF65-F5344CB8AC3E}">
@@ -12024,835 +11407,10 @@
   <p:clrMapOvr>
     <a:masterClrMapping/>
   </p:clrMapOvr>
-  <p:timing>
-    <p:tnLst>
-      <p:par>
-        <p:cTn id="1" dur="indefinite" restart="never" nodeType="tmRoot">
-          <p:childTnLst>
-            <p:seq concurrent="1" nextAc="seek">
-              <p:cTn id="2" dur="indefinite" nodeType="mainSeq">
-                <p:childTnLst>
-                  <p:par>
-                    <p:cTn id="3" fill="hold">
-                      <p:stCondLst>
-                        <p:cond delay="indefinite"/>
-                      </p:stCondLst>
-                      <p:childTnLst>
-                        <p:par>
-                          <p:cTn id="4" fill="hold">
-                            <p:stCondLst>
-                              <p:cond delay="0"/>
-                            </p:stCondLst>
-                            <p:childTnLst>
-                              <p:par>
-                                <p:cTn id="5" presetID="1" presetClass="emph" presetSubtype="2" fill="hold" nodeType="clickEffect">
-                                  <p:stCondLst>
-                                    <p:cond delay="0"/>
-                                  </p:stCondLst>
-                                  <p:childTnLst>
-                                    <p:animClr clrSpc="rgb" dir="cw">
-                                      <p:cBhvr>
-                                        <p:cTn id="6" dur="100" fill="hold"/>
-                                        <p:tgtEl>
-                                          <p:spTgt spid="21"/>
-                                        </p:tgtEl>
-                                        <p:attrNameLst>
-                                          <p:attrName>fillcolor</p:attrName>
-                                        </p:attrNameLst>
-                                      </p:cBhvr>
-                                      <p:to>
-                                        <a:srgbClr val="1FF4FF"/>
-                                      </p:to>
-                                    </p:animClr>
-                                    <p:set>
-                                      <p:cBhvr>
-                                        <p:cTn id="7" dur="100" fill="hold"/>
-                                        <p:tgtEl>
-                                          <p:spTgt spid="21"/>
-                                        </p:tgtEl>
-                                        <p:attrNameLst>
-                                          <p:attrName>fill.type</p:attrName>
-                                        </p:attrNameLst>
-                                      </p:cBhvr>
-                                      <p:to>
-                                        <p:strVal val="solid"/>
-                                      </p:to>
-                                    </p:set>
-                                    <p:set>
-                                      <p:cBhvr>
-                                        <p:cTn id="8" dur="100" fill="hold"/>
-                                        <p:tgtEl>
-                                          <p:spTgt spid="21"/>
-                                        </p:tgtEl>
-                                        <p:attrNameLst>
-                                          <p:attrName>fill.on</p:attrName>
-                                        </p:attrNameLst>
-                                      </p:cBhvr>
-                                      <p:to>
-                                        <p:strVal val="true"/>
-                                      </p:to>
-                                    </p:set>
-                                  </p:childTnLst>
-                                </p:cTn>
-                              </p:par>
-                            </p:childTnLst>
-                          </p:cTn>
-                        </p:par>
-                        <p:par>
-                          <p:cTn id="9" fill="hold">
-                            <p:stCondLst>
-                              <p:cond delay="100"/>
-                            </p:stCondLst>
-                            <p:childTnLst>
-                              <p:par>
-                                <p:cTn id="10" presetID="2" presetClass="exit" presetSubtype="8" fill="hold" grpId="0" nodeType="afterEffect">
-                                  <p:stCondLst>
-                                    <p:cond delay="0"/>
-                                  </p:stCondLst>
-                                  <p:childTnLst>
-                                    <p:anim calcmode="lin" valueType="num">
-                                      <p:cBhvr additive="base">
-                                        <p:cTn id="11" dur="1800"/>
-                                        <p:tgtEl>
-                                          <p:spTgt spid="21"/>
-                                        </p:tgtEl>
-                                        <p:attrNameLst>
-                                          <p:attrName>ppt_x</p:attrName>
-                                        </p:attrNameLst>
-                                      </p:cBhvr>
-                                      <p:tavLst>
-                                        <p:tav tm="0">
-                                          <p:val>
-                                            <p:strVal val="ppt_x"/>
-                                          </p:val>
-                                        </p:tav>
-                                        <p:tav tm="100000">
-                                          <p:val>
-                                            <p:strVal val="0-ppt_w/2"/>
-                                          </p:val>
-                                        </p:tav>
-                                      </p:tavLst>
-                                    </p:anim>
-                                    <p:anim calcmode="lin" valueType="num">
-                                      <p:cBhvr additive="base">
-                                        <p:cTn id="12" dur="1800"/>
-                                        <p:tgtEl>
-                                          <p:spTgt spid="21"/>
-                                        </p:tgtEl>
-                                        <p:attrNameLst>
-                                          <p:attrName>ppt_y</p:attrName>
-                                        </p:attrNameLst>
-                                      </p:cBhvr>
-                                      <p:tavLst>
-                                        <p:tav tm="0">
-                                          <p:val>
-                                            <p:strVal val="ppt_y"/>
-                                          </p:val>
-                                        </p:tav>
-                                        <p:tav tm="100000">
-                                          <p:val>
-                                            <p:strVal val="ppt_y"/>
-                                          </p:val>
-                                        </p:tav>
-                                      </p:tavLst>
-                                    </p:anim>
-                                    <p:set>
-                                      <p:cBhvr>
-                                        <p:cTn id="13" dur="1" fill="hold">
-                                          <p:stCondLst>
-                                            <p:cond delay="1799"/>
-                                          </p:stCondLst>
-                                        </p:cTn>
-                                        <p:tgtEl>
-                                          <p:spTgt spid="21"/>
-                                        </p:tgtEl>
-                                        <p:attrNameLst>
-                                          <p:attrName>style.visibility</p:attrName>
-                                        </p:attrNameLst>
-                                      </p:cBhvr>
-                                      <p:to>
-                                        <p:strVal val="hidden"/>
-                                      </p:to>
-                                    </p:set>
-                                  </p:childTnLst>
-                                </p:cTn>
-                              </p:par>
-                              <p:par>
-                                <p:cTn id="14" presetID="2" presetClass="exit" presetSubtype="8" fill="hold" grpId="0" nodeType="withEffect">
-                                  <p:stCondLst>
-                                    <p:cond delay="0"/>
-                                  </p:stCondLst>
-                                  <p:childTnLst>
-                                    <p:anim calcmode="lin" valueType="num">
-                                      <p:cBhvr additive="base">
-                                        <p:cTn id="15" dur="1800"/>
-                                        <p:tgtEl>
-                                          <p:spTgt spid="19"/>
-                                        </p:tgtEl>
-                                        <p:attrNameLst>
-                                          <p:attrName>ppt_x</p:attrName>
-                                        </p:attrNameLst>
-                                      </p:cBhvr>
-                                      <p:tavLst>
-                                        <p:tav tm="0">
-                                          <p:val>
-                                            <p:strVal val="ppt_x"/>
-                                          </p:val>
-                                        </p:tav>
-                                        <p:tav tm="100000">
-                                          <p:val>
-                                            <p:strVal val="0-ppt_w/2"/>
-                                          </p:val>
-                                        </p:tav>
-                                      </p:tavLst>
-                                    </p:anim>
-                                    <p:anim calcmode="lin" valueType="num">
-                                      <p:cBhvr additive="base">
-                                        <p:cTn id="16" dur="1800"/>
-                                        <p:tgtEl>
-                                          <p:spTgt spid="19"/>
-                                        </p:tgtEl>
-                                        <p:attrNameLst>
-                                          <p:attrName>ppt_y</p:attrName>
-                                        </p:attrNameLst>
-                                      </p:cBhvr>
-                                      <p:tavLst>
-                                        <p:tav tm="0">
-                                          <p:val>
-                                            <p:strVal val="ppt_y"/>
-                                          </p:val>
-                                        </p:tav>
-                                        <p:tav tm="100000">
-                                          <p:val>
-                                            <p:strVal val="ppt_y"/>
-                                          </p:val>
-                                        </p:tav>
-                                      </p:tavLst>
-                                    </p:anim>
-                                    <p:set>
-                                      <p:cBhvr>
-                                        <p:cTn id="17" dur="1" fill="hold">
-                                          <p:stCondLst>
-                                            <p:cond delay="1799"/>
-                                          </p:stCondLst>
-                                        </p:cTn>
-                                        <p:tgtEl>
-                                          <p:spTgt spid="19"/>
-                                        </p:tgtEl>
-                                        <p:attrNameLst>
-                                          <p:attrName>style.visibility</p:attrName>
-                                        </p:attrNameLst>
-                                      </p:cBhvr>
-                                      <p:to>
-                                        <p:strVal val="hidden"/>
-                                      </p:to>
-                                    </p:set>
-                                  </p:childTnLst>
-                                </p:cTn>
-                              </p:par>
-                              <p:par>
-                                <p:cTn id="18" presetID="2" presetClass="exit" presetSubtype="8" fill="hold" grpId="0" nodeType="withEffect">
-                                  <p:stCondLst>
-                                    <p:cond delay="0"/>
-                                  </p:stCondLst>
-                                  <p:childTnLst>
-                                    <p:anim calcmode="lin" valueType="num">
-                                      <p:cBhvr additive="base">
-                                        <p:cTn id="19" dur="1500"/>
-                                        <p:tgtEl>
-                                          <p:spTgt spid="18"/>
-                                        </p:tgtEl>
-                                        <p:attrNameLst>
-                                          <p:attrName>ppt_x</p:attrName>
-                                        </p:attrNameLst>
-                                      </p:cBhvr>
-                                      <p:tavLst>
-                                        <p:tav tm="0">
-                                          <p:val>
-                                            <p:strVal val="ppt_x"/>
-                                          </p:val>
-                                        </p:tav>
-                                        <p:tav tm="100000">
-                                          <p:val>
-                                            <p:strVal val="0-ppt_w/2"/>
-                                          </p:val>
-                                        </p:tav>
-                                      </p:tavLst>
-                                    </p:anim>
-                                    <p:anim calcmode="lin" valueType="num">
-                                      <p:cBhvr additive="base">
-                                        <p:cTn id="20" dur="1500"/>
-                                        <p:tgtEl>
-                                          <p:spTgt spid="18"/>
-                                        </p:tgtEl>
-                                        <p:attrNameLst>
-                                          <p:attrName>ppt_y</p:attrName>
-                                        </p:attrNameLst>
-                                      </p:cBhvr>
-                                      <p:tavLst>
-                                        <p:tav tm="0">
-                                          <p:val>
-                                            <p:strVal val="ppt_y"/>
-                                          </p:val>
-                                        </p:tav>
-                                        <p:tav tm="100000">
-                                          <p:val>
-                                            <p:strVal val="ppt_y"/>
-                                          </p:val>
-                                        </p:tav>
-                                      </p:tavLst>
-                                    </p:anim>
-                                    <p:set>
-                                      <p:cBhvr>
-                                        <p:cTn id="21" dur="1" fill="hold">
-                                          <p:stCondLst>
-                                            <p:cond delay="1499"/>
-                                          </p:stCondLst>
-                                        </p:cTn>
-                                        <p:tgtEl>
-                                          <p:spTgt spid="18"/>
-                                        </p:tgtEl>
-                                        <p:attrNameLst>
-                                          <p:attrName>style.visibility</p:attrName>
-                                        </p:attrNameLst>
-                                      </p:cBhvr>
-                                      <p:to>
-                                        <p:strVal val="hidden"/>
-                                      </p:to>
-                                    </p:set>
-                                  </p:childTnLst>
-                                </p:cTn>
-                              </p:par>
-                            </p:childTnLst>
-                          </p:cTn>
-                        </p:par>
-                      </p:childTnLst>
-                    </p:cTn>
-                  </p:par>
-                  <p:par>
-                    <p:cTn id="22" fill="hold">
-                      <p:stCondLst>
-                        <p:cond delay="indefinite"/>
-                      </p:stCondLst>
-                      <p:childTnLst>
-                        <p:par>
-                          <p:cTn id="23" fill="hold">
-                            <p:stCondLst>
-                              <p:cond delay="0"/>
-                            </p:stCondLst>
-                            <p:childTnLst>
-                              <p:par>
-                                <p:cTn id="24" presetID="1" presetClass="emph" presetSubtype="2" fill="hold" nodeType="clickEffect">
-                                  <p:stCondLst>
-                                    <p:cond delay="0"/>
-                                  </p:stCondLst>
-                                  <p:childTnLst>
-                                    <p:animClr clrSpc="rgb" dir="cw">
-                                      <p:cBhvr>
-                                        <p:cTn id="25" dur="100" fill="hold"/>
-                                        <p:tgtEl>
-                                          <p:spTgt spid="35"/>
-                                        </p:tgtEl>
-                                        <p:attrNameLst>
-                                          <p:attrName>fillcolor</p:attrName>
-                                        </p:attrNameLst>
-                                      </p:cBhvr>
-                                      <p:to>
-                                        <a:srgbClr val="1FF4FF"/>
-                                      </p:to>
-                                    </p:animClr>
-                                    <p:set>
-                                      <p:cBhvr>
-                                        <p:cTn id="26" dur="100" fill="hold"/>
-                                        <p:tgtEl>
-                                          <p:spTgt spid="35"/>
-                                        </p:tgtEl>
-                                        <p:attrNameLst>
-                                          <p:attrName>fill.type</p:attrName>
-                                        </p:attrNameLst>
-                                      </p:cBhvr>
-                                      <p:to>
-                                        <p:strVal val="solid"/>
-                                      </p:to>
-                                    </p:set>
-                                    <p:set>
-                                      <p:cBhvr>
-                                        <p:cTn id="27" dur="100" fill="hold"/>
-                                        <p:tgtEl>
-                                          <p:spTgt spid="35"/>
-                                        </p:tgtEl>
-                                        <p:attrNameLst>
-                                          <p:attrName>fill.on</p:attrName>
-                                        </p:attrNameLst>
-                                      </p:cBhvr>
-                                      <p:to>
-                                        <p:strVal val="true"/>
-                                      </p:to>
-                                    </p:set>
-                                  </p:childTnLst>
-                                </p:cTn>
-                              </p:par>
-                            </p:childTnLst>
-                          </p:cTn>
-                        </p:par>
-                        <p:par>
-                          <p:cTn id="28" fill="hold">
-                            <p:stCondLst>
-                              <p:cond delay="100"/>
-                            </p:stCondLst>
-                            <p:childTnLst>
-                              <p:par>
-                                <p:cTn id="29" presetID="2" presetClass="exit" presetSubtype="8" fill="hold" grpId="0" nodeType="afterEffect">
-                                  <p:stCondLst>
-                                    <p:cond delay="0"/>
-                                  </p:stCondLst>
-                                  <p:childTnLst>
-                                    <p:anim calcmode="lin" valueType="num">
-                                      <p:cBhvr additive="base">
-                                        <p:cTn id="30" dur="1800"/>
-                                        <p:tgtEl>
-                                          <p:spTgt spid="35"/>
-                                        </p:tgtEl>
-                                        <p:attrNameLst>
-                                          <p:attrName>ppt_x</p:attrName>
-                                        </p:attrNameLst>
-                                      </p:cBhvr>
-                                      <p:tavLst>
-                                        <p:tav tm="0">
-                                          <p:val>
-                                            <p:strVal val="ppt_x"/>
-                                          </p:val>
-                                        </p:tav>
-                                        <p:tav tm="100000">
-                                          <p:val>
-                                            <p:strVal val="0-ppt_w/2"/>
-                                          </p:val>
-                                        </p:tav>
-                                      </p:tavLst>
-                                    </p:anim>
-                                    <p:anim calcmode="lin" valueType="num">
-                                      <p:cBhvr additive="base">
-                                        <p:cTn id="31" dur="1800"/>
-                                        <p:tgtEl>
-                                          <p:spTgt spid="35"/>
-                                        </p:tgtEl>
-                                        <p:attrNameLst>
-                                          <p:attrName>ppt_y</p:attrName>
-                                        </p:attrNameLst>
-                                      </p:cBhvr>
-                                      <p:tavLst>
-                                        <p:tav tm="0">
-                                          <p:val>
-                                            <p:strVal val="ppt_y"/>
-                                          </p:val>
-                                        </p:tav>
-                                        <p:tav tm="100000">
-                                          <p:val>
-                                            <p:strVal val="ppt_y"/>
-                                          </p:val>
-                                        </p:tav>
-                                      </p:tavLst>
-                                    </p:anim>
-                                    <p:set>
-                                      <p:cBhvr>
-                                        <p:cTn id="32" dur="1" fill="hold">
-                                          <p:stCondLst>
-                                            <p:cond delay="1799"/>
-                                          </p:stCondLst>
-                                        </p:cTn>
-                                        <p:tgtEl>
-                                          <p:spTgt spid="35"/>
-                                        </p:tgtEl>
-                                        <p:attrNameLst>
-                                          <p:attrName>style.visibility</p:attrName>
-                                        </p:attrNameLst>
-                                      </p:cBhvr>
-                                      <p:to>
-                                        <p:strVal val="hidden"/>
-                                      </p:to>
-                                    </p:set>
-                                  </p:childTnLst>
-                                </p:cTn>
-                              </p:par>
-                              <p:par>
-                                <p:cTn id="33" presetID="2" presetClass="exit" presetSubtype="8" fill="hold" grpId="0" nodeType="withEffect">
-                                  <p:stCondLst>
-                                    <p:cond delay="0"/>
-                                  </p:stCondLst>
-                                  <p:childTnLst>
-                                    <p:anim calcmode="lin" valueType="num">
-                                      <p:cBhvr additive="base">
-                                        <p:cTn id="34" dur="1800"/>
-                                        <p:tgtEl>
-                                          <p:spTgt spid="34"/>
-                                        </p:tgtEl>
-                                        <p:attrNameLst>
-                                          <p:attrName>ppt_x</p:attrName>
-                                        </p:attrNameLst>
-                                      </p:cBhvr>
-                                      <p:tavLst>
-                                        <p:tav tm="0">
-                                          <p:val>
-                                            <p:strVal val="ppt_x"/>
-                                          </p:val>
-                                        </p:tav>
-                                        <p:tav tm="100000">
-                                          <p:val>
-                                            <p:strVal val="0-ppt_w/2"/>
-                                          </p:val>
-                                        </p:tav>
-                                      </p:tavLst>
-                                    </p:anim>
-                                    <p:anim calcmode="lin" valueType="num">
-                                      <p:cBhvr additive="base">
-                                        <p:cTn id="35" dur="1800"/>
-                                        <p:tgtEl>
-                                          <p:spTgt spid="34"/>
-                                        </p:tgtEl>
-                                        <p:attrNameLst>
-                                          <p:attrName>ppt_y</p:attrName>
-                                        </p:attrNameLst>
-                                      </p:cBhvr>
-                                      <p:tavLst>
-                                        <p:tav tm="0">
-                                          <p:val>
-                                            <p:strVal val="ppt_y"/>
-                                          </p:val>
-                                        </p:tav>
-                                        <p:tav tm="100000">
-                                          <p:val>
-                                            <p:strVal val="ppt_y"/>
-                                          </p:val>
-                                        </p:tav>
-                                      </p:tavLst>
-                                    </p:anim>
-                                    <p:set>
-                                      <p:cBhvr>
-                                        <p:cTn id="36" dur="1" fill="hold">
-                                          <p:stCondLst>
-                                            <p:cond delay="1799"/>
-                                          </p:stCondLst>
-                                        </p:cTn>
-                                        <p:tgtEl>
-                                          <p:spTgt spid="34"/>
-                                        </p:tgtEl>
-                                        <p:attrNameLst>
-                                          <p:attrName>style.visibility</p:attrName>
-                                        </p:attrNameLst>
-                                      </p:cBhvr>
-                                      <p:to>
-                                        <p:strVal val="hidden"/>
-                                      </p:to>
-                                    </p:set>
-                                  </p:childTnLst>
-                                </p:cTn>
-                              </p:par>
-                              <p:par>
-                                <p:cTn id="37" presetID="2" presetClass="exit" presetSubtype="8" fill="hold" grpId="0" nodeType="withEffect">
-                                  <p:stCondLst>
-                                    <p:cond delay="0"/>
-                                  </p:stCondLst>
-                                  <p:childTnLst>
-                                    <p:anim calcmode="lin" valueType="num">
-                                      <p:cBhvr additive="base">
-                                        <p:cTn id="38" dur="1500"/>
-                                        <p:tgtEl>
-                                          <p:spTgt spid="33"/>
-                                        </p:tgtEl>
-                                        <p:attrNameLst>
-                                          <p:attrName>ppt_x</p:attrName>
-                                        </p:attrNameLst>
-                                      </p:cBhvr>
-                                      <p:tavLst>
-                                        <p:tav tm="0">
-                                          <p:val>
-                                            <p:strVal val="ppt_x"/>
-                                          </p:val>
-                                        </p:tav>
-                                        <p:tav tm="100000">
-                                          <p:val>
-                                            <p:strVal val="0-ppt_w/2"/>
-                                          </p:val>
-                                        </p:tav>
-                                      </p:tavLst>
-                                    </p:anim>
-                                    <p:anim calcmode="lin" valueType="num">
-                                      <p:cBhvr additive="base">
-                                        <p:cTn id="39" dur="1500"/>
-                                        <p:tgtEl>
-                                          <p:spTgt spid="33"/>
-                                        </p:tgtEl>
-                                        <p:attrNameLst>
-                                          <p:attrName>ppt_y</p:attrName>
-                                        </p:attrNameLst>
-                                      </p:cBhvr>
-                                      <p:tavLst>
-                                        <p:tav tm="0">
-                                          <p:val>
-                                            <p:strVal val="ppt_y"/>
-                                          </p:val>
-                                        </p:tav>
-                                        <p:tav tm="100000">
-                                          <p:val>
-                                            <p:strVal val="ppt_y"/>
-                                          </p:val>
-                                        </p:tav>
-                                      </p:tavLst>
-                                    </p:anim>
-                                    <p:set>
-                                      <p:cBhvr>
-                                        <p:cTn id="40" dur="1" fill="hold">
-                                          <p:stCondLst>
-                                            <p:cond delay="1499"/>
-                                          </p:stCondLst>
-                                        </p:cTn>
-                                        <p:tgtEl>
-                                          <p:spTgt spid="33"/>
-                                        </p:tgtEl>
-                                        <p:attrNameLst>
-                                          <p:attrName>style.visibility</p:attrName>
-                                        </p:attrNameLst>
-                                      </p:cBhvr>
-                                      <p:to>
-                                        <p:strVal val="hidden"/>
-                                      </p:to>
-                                    </p:set>
-                                  </p:childTnLst>
-                                </p:cTn>
-                              </p:par>
-                            </p:childTnLst>
-                          </p:cTn>
-                        </p:par>
-                      </p:childTnLst>
-                    </p:cTn>
-                  </p:par>
-                  <p:par>
-                    <p:cTn id="41" fill="hold">
-                      <p:stCondLst>
-                        <p:cond delay="indefinite"/>
-                      </p:stCondLst>
-                      <p:childTnLst>
-                        <p:par>
-                          <p:cTn id="42" fill="hold">
-                            <p:stCondLst>
-                              <p:cond delay="0"/>
-                            </p:stCondLst>
-                            <p:childTnLst>
-                              <p:par>
-                                <p:cTn id="43" presetID="42" presetClass="path" presetSubtype="0" accel="50000" decel="50000" fill="hold" nodeType="clickEffect">
-                                  <p:stCondLst>
-                                    <p:cond delay="0"/>
-                                  </p:stCondLst>
-                                  <p:childTnLst>
-                                    <p:animMotion origin="layout" path="M 4.375E-6 7.40741E-7 L 0.08125 0.09305 " pathEditMode="relative" rAng="0" ptsTypes="AA">
-                                      <p:cBhvr>
-                                        <p:cTn id="44" dur="2000" fill="hold"/>
-                                        <p:tgtEl>
-                                          <p:spTgt spid="59"/>
-                                        </p:tgtEl>
-                                        <p:attrNameLst>
-                                          <p:attrName>ppt_x</p:attrName>
-                                          <p:attrName>ppt_y</p:attrName>
-                                        </p:attrNameLst>
-                                      </p:cBhvr>
-                                      <p:rCtr x="4062" y="4653"/>
-                                    </p:animMotion>
-                                  </p:childTnLst>
-                                </p:cTn>
-                              </p:par>
-                              <p:par>
-                                <p:cTn id="45" presetID="2" presetClass="exit" presetSubtype="8" fill="hold" nodeType="withEffect">
-                                  <p:stCondLst>
-                                    <p:cond delay="0"/>
-                                  </p:stCondLst>
-                                  <p:childTnLst>
-                                    <p:anim calcmode="lin" valueType="num">
-                                      <p:cBhvr additive="base">
-                                        <p:cTn id="46" dur="1150"/>
-                                        <p:tgtEl>
-                                          <p:spTgt spid="58"/>
-                                        </p:tgtEl>
-                                        <p:attrNameLst>
-                                          <p:attrName>ppt_x</p:attrName>
-                                        </p:attrNameLst>
-                                      </p:cBhvr>
-                                      <p:tavLst>
-                                        <p:tav tm="0">
-                                          <p:val>
-                                            <p:strVal val="ppt_x"/>
-                                          </p:val>
-                                        </p:tav>
-                                        <p:tav tm="100000">
-                                          <p:val>
-                                            <p:strVal val="0-ppt_w/2"/>
-                                          </p:val>
-                                        </p:tav>
-                                      </p:tavLst>
-                                    </p:anim>
-                                    <p:anim calcmode="lin" valueType="num">
-                                      <p:cBhvr additive="base">
-                                        <p:cTn id="47" dur="1150"/>
-                                        <p:tgtEl>
-                                          <p:spTgt spid="58"/>
-                                        </p:tgtEl>
-                                        <p:attrNameLst>
-                                          <p:attrName>ppt_y</p:attrName>
-                                        </p:attrNameLst>
-                                      </p:cBhvr>
-                                      <p:tavLst>
-                                        <p:tav tm="0">
-                                          <p:val>
-                                            <p:strVal val="ppt_y"/>
-                                          </p:val>
-                                        </p:tav>
-                                        <p:tav tm="100000">
-                                          <p:val>
-                                            <p:strVal val="ppt_y"/>
-                                          </p:val>
-                                        </p:tav>
-                                      </p:tavLst>
-                                    </p:anim>
-                                    <p:set>
-                                      <p:cBhvr>
-                                        <p:cTn id="48" dur="1" fill="hold">
-                                          <p:stCondLst>
-                                            <p:cond delay="1149"/>
-                                          </p:stCondLst>
-                                        </p:cTn>
-                                        <p:tgtEl>
-                                          <p:spTgt spid="58"/>
-                                        </p:tgtEl>
-                                        <p:attrNameLst>
-                                          <p:attrName>style.visibility</p:attrName>
-                                        </p:attrNameLst>
-                                      </p:cBhvr>
-                                      <p:to>
-                                        <p:strVal val="hidden"/>
-                                      </p:to>
-                                    </p:set>
-                                  </p:childTnLst>
-                                </p:cTn>
-                              </p:par>
-                            </p:childTnLst>
-                          </p:cTn>
-                        </p:par>
-                      </p:childTnLst>
-                    </p:cTn>
-                  </p:par>
-                  <p:par>
-                    <p:cTn id="49" fill="hold">
-                      <p:stCondLst>
-                        <p:cond delay="indefinite"/>
-                      </p:stCondLst>
-                      <p:childTnLst>
-                        <p:par>
-                          <p:cTn id="50" fill="hold">
-                            <p:stCondLst>
-                              <p:cond delay="0"/>
-                            </p:stCondLst>
-                            <p:childTnLst>
-                              <p:par>
-                                <p:cTn id="51" presetID="42" presetClass="path" presetSubtype="0" accel="50000" decel="50000" fill="hold" nodeType="clickEffect">
-                                  <p:stCondLst>
-                                    <p:cond delay="0"/>
-                                  </p:stCondLst>
-                                  <p:childTnLst>
-                                    <p:animMotion origin="layout" path="M -2.08333E-7 7.40741E-7 L 0.08125 0.09305 " pathEditMode="relative" rAng="0" ptsTypes="AA">
-                                      <p:cBhvr>
-                                        <p:cTn id="52" dur="2000" fill="hold"/>
-                                        <p:tgtEl>
-                                          <p:spTgt spid="61"/>
-                                        </p:tgtEl>
-                                        <p:attrNameLst>
-                                          <p:attrName>ppt_x</p:attrName>
-                                          <p:attrName>ppt_y</p:attrName>
-                                        </p:attrNameLst>
-                                      </p:cBhvr>
-                                      <p:rCtr x="4062" y="4653"/>
-                                    </p:animMotion>
-                                  </p:childTnLst>
-                                </p:cTn>
-                              </p:par>
-                            </p:childTnLst>
-                          </p:cTn>
-                        </p:par>
-                      </p:childTnLst>
-                    </p:cTn>
-                  </p:par>
-                  <p:par>
-                    <p:cTn id="53" fill="hold">
-                      <p:stCondLst>
-                        <p:cond delay="indefinite"/>
-                      </p:stCondLst>
-                      <p:childTnLst>
-                        <p:par>
-                          <p:cTn id="54" fill="hold">
-                            <p:stCondLst>
-                              <p:cond delay="0"/>
-                            </p:stCondLst>
-                            <p:childTnLst>
-                              <p:par>
-                                <p:cTn id="55" presetID="42" presetClass="path" presetSubtype="0" accel="50000" decel="50000" fill="hold" nodeType="clickEffect">
-                                  <p:stCondLst>
-                                    <p:cond delay="0"/>
-                                  </p:stCondLst>
-                                  <p:childTnLst>
-                                    <p:animMotion origin="layout" path="M 2.70833E-6 1.11111E-6 L 0.08125 0.09305 " pathEditMode="relative" rAng="0" ptsTypes="AA">
-                                      <p:cBhvr>
-                                        <p:cTn id="56" dur="2000" fill="hold"/>
-                                        <p:tgtEl>
-                                          <p:spTgt spid="62"/>
-                                        </p:tgtEl>
-                                        <p:attrNameLst>
-                                          <p:attrName>ppt_x</p:attrName>
-                                          <p:attrName>ppt_y</p:attrName>
-                                        </p:attrNameLst>
-                                      </p:cBhvr>
-                                      <p:rCtr x="4062" y="4653"/>
-                                    </p:animMotion>
-                                  </p:childTnLst>
-                                </p:cTn>
-                              </p:par>
-                            </p:childTnLst>
-                          </p:cTn>
-                        </p:par>
-                      </p:childTnLst>
-                    </p:cTn>
-                  </p:par>
-                </p:childTnLst>
-              </p:cTn>
-              <p:prevCondLst>
-                <p:cond evt="onPrev" delay="0">
-                  <p:tgtEl>
-                    <p:sldTgt/>
-                  </p:tgtEl>
-                </p:cond>
-              </p:prevCondLst>
-              <p:nextCondLst>
-                <p:cond evt="onNext" delay="0">
-                  <p:tgtEl>
-                    <p:sldTgt/>
-                  </p:tgtEl>
-                </p:cond>
-              </p:nextCondLst>
-            </p:seq>
-          </p:childTnLst>
-        </p:cTn>
-      </p:par>
-    </p:tnLst>
-    <p:bldLst>
-      <p:bldP spid="18" grpId="0" animBg="1"/>
-      <p:bldP spid="19" grpId="0" animBg="1"/>
-      <p:bldP spid="21" grpId="0" animBg="1"/>
-      <p:bldP spid="33" grpId="0" animBg="1"/>
-      <p:bldP spid="34" grpId="0" animBg="1"/>
-      <p:bldP spid="35" grpId="0" animBg="1"/>
-    </p:bldLst>
-  </p:timing>
 </p:sld>
 </file>
 
-<file path=ppt/slides/slide6.xml><?xml version="1.0" encoding="utf-8"?>
+<file path=ppt/slides/slide7.xml><?xml version="1.0" encoding="utf-8"?>
 <p:sld xmlns:a="http://schemas.openxmlformats.org/drawingml/2006/main" xmlns:r="http://schemas.openxmlformats.org/officeDocument/2006/relationships" xmlns:p="http://schemas.openxmlformats.org/presentationml/2006/main">
   <p:cSld>
     <p:spTree>
@@ -12944,7 +11502,7 @@
         <p:spPr>
           <a:xfrm>
             <a:off x="3956207" y="92333"/>
-            <a:ext cx="6696857" cy="830997"/>
+            <a:ext cx="7209633" cy="830997"/>
           </a:xfrm>
           <a:prstGeom prst="rect">
             <a:avLst/>
@@ -12972,7 +11530,7 @@
                 <a:latin typeface="HG創英角ｺﾞｼｯｸUB" panose="020B0909000000000000" pitchFamily="49" charset="-128"/>
                 <a:ea typeface="HG創英角ｺﾞｼｯｸUB" panose="020B0909000000000000" pitchFamily="49" charset="-128"/>
               </a:rPr>
-              <a:t>を埋め込み流氷が</a:t>
+              <a:t>を埋め込み、流氷が</a:t>
             </a:r>
             <a:r>
               <a:rPr kumimoji="1" lang="ja-JP" altLang="en-US" sz="4800" dirty="0">
@@ -14075,8 +12633,8 @@
         </p:nvSpPr>
         <p:spPr>
           <a:xfrm>
-            <a:off x="9289348" y="1077881"/>
-            <a:ext cx="3469212" cy="1446550"/>
+            <a:off x="9289348" y="930772"/>
+            <a:ext cx="2676510" cy="1446550"/>
           </a:xfrm>
           <a:prstGeom prst="rect">
             <a:avLst/>
@@ -14155,496 +12713,10 @@
   <p:clrMapOvr>
     <a:masterClrMapping/>
   </p:clrMapOvr>
-  <p:timing>
-    <p:tnLst>
-      <p:par>
-        <p:cTn id="1" dur="indefinite" restart="never" nodeType="tmRoot">
-          <p:childTnLst>
-            <p:seq concurrent="1" nextAc="seek">
-              <p:cTn id="2" dur="indefinite" nodeType="mainSeq">
-                <p:childTnLst>
-                  <p:par>
-                    <p:cTn id="3" fill="hold">
-                      <p:stCondLst>
-                        <p:cond delay="indefinite"/>
-                      </p:stCondLst>
-                      <p:childTnLst>
-                        <p:par>
-                          <p:cTn id="4" fill="hold">
-                            <p:stCondLst>
-                              <p:cond delay="0"/>
-                            </p:stCondLst>
-                            <p:childTnLst>
-                              <p:par>
-                                <p:cTn id="5" presetID="1" presetClass="emph" presetSubtype="2" fill="hold" nodeType="clickEffect">
-                                  <p:stCondLst>
-                                    <p:cond delay="0"/>
-                                  </p:stCondLst>
-                                  <p:childTnLst>
-                                    <p:animClr clrSpc="rgb" dir="cw">
-                                      <p:cBhvr>
-                                        <p:cTn id="6" dur="100" fill="hold"/>
-                                        <p:tgtEl>
-                                          <p:spTgt spid="13"/>
-                                        </p:tgtEl>
-                                        <p:attrNameLst>
-                                          <p:attrName>fillcolor</p:attrName>
-                                        </p:attrNameLst>
-                                      </p:cBhvr>
-                                      <p:to>
-                                        <a:srgbClr val="1FF4FF"/>
-                                      </p:to>
-                                    </p:animClr>
-                                    <p:set>
-                                      <p:cBhvr>
-                                        <p:cTn id="7" dur="100" fill="hold"/>
-                                        <p:tgtEl>
-                                          <p:spTgt spid="13"/>
-                                        </p:tgtEl>
-                                        <p:attrNameLst>
-                                          <p:attrName>fill.type</p:attrName>
-                                        </p:attrNameLst>
-                                      </p:cBhvr>
-                                      <p:to>
-                                        <p:strVal val="solid"/>
-                                      </p:to>
-                                    </p:set>
-                                    <p:set>
-                                      <p:cBhvr>
-                                        <p:cTn id="8" dur="100" fill="hold"/>
-                                        <p:tgtEl>
-                                          <p:spTgt spid="13"/>
-                                        </p:tgtEl>
-                                        <p:attrNameLst>
-                                          <p:attrName>fill.on</p:attrName>
-                                        </p:attrNameLst>
-                                      </p:cBhvr>
-                                      <p:to>
-                                        <p:strVal val="true"/>
-                                      </p:to>
-                                    </p:set>
-                                  </p:childTnLst>
-                                </p:cTn>
-                              </p:par>
-                            </p:childTnLst>
-                          </p:cTn>
-                        </p:par>
-                        <p:par>
-                          <p:cTn id="9" fill="hold">
-                            <p:stCondLst>
-                              <p:cond delay="100"/>
-                            </p:stCondLst>
-                            <p:childTnLst>
-                              <p:par>
-                                <p:cTn id="10" presetID="2" presetClass="exit" presetSubtype="8" fill="hold" grpId="0" nodeType="afterEffect">
-                                  <p:stCondLst>
-                                    <p:cond delay="0"/>
-                                  </p:stCondLst>
-                                  <p:childTnLst>
-                                    <p:anim calcmode="lin" valueType="num">
-                                      <p:cBhvr additive="base">
-                                        <p:cTn id="11" dur="1800"/>
-                                        <p:tgtEl>
-                                          <p:spTgt spid="13"/>
-                                        </p:tgtEl>
-                                        <p:attrNameLst>
-                                          <p:attrName>ppt_x</p:attrName>
-                                        </p:attrNameLst>
-                                      </p:cBhvr>
-                                      <p:tavLst>
-                                        <p:tav tm="0">
-                                          <p:val>
-                                            <p:strVal val="ppt_x"/>
-                                          </p:val>
-                                        </p:tav>
-                                        <p:tav tm="100000">
-                                          <p:val>
-                                            <p:strVal val="0-ppt_w/2"/>
-                                          </p:val>
-                                        </p:tav>
-                                      </p:tavLst>
-                                    </p:anim>
-                                    <p:anim calcmode="lin" valueType="num">
-                                      <p:cBhvr additive="base">
-                                        <p:cTn id="12" dur="1800"/>
-                                        <p:tgtEl>
-                                          <p:spTgt spid="13"/>
-                                        </p:tgtEl>
-                                        <p:attrNameLst>
-                                          <p:attrName>ppt_y</p:attrName>
-                                        </p:attrNameLst>
-                                      </p:cBhvr>
-                                      <p:tavLst>
-                                        <p:tav tm="0">
-                                          <p:val>
-                                            <p:strVal val="ppt_y"/>
-                                          </p:val>
-                                        </p:tav>
-                                        <p:tav tm="100000">
-                                          <p:val>
-                                            <p:strVal val="ppt_y"/>
-                                          </p:val>
-                                        </p:tav>
-                                      </p:tavLst>
-                                    </p:anim>
-                                    <p:set>
-                                      <p:cBhvr>
-                                        <p:cTn id="13" dur="1" fill="hold">
-                                          <p:stCondLst>
-                                            <p:cond delay="1799"/>
-                                          </p:stCondLst>
-                                        </p:cTn>
-                                        <p:tgtEl>
-                                          <p:spTgt spid="13"/>
-                                        </p:tgtEl>
-                                        <p:attrNameLst>
-                                          <p:attrName>style.visibility</p:attrName>
-                                        </p:attrNameLst>
-                                      </p:cBhvr>
-                                      <p:to>
-                                        <p:strVal val="hidden"/>
-                                      </p:to>
-                                    </p:set>
-                                  </p:childTnLst>
-                                </p:cTn>
-                              </p:par>
-                              <p:par>
-                                <p:cTn id="14" presetID="2" presetClass="exit" presetSubtype="8" fill="hold" grpId="0" nodeType="withEffect">
-                                  <p:stCondLst>
-                                    <p:cond delay="0"/>
-                                  </p:stCondLst>
-                                  <p:childTnLst>
-                                    <p:anim calcmode="lin" valueType="num">
-                                      <p:cBhvr additive="base">
-                                        <p:cTn id="15" dur="1800"/>
-                                        <p:tgtEl>
-                                          <p:spTgt spid="11"/>
-                                        </p:tgtEl>
-                                        <p:attrNameLst>
-                                          <p:attrName>ppt_x</p:attrName>
-                                        </p:attrNameLst>
-                                      </p:cBhvr>
-                                      <p:tavLst>
-                                        <p:tav tm="0">
-                                          <p:val>
-                                            <p:strVal val="ppt_x"/>
-                                          </p:val>
-                                        </p:tav>
-                                        <p:tav tm="100000">
-                                          <p:val>
-                                            <p:strVal val="0-ppt_w/2"/>
-                                          </p:val>
-                                        </p:tav>
-                                      </p:tavLst>
-                                    </p:anim>
-                                    <p:anim calcmode="lin" valueType="num">
-                                      <p:cBhvr additive="base">
-                                        <p:cTn id="16" dur="1800"/>
-                                        <p:tgtEl>
-                                          <p:spTgt spid="11"/>
-                                        </p:tgtEl>
-                                        <p:attrNameLst>
-                                          <p:attrName>ppt_y</p:attrName>
-                                        </p:attrNameLst>
-                                      </p:cBhvr>
-                                      <p:tavLst>
-                                        <p:tav tm="0">
-                                          <p:val>
-                                            <p:strVal val="ppt_y"/>
-                                          </p:val>
-                                        </p:tav>
-                                        <p:tav tm="100000">
-                                          <p:val>
-                                            <p:strVal val="ppt_y"/>
-                                          </p:val>
-                                        </p:tav>
-                                      </p:tavLst>
-                                    </p:anim>
-                                    <p:set>
-                                      <p:cBhvr>
-                                        <p:cTn id="17" dur="1" fill="hold">
-                                          <p:stCondLst>
-                                            <p:cond delay="1799"/>
-                                          </p:stCondLst>
-                                        </p:cTn>
-                                        <p:tgtEl>
-                                          <p:spTgt spid="11"/>
-                                        </p:tgtEl>
-                                        <p:attrNameLst>
-                                          <p:attrName>style.visibility</p:attrName>
-                                        </p:attrNameLst>
-                                      </p:cBhvr>
-                                      <p:to>
-                                        <p:strVal val="hidden"/>
-                                      </p:to>
-                                    </p:set>
-                                  </p:childTnLst>
-                                </p:cTn>
-                              </p:par>
-                              <p:par>
-                                <p:cTn id="18" presetID="2" presetClass="exit" presetSubtype="8" fill="hold" grpId="0" nodeType="withEffect">
-                                  <p:stCondLst>
-                                    <p:cond delay="0"/>
-                                  </p:stCondLst>
-                                  <p:childTnLst>
-                                    <p:anim calcmode="lin" valueType="num">
-                                      <p:cBhvr additive="base">
-                                        <p:cTn id="19" dur="1500"/>
-                                        <p:tgtEl>
-                                          <p:spTgt spid="9"/>
-                                        </p:tgtEl>
-                                        <p:attrNameLst>
-                                          <p:attrName>ppt_x</p:attrName>
-                                        </p:attrNameLst>
-                                      </p:cBhvr>
-                                      <p:tavLst>
-                                        <p:tav tm="0">
-                                          <p:val>
-                                            <p:strVal val="ppt_x"/>
-                                          </p:val>
-                                        </p:tav>
-                                        <p:tav tm="100000">
-                                          <p:val>
-                                            <p:strVal val="0-ppt_w/2"/>
-                                          </p:val>
-                                        </p:tav>
-                                      </p:tavLst>
-                                    </p:anim>
-                                    <p:anim calcmode="lin" valueType="num">
-                                      <p:cBhvr additive="base">
-                                        <p:cTn id="20" dur="1500"/>
-                                        <p:tgtEl>
-                                          <p:spTgt spid="9"/>
-                                        </p:tgtEl>
-                                        <p:attrNameLst>
-                                          <p:attrName>ppt_y</p:attrName>
-                                        </p:attrNameLst>
-                                      </p:cBhvr>
-                                      <p:tavLst>
-                                        <p:tav tm="0">
-                                          <p:val>
-                                            <p:strVal val="ppt_y"/>
-                                          </p:val>
-                                        </p:tav>
-                                        <p:tav tm="100000">
-                                          <p:val>
-                                            <p:strVal val="ppt_y"/>
-                                          </p:val>
-                                        </p:tav>
-                                      </p:tavLst>
-                                    </p:anim>
-                                    <p:set>
-                                      <p:cBhvr>
-                                        <p:cTn id="21" dur="1" fill="hold">
-                                          <p:stCondLst>
-                                            <p:cond delay="1499"/>
-                                          </p:stCondLst>
-                                        </p:cTn>
-                                        <p:tgtEl>
-                                          <p:spTgt spid="9"/>
-                                        </p:tgtEl>
-                                        <p:attrNameLst>
-                                          <p:attrName>style.visibility</p:attrName>
-                                        </p:attrNameLst>
-                                      </p:cBhvr>
-                                      <p:to>
-                                        <p:strVal val="hidden"/>
-                                      </p:to>
-                                    </p:set>
-                                  </p:childTnLst>
-                                </p:cTn>
-                              </p:par>
-                              <p:par>
-                                <p:cTn id="22" presetID="2" presetClass="exit" presetSubtype="8" fill="hold" grpId="0" nodeType="withEffect">
-                                  <p:stCondLst>
-                                    <p:cond delay="0"/>
-                                  </p:stCondLst>
-                                  <p:childTnLst>
-                                    <p:anim calcmode="lin" valueType="num">
-                                      <p:cBhvr additive="base">
-                                        <p:cTn id="23" dur="1500"/>
-                                        <p:tgtEl>
-                                          <p:spTgt spid="14"/>
-                                        </p:tgtEl>
-                                        <p:attrNameLst>
-                                          <p:attrName>ppt_x</p:attrName>
-                                        </p:attrNameLst>
-                                      </p:cBhvr>
-                                      <p:tavLst>
-                                        <p:tav tm="0">
-                                          <p:val>
-                                            <p:strVal val="ppt_x"/>
-                                          </p:val>
-                                        </p:tav>
-                                        <p:tav tm="100000">
-                                          <p:val>
-                                            <p:strVal val="0-ppt_w/2"/>
-                                          </p:val>
-                                        </p:tav>
-                                      </p:tavLst>
-                                    </p:anim>
-                                    <p:anim calcmode="lin" valueType="num">
-                                      <p:cBhvr additive="base">
-                                        <p:cTn id="24" dur="1500"/>
-                                        <p:tgtEl>
-                                          <p:spTgt spid="14"/>
-                                        </p:tgtEl>
-                                        <p:attrNameLst>
-                                          <p:attrName>ppt_y</p:attrName>
-                                        </p:attrNameLst>
-                                      </p:cBhvr>
-                                      <p:tavLst>
-                                        <p:tav tm="0">
-                                          <p:val>
-                                            <p:strVal val="ppt_y"/>
-                                          </p:val>
-                                        </p:tav>
-                                        <p:tav tm="100000">
-                                          <p:val>
-                                            <p:strVal val="ppt_y"/>
-                                          </p:val>
-                                        </p:tav>
-                                      </p:tavLst>
-                                    </p:anim>
-                                    <p:set>
-                                      <p:cBhvr>
-                                        <p:cTn id="25" dur="1" fill="hold">
-                                          <p:stCondLst>
-                                            <p:cond delay="1499"/>
-                                          </p:stCondLst>
-                                        </p:cTn>
-                                        <p:tgtEl>
-                                          <p:spTgt spid="14"/>
-                                        </p:tgtEl>
-                                        <p:attrNameLst>
-                                          <p:attrName>style.visibility</p:attrName>
-                                        </p:attrNameLst>
-                                      </p:cBhvr>
-                                      <p:to>
-                                        <p:strVal val="hidden"/>
-                                      </p:to>
-                                    </p:set>
-                                  </p:childTnLst>
-                                </p:cTn>
-                              </p:par>
-                            </p:childTnLst>
-                          </p:cTn>
-                        </p:par>
-                      </p:childTnLst>
-                    </p:cTn>
-                  </p:par>
-                  <p:par>
-                    <p:cTn id="26" fill="hold">
-                      <p:stCondLst>
-                        <p:cond delay="indefinite"/>
-                      </p:stCondLst>
-                      <p:childTnLst>
-                        <p:par>
-                          <p:cTn id="27" fill="hold">
-                            <p:stCondLst>
-                              <p:cond delay="0"/>
-                            </p:stCondLst>
-                            <p:childTnLst>
-                              <p:par>
-                                <p:cTn id="28" presetID="42" presetClass="path" presetSubtype="0" accel="50000" decel="50000" fill="hold" nodeType="clickEffect">
-                                  <p:stCondLst>
-                                    <p:cond delay="0"/>
-                                  </p:stCondLst>
-                                  <p:childTnLst>
-                                    <p:animMotion origin="layout" path="M 2.08333E-7 2.59259E-6 L 0.08125 0.09305 " pathEditMode="relative" rAng="0" ptsTypes="AA">
-                                      <p:cBhvr>
-                                        <p:cTn id="29" dur="2000" fill="hold"/>
-                                        <p:tgtEl>
-                                          <p:spTgt spid="32"/>
-                                        </p:tgtEl>
-                                        <p:attrNameLst>
-                                          <p:attrName>ppt_x</p:attrName>
-                                          <p:attrName>ppt_y</p:attrName>
-                                        </p:attrNameLst>
-                                      </p:cBhvr>
-                                      <p:rCtr x="4062" y="4653"/>
-                                    </p:animMotion>
-                                  </p:childTnLst>
-                                </p:cTn>
-                              </p:par>
-                            </p:childTnLst>
-                          </p:cTn>
-                        </p:par>
-                      </p:childTnLst>
-                    </p:cTn>
-                  </p:par>
-                  <p:par>
-                    <p:cTn id="30" fill="hold">
-                      <p:stCondLst>
-                        <p:cond delay="indefinite"/>
-                      </p:stCondLst>
-                      <p:childTnLst>
-                        <p:par>
-                          <p:cTn id="31" fill="hold">
-                            <p:stCondLst>
-                              <p:cond delay="0"/>
-                            </p:stCondLst>
-                            <p:childTnLst>
-                              <p:par>
-                                <p:cTn id="32" presetID="42" presetClass="path" presetSubtype="0" accel="50000" decel="50000" fill="hold" nodeType="clickEffect">
-                                  <p:stCondLst>
-                                    <p:cond delay="0"/>
-                                  </p:stCondLst>
-                                  <p:childTnLst>
-                                    <p:animMotion origin="layout" path="M -1.66667E-6 -7.40741E-7 L 0.08125 0.09306 " pathEditMode="relative" rAng="0" ptsTypes="AA">
-                                      <p:cBhvr>
-                                        <p:cTn id="33" dur="2000" fill="hold"/>
-                                        <p:tgtEl>
-                                          <p:spTgt spid="56"/>
-                                        </p:tgtEl>
-                                        <p:attrNameLst>
-                                          <p:attrName>ppt_x</p:attrName>
-                                          <p:attrName>ppt_y</p:attrName>
-                                        </p:attrNameLst>
-                                      </p:cBhvr>
-                                      <p:rCtr x="4062" y="4653"/>
-                                    </p:animMotion>
-                                  </p:childTnLst>
-                                </p:cTn>
-                              </p:par>
-                            </p:childTnLst>
-                          </p:cTn>
-                        </p:par>
-                      </p:childTnLst>
-                    </p:cTn>
-                  </p:par>
-                </p:childTnLst>
-              </p:cTn>
-              <p:prevCondLst>
-                <p:cond evt="onPrev" delay="0">
-                  <p:tgtEl>
-                    <p:sldTgt/>
-                  </p:tgtEl>
-                </p:cond>
-              </p:prevCondLst>
-              <p:nextCondLst>
-                <p:cond evt="onNext" delay="0">
-                  <p:tgtEl>
-                    <p:sldTgt/>
-                  </p:tgtEl>
-                </p:cond>
-              </p:nextCondLst>
-            </p:seq>
-          </p:childTnLst>
-        </p:cTn>
-      </p:par>
-    </p:tnLst>
-    <p:bldLst>
-      <p:bldP spid="9" grpId="0" animBg="1"/>
-      <p:bldP spid="11" grpId="0" animBg="1"/>
-      <p:bldP spid="13" grpId="0" animBg="1"/>
-      <p:bldP spid="14" grpId="0" animBg="1"/>
-    </p:bldLst>
-  </p:timing>
 </p:sld>
 </file>
 
-<file path=ppt/slides/slide7.xml><?xml version="1.0" encoding="utf-8"?>
+<file path=ppt/slides/slide8.xml><?xml version="1.0" encoding="utf-8"?>
 <p:sld xmlns:a="http://schemas.openxmlformats.org/drawingml/2006/main" xmlns:r="http://schemas.openxmlformats.org/officeDocument/2006/relationships" xmlns:p="http://schemas.openxmlformats.org/presentationml/2006/main">
   <p:cSld>
     <p:spTree>
@@ -16791,1579 +14863,10 @@
   <p:clrMapOvr>
     <a:masterClrMapping/>
   </p:clrMapOvr>
-  <p:timing>
-    <p:tnLst>
-      <p:par>
-        <p:cTn id="1" dur="indefinite" restart="never" nodeType="tmRoot">
-          <p:childTnLst>
-            <p:seq concurrent="1" nextAc="seek">
-              <p:cTn id="2" dur="indefinite" nodeType="mainSeq">
-                <p:childTnLst>
-                  <p:par>
-                    <p:cTn id="3" fill="hold">
-                      <p:stCondLst>
-                        <p:cond delay="indefinite"/>
-                        <p:cond evt="onBegin" delay="0">
-                          <p:tn val="2"/>
-                        </p:cond>
-                      </p:stCondLst>
-                      <p:childTnLst>
-                        <p:par>
-                          <p:cTn id="4" fill="hold">
-                            <p:stCondLst>
-                              <p:cond delay="0"/>
-                            </p:stCondLst>
-                            <p:childTnLst>
-                              <p:par>
-                                <p:cTn id="5" presetID="2" presetClass="exit" presetSubtype="8" fill="hold" grpId="0" nodeType="withEffect">
-                                  <p:stCondLst>
-                                    <p:cond delay="0"/>
-                                  </p:stCondLst>
-                                  <p:childTnLst>
-                                    <p:anim calcmode="lin" valueType="num">
-                                      <p:cBhvr additive="base">
-                                        <p:cTn id="6" dur="1500"/>
-                                        <p:tgtEl>
-                                          <p:spTgt spid="19"/>
-                                        </p:tgtEl>
-                                        <p:attrNameLst>
-                                          <p:attrName>ppt_x</p:attrName>
-                                        </p:attrNameLst>
-                                      </p:cBhvr>
-                                      <p:tavLst>
-                                        <p:tav tm="0">
-                                          <p:val>
-                                            <p:strVal val="ppt_x"/>
-                                          </p:val>
-                                        </p:tav>
-                                        <p:tav tm="100000">
-                                          <p:val>
-                                            <p:strVal val="0-ppt_w/2"/>
-                                          </p:val>
-                                        </p:tav>
-                                      </p:tavLst>
-                                    </p:anim>
-                                    <p:anim calcmode="lin" valueType="num">
-                                      <p:cBhvr additive="base">
-                                        <p:cTn id="7" dur="1500"/>
-                                        <p:tgtEl>
-                                          <p:spTgt spid="19"/>
-                                        </p:tgtEl>
-                                        <p:attrNameLst>
-                                          <p:attrName>ppt_y</p:attrName>
-                                        </p:attrNameLst>
-                                      </p:cBhvr>
-                                      <p:tavLst>
-                                        <p:tav tm="0">
-                                          <p:val>
-                                            <p:strVal val="ppt_y"/>
-                                          </p:val>
-                                        </p:tav>
-                                        <p:tav tm="100000">
-                                          <p:val>
-                                            <p:strVal val="ppt_y"/>
-                                          </p:val>
-                                        </p:tav>
-                                      </p:tavLst>
-                                    </p:anim>
-                                    <p:set>
-                                      <p:cBhvr>
-                                        <p:cTn id="8" dur="1" fill="hold">
-                                          <p:stCondLst>
-                                            <p:cond delay="1499"/>
-                                          </p:stCondLst>
-                                        </p:cTn>
-                                        <p:tgtEl>
-                                          <p:spTgt spid="19"/>
-                                        </p:tgtEl>
-                                        <p:attrNameLst>
-                                          <p:attrName>style.visibility</p:attrName>
-                                        </p:attrNameLst>
-                                      </p:cBhvr>
-                                      <p:to>
-                                        <p:strVal val="hidden"/>
-                                      </p:to>
-                                    </p:set>
-                                  </p:childTnLst>
-                                </p:cTn>
-                              </p:par>
-                              <p:par>
-                                <p:cTn id="9" presetID="2" presetClass="exit" presetSubtype="8" fill="hold" grpId="0" nodeType="withEffect">
-                                  <p:stCondLst>
-                                    <p:cond delay="0"/>
-                                  </p:stCondLst>
-                                  <p:childTnLst>
-                                    <p:anim calcmode="lin" valueType="num">
-                                      <p:cBhvr additive="base">
-                                        <p:cTn id="10" dur="1500"/>
-                                        <p:tgtEl>
-                                          <p:spTgt spid="24"/>
-                                        </p:tgtEl>
-                                        <p:attrNameLst>
-                                          <p:attrName>ppt_x</p:attrName>
-                                        </p:attrNameLst>
-                                      </p:cBhvr>
-                                      <p:tavLst>
-                                        <p:tav tm="0">
-                                          <p:val>
-                                            <p:strVal val="ppt_x"/>
-                                          </p:val>
-                                        </p:tav>
-                                        <p:tav tm="100000">
-                                          <p:val>
-                                            <p:strVal val="0-ppt_w/2"/>
-                                          </p:val>
-                                        </p:tav>
-                                      </p:tavLst>
-                                    </p:anim>
-                                    <p:anim calcmode="lin" valueType="num">
-                                      <p:cBhvr additive="base">
-                                        <p:cTn id="11" dur="1500"/>
-                                        <p:tgtEl>
-                                          <p:spTgt spid="24"/>
-                                        </p:tgtEl>
-                                        <p:attrNameLst>
-                                          <p:attrName>ppt_y</p:attrName>
-                                        </p:attrNameLst>
-                                      </p:cBhvr>
-                                      <p:tavLst>
-                                        <p:tav tm="0">
-                                          <p:val>
-                                            <p:strVal val="ppt_y"/>
-                                          </p:val>
-                                        </p:tav>
-                                        <p:tav tm="100000">
-                                          <p:val>
-                                            <p:strVal val="ppt_y"/>
-                                          </p:val>
-                                        </p:tav>
-                                      </p:tavLst>
-                                    </p:anim>
-                                    <p:set>
-                                      <p:cBhvr>
-                                        <p:cTn id="12" dur="1" fill="hold">
-                                          <p:stCondLst>
-                                            <p:cond delay="1499"/>
-                                          </p:stCondLst>
-                                        </p:cTn>
-                                        <p:tgtEl>
-                                          <p:spTgt spid="24"/>
-                                        </p:tgtEl>
-                                        <p:attrNameLst>
-                                          <p:attrName>style.visibility</p:attrName>
-                                        </p:attrNameLst>
-                                      </p:cBhvr>
-                                      <p:to>
-                                        <p:strVal val="hidden"/>
-                                      </p:to>
-                                    </p:set>
-                                  </p:childTnLst>
-                                </p:cTn>
-                              </p:par>
-                              <p:par>
-                                <p:cTn id="13" presetID="2" presetClass="exit" presetSubtype="8" fill="hold" grpId="0" nodeType="withEffect">
-                                  <p:stCondLst>
-                                    <p:cond delay="0"/>
-                                  </p:stCondLst>
-                                  <p:childTnLst>
-                                    <p:anim calcmode="lin" valueType="num">
-                                      <p:cBhvr additive="base">
-                                        <p:cTn id="14" dur="1500"/>
-                                        <p:tgtEl>
-                                          <p:spTgt spid="31"/>
-                                        </p:tgtEl>
-                                        <p:attrNameLst>
-                                          <p:attrName>ppt_x</p:attrName>
-                                        </p:attrNameLst>
-                                      </p:cBhvr>
-                                      <p:tavLst>
-                                        <p:tav tm="0">
-                                          <p:val>
-                                            <p:strVal val="ppt_x"/>
-                                          </p:val>
-                                        </p:tav>
-                                        <p:tav tm="100000">
-                                          <p:val>
-                                            <p:strVal val="0-ppt_w/2"/>
-                                          </p:val>
-                                        </p:tav>
-                                      </p:tavLst>
-                                    </p:anim>
-                                    <p:anim calcmode="lin" valueType="num">
-                                      <p:cBhvr additive="base">
-                                        <p:cTn id="15" dur="1500"/>
-                                        <p:tgtEl>
-                                          <p:spTgt spid="31"/>
-                                        </p:tgtEl>
-                                        <p:attrNameLst>
-                                          <p:attrName>ppt_y</p:attrName>
-                                        </p:attrNameLst>
-                                      </p:cBhvr>
-                                      <p:tavLst>
-                                        <p:tav tm="0">
-                                          <p:val>
-                                            <p:strVal val="ppt_y"/>
-                                          </p:val>
-                                        </p:tav>
-                                        <p:tav tm="100000">
-                                          <p:val>
-                                            <p:strVal val="ppt_y"/>
-                                          </p:val>
-                                        </p:tav>
-                                      </p:tavLst>
-                                    </p:anim>
-                                    <p:set>
-                                      <p:cBhvr>
-                                        <p:cTn id="16" dur="1" fill="hold">
-                                          <p:stCondLst>
-                                            <p:cond delay="1499"/>
-                                          </p:stCondLst>
-                                        </p:cTn>
-                                        <p:tgtEl>
-                                          <p:spTgt spid="31"/>
-                                        </p:tgtEl>
-                                        <p:attrNameLst>
-                                          <p:attrName>style.visibility</p:attrName>
-                                        </p:attrNameLst>
-                                      </p:cBhvr>
-                                      <p:to>
-                                        <p:strVal val="hidden"/>
-                                      </p:to>
-                                    </p:set>
-                                  </p:childTnLst>
-                                </p:cTn>
-                              </p:par>
-                              <p:par>
-                                <p:cTn id="17" presetID="2" presetClass="exit" presetSubtype="8" fill="hold" grpId="0" nodeType="withEffect">
-                                  <p:stCondLst>
-                                    <p:cond delay="0"/>
-                                  </p:stCondLst>
-                                  <p:childTnLst>
-                                    <p:anim calcmode="lin" valueType="num">
-                                      <p:cBhvr additive="base">
-                                        <p:cTn id="18" dur="1500"/>
-                                        <p:tgtEl>
-                                          <p:spTgt spid="32"/>
-                                        </p:tgtEl>
-                                        <p:attrNameLst>
-                                          <p:attrName>ppt_x</p:attrName>
-                                        </p:attrNameLst>
-                                      </p:cBhvr>
-                                      <p:tavLst>
-                                        <p:tav tm="0">
-                                          <p:val>
-                                            <p:strVal val="ppt_x"/>
-                                          </p:val>
-                                        </p:tav>
-                                        <p:tav tm="100000">
-                                          <p:val>
-                                            <p:strVal val="0-ppt_w/2"/>
-                                          </p:val>
-                                        </p:tav>
-                                      </p:tavLst>
-                                    </p:anim>
-                                    <p:anim calcmode="lin" valueType="num">
-                                      <p:cBhvr additive="base">
-                                        <p:cTn id="19" dur="1500"/>
-                                        <p:tgtEl>
-                                          <p:spTgt spid="32"/>
-                                        </p:tgtEl>
-                                        <p:attrNameLst>
-                                          <p:attrName>ppt_y</p:attrName>
-                                        </p:attrNameLst>
-                                      </p:cBhvr>
-                                      <p:tavLst>
-                                        <p:tav tm="0">
-                                          <p:val>
-                                            <p:strVal val="ppt_y"/>
-                                          </p:val>
-                                        </p:tav>
-                                        <p:tav tm="100000">
-                                          <p:val>
-                                            <p:strVal val="ppt_y"/>
-                                          </p:val>
-                                        </p:tav>
-                                      </p:tavLst>
-                                    </p:anim>
-                                    <p:set>
-                                      <p:cBhvr>
-                                        <p:cTn id="20" dur="1" fill="hold">
-                                          <p:stCondLst>
-                                            <p:cond delay="1499"/>
-                                          </p:stCondLst>
-                                        </p:cTn>
-                                        <p:tgtEl>
-                                          <p:spTgt spid="32"/>
-                                        </p:tgtEl>
-                                        <p:attrNameLst>
-                                          <p:attrName>style.visibility</p:attrName>
-                                        </p:attrNameLst>
-                                      </p:cBhvr>
-                                      <p:to>
-                                        <p:strVal val="hidden"/>
-                                      </p:to>
-                                    </p:set>
-                                  </p:childTnLst>
-                                </p:cTn>
-                              </p:par>
-                              <p:par>
-                                <p:cTn id="21" presetID="2" presetClass="exit" presetSubtype="8" fill="hold" grpId="0" nodeType="withEffect">
-                                  <p:stCondLst>
-                                    <p:cond delay="0"/>
-                                  </p:stCondLst>
-                                  <p:childTnLst>
-                                    <p:anim calcmode="lin" valueType="num">
-                                      <p:cBhvr additive="base">
-                                        <p:cTn id="22" dur="1500"/>
-                                        <p:tgtEl>
-                                          <p:spTgt spid="33"/>
-                                        </p:tgtEl>
-                                        <p:attrNameLst>
-                                          <p:attrName>ppt_x</p:attrName>
-                                        </p:attrNameLst>
-                                      </p:cBhvr>
-                                      <p:tavLst>
-                                        <p:tav tm="0">
-                                          <p:val>
-                                            <p:strVal val="ppt_x"/>
-                                          </p:val>
-                                        </p:tav>
-                                        <p:tav tm="100000">
-                                          <p:val>
-                                            <p:strVal val="0-ppt_w/2"/>
-                                          </p:val>
-                                        </p:tav>
-                                      </p:tavLst>
-                                    </p:anim>
-                                    <p:anim calcmode="lin" valueType="num">
-                                      <p:cBhvr additive="base">
-                                        <p:cTn id="23" dur="1500"/>
-                                        <p:tgtEl>
-                                          <p:spTgt spid="33"/>
-                                        </p:tgtEl>
-                                        <p:attrNameLst>
-                                          <p:attrName>ppt_y</p:attrName>
-                                        </p:attrNameLst>
-                                      </p:cBhvr>
-                                      <p:tavLst>
-                                        <p:tav tm="0">
-                                          <p:val>
-                                            <p:strVal val="ppt_y"/>
-                                          </p:val>
-                                        </p:tav>
-                                        <p:tav tm="100000">
-                                          <p:val>
-                                            <p:strVal val="ppt_y"/>
-                                          </p:val>
-                                        </p:tav>
-                                      </p:tavLst>
-                                    </p:anim>
-                                    <p:set>
-                                      <p:cBhvr>
-                                        <p:cTn id="24" dur="1" fill="hold">
-                                          <p:stCondLst>
-                                            <p:cond delay="1499"/>
-                                          </p:stCondLst>
-                                        </p:cTn>
-                                        <p:tgtEl>
-                                          <p:spTgt spid="33"/>
-                                        </p:tgtEl>
-                                        <p:attrNameLst>
-                                          <p:attrName>style.visibility</p:attrName>
-                                        </p:attrNameLst>
-                                      </p:cBhvr>
-                                      <p:to>
-                                        <p:strVal val="hidden"/>
-                                      </p:to>
-                                    </p:set>
-                                  </p:childTnLst>
-                                </p:cTn>
-                              </p:par>
-                              <p:par>
-                                <p:cTn id="25" presetID="2" presetClass="exit" presetSubtype="8" fill="hold" grpId="0" nodeType="withEffect">
-                                  <p:stCondLst>
-                                    <p:cond delay="0"/>
-                                  </p:stCondLst>
-                                  <p:childTnLst>
-                                    <p:anim calcmode="lin" valueType="num">
-                                      <p:cBhvr additive="base">
-                                        <p:cTn id="26" dur="1500"/>
-                                        <p:tgtEl>
-                                          <p:spTgt spid="34"/>
-                                        </p:tgtEl>
-                                        <p:attrNameLst>
-                                          <p:attrName>ppt_x</p:attrName>
-                                        </p:attrNameLst>
-                                      </p:cBhvr>
-                                      <p:tavLst>
-                                        <p:tav tm="0">
-                                          <p:val>
-                                            <p:strVal val="ppt_x"/>
-                                          </p:val>
-                                        </p:tav>
-                                        <p:tav tm="100000">
-                                          <p:val>
-                                            <p:strVal val="0-ppt_w/2"/>
-                                          </p:val>
-                                        </p:tav>
-                                      </p:tavLst>
-                                    </p:anim>
-                                    <p:anim calcmode="lin" valueType="num">
-                                      <p:cBhvr additive="base">
-                                        <p:cTn id="27" dur="1500"/>
-                                        <p:tgtEl>
-                                          <p:spTgt spid="34"/>
-                                        </p:tgtEl>
-                                        <p:attrNameLst>
-                                          <p:attrName>ppt_y</p:attrName>
-                                        </p:attrNameLst>
-                                      </p:cBhvr>
-                                      <p:tavLst>
-                                        <p:tav tm="0">
-                                          <p:val>
-                                            <p:strVal val="ppt_y"/>
-                                          </p:val>
-                                        </p:tav>
-                                        <p:tav tm="100000">
-                                          <p:val>
-                                            <p:strVal val="ppt_y"/>
-                                          </p:val>
-                                        </p:tav>
-                                      </p:tavLst>
-                                    </p:anim>
-                                    <p:set>
-                                      <p:cBhvr>
-                                        <p:cTn id="28" dur="1" fill="hold">
-                                          <p:stCondLst>
-                                            <p:cond delay="1499"/>
-                                          </p:stCondLst>
-                                        </p:cTn>
-                                        <p:tgtEl>
-                                          <p:spTgt spid="34"/>
-                                        </p:tgtEl>
-                                        <p:attrNameLst>
-                                          <p:attrName>style.visibility</p:attrName>
-                                        </p:attrNameLst>
-                                      </p:cBhvr>
-                                      <p:to>
-                                        <p:strVal val="hidden"/>
-                                      </p:to>
-                                    </p:set>
-                                  </p:childTnLst>
-                                </p:cTn>
-                              </p:par>
-                              <p:par>
-                                <p:cTn id="29" presetID="2" presetClass="exit" presetSubtype="8" fill="hold" grpId="0" nodeType="withEffect">
-                                  <p:stCondLst>
-                                    <p:cond delay="0"/>
-                                  </p:stCondLst>
-                                  <p:childTnLst>
-                                    <p:anim calcmode="lin" valueType="num">
-                                      <p:cBhvr additive="base">
-                                        <p:cTn id="30" dur="1500"/>
-                                        <p:tgtEl>
-                                          <p:spTgt spid="35"/>
-                                        </p:tgtEl>
-                                        <p:attrNameLst>
-                                          <p:attrName>ppt_x</p:attrName>
-                                        </p:attrNameLst>
-                                      </p:cBhvr>
-                                      <p:tavLst>
-                                        <p:tav tm="0">
-                                          <p:val>
-                                            <p:strVal val="ppt_x"/>
-                                          </p:val>
-                                        </p:tav>
-                                        <p:tav tm="100000">
-                                          <p:val>
-                                            <p:strVal val="0-ppt_w/2"/>
-                                          </p:val>
-                                        </p:tav>
-                                      </p:tavLst>
-                                    </p:anim>
-                                    <p:anim calcmode="lin" valueType="num">
-                                      <p:cBhvr additive="base">
-                                        <p:cTn id="31" dur="1500"/>
-                                        <p:tgtEl>
-                                          <p:spTgt spid="35"/>
-                                        </p:tgtEl>
-                                        <p:attrNameLst>
-                                          <p:attrName>ppt_y</p:attrName>
-                                        </p:attrNameLst>
-                                      </p:cBhvr>
-                                      <p:tavLst>
-                                        <p:tav tm="0">
-                                          <p:val>
-                                            <p:strVal val="ppt_y"/>
-                                          </p:val>
-                                        </p:tav>
-                                        <p:tav tm="100000">
-                                          <p:val>
-                                            <p:strVal val="ppt_y"/>
-                                          </p:val>
-                                        </p:tav>
-                                      </p:tavLst>
-                                    </p:anim>
-                                    <p:set>
-                                      <p:cBhvr>
-                                        <p:cTn id="32" dur="1" fill="hold">
-                                          <p:stCondLst>
-                                            <p:cond delay="1499"/>
-                                          </p:stCondLst>
-                                        </p:cTn>
-                                        <p:tgtEl>
-                                          <p:spTgt spid="35"/>
-                                        </p:tgtEl>
-                                        <p:attrNameLst>
-                                          <p:attrName>style.visibility</p:attrName>
-                                        </p:attrNameLst>
-                                      </p:cBhvr>
-                                      <p:to>
-                                        <p:strVal val="hidden"/>
-                                      </p:to>
-                                    </p:set>
-                                  </p:childTnLst>
-                                </p:cTn>
-                              </p:par>
-                            </p:childTnLst>
-                          </p:cTn>
-                        </p:par>
-                      </p:childTnLst>
-                    </p:cTn>
-                  </p:par>
-                  <p:par>
-                    <p:cTn id="33" fill="hold">
-                      <p:stCondLst>
-                        <p:cond delay="indefinite"/>
-                      </p:stCondLst>
-                      <p:childTnLst>
-                        <p:par>
-                          <p:cTn id="34" fill="hold">
-                            <p:stCondLst>
-                              <p:cond delay="0"/>
-                            </p:stCondLst>
-                            <p:childTnLst>
-                              <p:par>
-                                <p:cTn id="35" presetID="42" presetClass="path" presetSubtype="0" accel="50000" decel="50000" fill="hold" nodeType="clickEffect">
-                                  <p:stCondLst>
-                                    <p:cond delay="0"/>
-                                  </p:stCondLst>
-                                  <p:childTnLst>
-                                    <p:animMotion origin="layout" path="M -4.58333E-6 3.7037E-7 L 0.08125 0.09306 " pathEditMode="relative" rAng="0" ptsTypes="AA">
-                                      <p:cBhvr>
-                                        <p:cTn id="36" dur="2000" fill="hold"/>
-                                        <p:tgtEl>
-                                          <p:spTgt spid="45"/>
-                                        </p:tgtEl>
-                                        <p:attrNameLst>
-                                          <p:attrName>ppt_x</p:attrName>
-                                          <p:attrName>ppt_y</p:attrName>
-                                        </p:attrNameLst>
-                                      </p:cBhvr>
-                                      <p:rCtr x="4062" y="4653"/>
-                                    </p:animMotion>
-                                  </p:childTnLst>
-                                </p:cTn>
-                              </p:par>
-                              <p:par>
-                                <p:cTn id="37" presetID="2" presetClass="exit" presetSubtype="8" fill="hold" nodeType="withEffect">
-                                  <p:stCondLst>
-                                    <p:cond delay="0"/>
-                                  </p:stCondLst>
-                                  <p:childTnLst>
-                                    <p:anim calcmode="lin" valueType="num">
-                                      <p:cBhvr additive="base">
-                                        <p:cTn id="38" dur="1150"/>
-                                        <p:tgtEl>
-                                          <p:spTgt spid="46"/>
-                                        </p:tgtEl>
-                                        <p:attrNameLst>
-                                          <p:attrName>ppt_x</p:attrName>
-                                        </p:attrNameLst>
-                                      </p:cBhvr>
-                                      <p:tavLst>
-                                        <p:tav tm="0">
-                                          <p:val>
-                                            <p:strVal val="ppt_x"/>
-                                          </p:val>
-                                        </p:tav>
-                                        <p:tav tm="100000">
-                                          <p:val>
-                                            <p:strVal val="0-ppt_w/2"/>
-                                          </p:val>
-                                        </p:tav>
-                                      </p:tavLst>
-                                    </p:anim>
-                                    <p:anim calcmode="lin" valueType="num">
-                                      <p:cBhvr additive="base">
-                                        <p:cTn id="39" dur="1150"/>
-                                        <p:tgtEl>
-                                          <p:spTgt spid="46"/>
-                                        </p:tgtEl>
-                                        <p:attrNameLst>
-                                          <p:attrName>ppt_y</p:attrName>
-                                        </p:attrNameLst>
-                                      </p:cBhvr>
-                                      <p:tavLst>
-                                        <p:tav tm="0">
-                                          <p:val>
-                                            <p:strVal val="ppt_y"/>
-                                          </p:val>
-                                        </p:tav>
-                                        <p:tav tm="100000">
-                                          <p:val>
-                                            <p:strVal val="ppt_y"/>
-                                          </p:val>
-                                        </p:tav>
-                                      </p:tavLst>
-                                    </p:anim>
-                                    <p:set>
-                                      <p:cBhvr>
-                                        <p:cTn id="40" dur="1" fill="hold">
-                                          <p:stCondLst>
-                                            <p:cond delay="1149"/>
-                                          </p:stCondLst>
-                                        </p:cTn>
-                                        <p:tgtEl>
-                                          <p:spTgt spid="46"/>
-                                        </p:tgtEl>
-                                        <p:attrNameLst>
-                                          <p:attrName>style.visibility</p:attrName>
-                                        </p:attrNameLst>
-                                      </p:cBhvr>
-                                      <p:to>
-                                        <p:strVal val="hidden"/>
-                                      </p:to>
-                                    </p:set>
-                                  </p:childTnLst>
-                                </p:cTn>
-                              </p:par>
-                              <p:par>
-                                <p:cTn id="41" presetID="2" presetClass="exit" presetSubtype="8" fill="hold" grpId="0" nodeType="withEffect">
-                                  <p:stCondLst>
-                                    <p:cond delay="0"/>
-                                  </p:stCondLst>
-                                  <p:childTnLst>
-                                    <p:anim calcmode="lin" valueType="num">
-                                      <p:cBhvr additive="base">
-                                        <p:cTn id="42" dur="1500"/>
-                                        <p:tgtEl>
-                                          <p:spTgt spid="47"/>
-                                        </p:tgtEl>
-                                        <p:attrNameLst>
-                                          <p:attrName>ppt_x</p:attrName>
-                                        </p:attrNameLst>
-                                      </p:cBhvr>
-                                      <p:tavLst>
-                                        <p:tav tm="0">
-                                          <p:val>
-                                            <p:strVal val="ppt_x"/>
-                                          </p:val>
-                                        </p:tav>
-                                        <p:tav tm="100000">
-                                          <p:val>
-                                            <p:strVal val="0-ppt_w/2"/>
-                                          </p:val>
-                                        </p:tav>
-                                      </p:tavLst>
-                                    </p:anim>
-                                    <p:anim calcmode="lin" valueType="num">
-                                      <p:cBhvr additive="base">
-                                        <p:cTn id="43" dur="1500"/>
-                                        <p:tgtEl>
-                                          <p:spTgt spid="47"/>
-                                        </p:tgtEl>
-                                        <p:attrNameLst>
-                                          <p:attrName>ppt_y</p:attrName>
-                                        </p:attrNameLst>
-                                      </p:cBhvr>
-                                      <p:tavLst>
-                                        <p:tav tm="0">
-                                          <p:val>
-                                            <p:strVal val="ppt_y"/>
-                                          </p:val>
-                                        </p:tav>
-                                        <p:tav tm="100000">
-                                          <p:val>
-                                            <p:strVal val="ppt_y"/>
-                                          </p:val>
-                                        </p:tav>
-                                      </p:tavLst>
-                                    </p:anim>
-                                    <p:set>
-                                      <p:cBhvr>
-                                        <p:cTn id="44" dur="1" fill="hold">
-                                          <p:stCondLst>
-                                            <p:cond delay="1499"/>
-                                          </p:stCondLst>
-                                        </p:cTn>
-                                        <p:tgtEl>
-                                          <p:spTgt spid="47"/>
-                                        </p:tgtEl>
-                                        <p:attrNameLst>
-                                          <p:attrName>style.visibility</p:attrName>
-                                        </p:attrNameLst>
-                                      </p:cBhvr>
-                                      <p:to>
-                                        <p:strVal val="hidden"/>
-                                      </p:to>
-                                    </p:set>
-                                  </p:childTnLst>
-                                </p:cTn>
-                              </p:par>
-                              <p:par>
-                                <p:cTn id="45" presetID="2" presetClass="exit" presetSubtype="8" fill="hold" grpId="0" nodeType="withEffect">
-                                  <p:stCondLst>
-                                    <p:cond delay="0"/>
-                                  </p:stCondLst>
-                                  <p:childTnLst>
-                                    <p:anim calcmode="lin" valueType="num">
-                                      <p:cBhvr additive="base">
-                                        <p:cTn id="46" dur="1500"/>
-                                        <p:tgtEl>
-                                          <p:spTgt spid="48"/>
-                                        </p:tgtEl>
-                                        <p:attrNameLst>
-                                          <p:attrName>ppt_x</p:attrName>
-                                        </p:attrNameLst>
-                                      </p:cBhvr>
-                                      <p:tavLst>
-                                        <p:tav tm="0">
-                                          <p:val>
-                                            <p:strVal val="ppt_x"/>
-                                          </p:val>
-                                        </p:tav>
-                                        <p:tav tm="100000">
-                                          <p:val>
-                                            <p:strVal val="0-ppt_w/2"/>
-                                          </p:val>
-                                        </p:tav>
-                                      </p:tavLst>
-                                    </p:anim>
-                                    <p:anim calcmode="lin" valueType="num">
-                                      <p:cBhvr additive="base">
-                                        <p:cTn id="47" dur="1500"/>
-                                        <p:tgtEl>
-                                          <p:spTgt spid="48"/>
-                                        </p:tgtEl>
-                                        <p:attrNameLst>
-                                          <p:attrName>ppt_y</p:attrName>
-                                        </p:attrNameLst>
-                                      </p:cBhvr>
-                                      <p:tavLst>
-                                        <p:tav tm="0">
-                                          <p:val>
-                                            <p:strVal val="ppt_y"/>
-                                          </p:val>
-                                        </p:tav>
-                                        <p:tav tm="100000">
-                                          <p:val>
-                                            <p:strVal val="ppt_y"/>
-                                          </p:val>
-                                        </p:tav>
-                                      </p:tavLst>
-                                    </p:anim>
-                                    <p:set>
-                                      <p:cBhvr>
-                                        <p:cTn id="48" dur="1" fill="hold">
-                                          <p:stCondLst>
-                                            <p:cond delay="1499"/>
-                                          </p:stCondLst>
-                                        </p:cTn>
-                                        <p:tgtEl>
-                                          <p:spTgt spid="48"/>
-                                        </p:tgtEl>
-                                        <p:attrNameLst>
-                                          <p:attrName>style.visibility</p:attrName>
-                                        </p:attrNameLst>
-                                      </p:cBhvr>
-                                      <p:to>
-                                        <p:strVal val="hidden"/>
-                                      </p:to>
-                                    </p:set>
-                                  </p:childTnLst>
-                                </p:cTn>
-                              </p:par>
-                              <p:par>
-                                <p:cTn id="49" presetID="2" presetClass="exit" presetSubtype="8" fill="hold" grpId="0" nodeType="withEffect">
-                                  <p:stCondLst>
-                                    <p:cond delay="0"/>
-                                  </p:stCondLst>
-                                  <p:childTnLst>
-                                    <p:anim calcmode="lin" valueType="num">
-                                      <p:cBhvr additive="base">
-                                        <p:cTn id="50" dur="1500"/>
-                                        <p:tgtEl>
-                                          <p:spTgt spid="49"/>
-                                        </p:tgtEl>
-                                        <p:attrNameLst>
-                                          <p:attrName>ppt_x</p:attrName>
-                                        </p:attrNameLst>
-                                      </p:cBhvr>
-                                      <p:tavLst>
-                                        <p:tav tm="0">
-                                          <p:val>
-                                            <p:strVal val="ppt_x"/>
-                                          </p:val>
-                                        </p:tav>
-                                        <p:tav tm="100000">
-                                          <p:val>
-                                            <p:strVal val="0-ppt_w/2"/>
-                                          </p:val>
-                                        </p:tav>
-                                      </p:tavLst>
-                                    </p:anim>
-                                    <p:anim calcmode="lin" valueType="num">
-                                      <p:cBhvr additive="base">
-                                        <p:cTn id="51" dur="1500"/>
-                                        <p:tgtEl>
-                                          <p:spTgt spid="49"/>
-                                        </p:tgtEl>
-                                        <p:attrNameLst>
-                                          <p:attrName>ppt_y</p:attrName>
-                                        </p:attrNameLst>
-                                      </p:cBhvr>
-                                      <p:tavLst>
-                                        <p:tav tm="0">
-                                          <p:val>
-                                            <p:strVal val="ppt_y"/>
-                                          </p:val>
-                                        </p:tav>
-                                        <p:tav tm="100000">
-                                          <p:val>
-                                            <p:strVal val="ppt_y"/>
-                                          </p:val>
-                                        </p:tav>
-                                      </p:tavLst>
-                                    </p:anim>
-                                    <p:set>
-                                      <p:cBhvr>
-                                        <p:cTn id="52" dur="1" fill="hold">
-                                          <p:stCondLst>
-                                            <p:cond delay="1499"/>
-                                          </p:stCondLst>
-                                        </p:cTn>
-                                        <p:tgtEl>
-                                          <p:spTgt spid="49"/>
-                                        </p:tgtEl>
-                                        <p:attrNameLst>
-                                          <p:attrName>style.visibility</p:attrName>
-                                        </p:attrNameLst>
-                                      </p:cBhvr>
-                                      <p:to>
-                                        <p:strVal val="hidden"/>
-                                      </p:to>
-                                    </p:set>
-                                  </p:childTnLst>
-                                </p:cTn>
-                              </p:par>
-                              <p:par>
-                                <p:cTn id="53" presetID="2" presetClass="exit" presetSubtype="8" fill="hold" grpId="0" nodeType="withEffect">
-                                  <p:stCondLst>
-                                    <p:cond delay="0"/>
-                                  </p:stCondLst>
-                                  <p:childTnLst>
-                                    <p:anim calcmode="lin" valueType="num">
-                                      <p:cBhvr additive="base">
-                                        <p:cTn id="54" dur="1500"/>
-                                        <p:tgtEl>
-                                          <p:spTgt spid="50"/>
-                                        </p:tgtEl>
-                                        <p:attrNameLst>
-                                          <p:attrName>ppt_x</p:attrName>
-                                        </p:attrNameLst>
-                                      </p:cBhvr>
-                                      <p:tavLst>
-                                        <p:tav tm="0">
-                                          <p:val>
-                                            <p:strVal val="ppt_x"/>
-                                          </p:val>
-                                        </p:tav>
-                                        <p:tav tm="100000">
-                                          <p:val>
-                                            <p:strVal val="0-ppt_w/2"/>
-                                          </p:val>
-                                        </p:tav>
-                                      </p:tavLst>
-                                    </p:anim>
-                                    <p:anim calcmode="lin" valueType="num">
-                                      <p:cBhvr additive="base">
-                                        <p:cTn id="55" dur="1500"/>
-                                        <p:tgtEl>
-                                          <p:spTgt spid="50"/>
-                                        </p:tgtEl>
-                                        <p:attrNameLst>
-                                          <p:attrName>ppt_y</p:attrName>
-                                        </p:attrNameLst>
-                                      </p:cBhvr>
-                                      <p:tavLst>
-                                        <p:tav tm="0">
-                                          <p:val>
-                                            <p:strVal val="ppt_y"/>
-                                          </p:val>
-                                        </p:tav>
-                                        <p:tav tm="100000">
-                                          <p:val>
-                                            <p:strVal val="ppt_y"/>
-                                          </p:val>
-                                        </p:tav>
-                                      </p:tavLst>
-                                    </p:anim>
-                                    <p:set>
-                                      <p:cBhvr>
-                                        <p:cTn id="56" dur="1" fill="hold">
-                                          <p:stCondLst>
-                                            <p:cond delay="1499"/>
-                                          </p:stCondLst>
-                                        </p:cTn>
-                                        <p:tgtEl>
-                                          <p:spTgt spid="50"/>
-                                        </p:tgtEl>
-                                        <p:attrNameLst>
-                                          <p:attrName>style.visibility</p:attrName>
-                                        </p:attrNameLst>
-                                      </p:cBhvr>
-                                      <p:to>
-                                        <p:strVal val="hidden"/>
-                                      </p:to>
-                                    </p:set>
-                                  </p:childTnLst>
-                                </p:cTn>
-                              </p:par>
-                              <p:par>
-                                <p:cTn id="57" presetID="2" presetClass="exit" presetSubtype="8" fill="hold" grpId="0" nodeType="withEffect">
-                                  <p:stCondLst>
-                                    <p:cond delay="0"/>
-                                  </p:stCondLst>
-                                  <p:childTnLst>
-                                    <p:anim calcmode="lin" valueType="num">
-                                      <p:cBhvr additive="base">
-                                        <p:cTn id="58" dur="1500"/>
-                                        <p:tgtEl>
-                                          <p:spTgt spid="51"/>
-                                        </p:tgtEl>
-                                        <p:attrNameLst>
-                                          <p:attrName>ppt_x</p:attrName>
-                                        </p:attrNameLst>
-                                      </p:cBhvr>
-                                      <p:tavLst>
-                                        <p:tav tm="0">
-                                          <p:val>
-                                            <p:strVal val="ppt_x"/>
-                                          </p:val>
-                                        </p:tav>
-                                        <p:tav tm="100000">
-                                          <p:val>
-                                            <p:strVal val="0-ppt_w/2"/>
-                                          </p:val>
-                                        </p:tav>
-                                      </p:tavLst>
-                                    </p:anim>
-                                    <p:anim calcmode="lin" valueType="num">
-                                      <p:cBhvr additive="base">
-                                        <p:cTn id="59" dur="1500"/>
-                                        <p:tgtEl>
-                                          <p:spTgt spid="51"/>
-                                        </p:tgtEl>
-                                        <p:attrNameLst>
-                                          <p:attrName>ppt_y</p:attrName>
-                                        </p:attrNameLst>
-                                      </p:cBhvr>
-                                      <p:tavLst>
-                                        <p:tav tm="0">
-                                          <p:val>
-                                            <p:strVal val="ppt_y"/>
-                                          </p:val>
-                                        </p:tav>
-                                        <p:tav tm="100000">
-                                          <p:val>
-                                            <p:strVal val="ppt_y"/>
-                                          </p:val>
-                                        </p:tav>
-                                      </p:tavLst>
-                                    </p:anim>
-                                    <p:set>
-                                      <p:cBhvr>
-                                        <p:cTn id="60" dur="1" fill="hold">
-                                          <p:stCondLst>
-                                            <p:cond delay="1499"/>
-                                          </p:stCondLst>
-                                        </p:cTn>
-                                        <p:tgtEl>
-                                          <p:spTgt spid="51"/>
-                                        </p:tgtEl>
-                                        <p:attrNameLst>
-                                          <p:attrName>style.visibility</p:attrName>
-                                        </p:attrNameLst>
-                                      </p:cBhvr>
-                                      <p:to>
-                                        <p:strVal val="hidden"/>
-                                      </p:to>
-                                    </p:set>
-                                  </p:childTnLst>
-                                </p:cTn>
-                              </p:par>
-                              <p:par>
-                                <p:cTn id="61" presetID="2" presetClass="exit" presetSubtype="8" fill="hold" grpId="0" nodeType="withEffect">
-                                  <p:stCondLst>
-                                    <p:cond delay="0"/>
-                                  </p:stCondLst>
-                                  <p:childTnLst>
-                                    <p:anim calcmode="lin" valueType="num">
-                                      <p:cBhvr additive="base">
-                                        <p:cTn id="62" dur="1500"/>
-                                        <p:tgtEl>
-                                          <p:spTgt spid="52"/>
-                                        </p:tgtEl>
-                                        <p:attrNameLst>
-                                          <p:attrName>ppt_x</p:attrName>
-                                        </p:attrNameLst>
-                                      </p:cBhvr>
-                                      <p:tavLst>
-                                        <p:tav tm="0">
-                                          <p:val>
-                                            <p:strVal val="ppt_x"/>
-                                          </p:val>
-                                        </p:tav>
-                                        <p:tav tm="100000">
-                                          <p:val>
-                                            <p:strVal val="0-ppt_w/2"/>
-                                          </p:val>
-                                        </p:tav>
-                                      </p:tavLst>
-                                    </p:anim>
-                                    <p:anim calcmode="lin" valueType="num">
-                                      <p:cBhvr additive="base">
-                                        <p:cTn id="63" dur="1500"/>
-                                        <p:tgtEl>
-                                          <p:spTgt spid="52"/>
-                                        </p:tgtEl>
-                                        <p:attrNameLst>
-                                          <p:attrName>ppt_y</p:attrName>
-                                        </p:attrNameLst>
-                                      </p:cBhvr>
-                                      <p:tavLst>
-                                        <p:tav tm="0">
-                                          <p:val>
-                                            <p:strVal val="ppt_y"/>
-                                          </p:val>
-                                        </p:tav>
-                                        <p:tav tm="100000">
-                                          <p:val>
-                                            <p:strVal val="ppt_y"/>
-                                          </p:val>
-                                        </p:tav>
-                                      </p:tavLst>
-                                    </p:anim>
-                                    <p:set>
-                                      <p:cBhvr>
-                                        <p:cTn id="64" dur="1" fill="hold">
-                                          <p:stCondLst>
-                                            <p:cond delay="1499"/>
-                                          </p:stCondLst>
-                                        </p:cTn>
-                                        <p:tgtEl>
-                                          <p:spTgt spid="52"/>
-                                        </p:tgtEl>
-                                        <p:attrNameLst>
-                                          <p:attrName>style.visibility</p:attrName>
-                                        </p:attrNameLst>
-                                      </p:cBhvr>
-                                      <p:to>
-                                        <p:strVal val="hidden"/>
-                                      </p:to>
-                                    </p:set>
-                                  </p:childTnLst>
-                                </p:cTn>
-                              </p:par>
-                              <p:par>
-                                <p:cTn id="65" presetID="2" presetClass="exit" presetSubtype="8" fill="hold" grpId="0" nodeType="withEffect">
-                                  <p:stCondLst>
-                                    <p:cond delay="0"/>
-                                  </p:stCondLst>
-                                  <p:childTnLst>
-                                    <p:anim calcmode="lin" valueType="num">
-                                      <p:cBhvr additive="base">
-                                        <p:cTn id="66" dur="1500"/>
-                                        <p:tgtEl>
-                                          <p:spTgt spid="70"/>
-                                        </p:tgtEl>
-                                        <p:attrNameLst>
-                                          <p:attrName>ppt_x</p:attrName>
-                                        </p:attrNameLst>
-                                      </p:cBhvr>
-                                      <p:tavLst>
-                                        <p:tav tm="0">
-                                          <p:val>
-                                            <p:strVal val="ppt_x"/>
-                                          </p:val>
-                                        </p:tav>
-                                        <p:tav tm="100000">
-                                          <p:val>
-                                            <p:strVal val="0-ppt_w/2"/>
-                                          </p:val>
-                                        </p:tav>
-                                      </p:tavLst>
-                                    </p:anim>
-                                    <p:anim calcmode="lin" valueType="num">
-                                      <p:cBhvr additive="base">
-                                        <p:cTn id="67" dur="1500"/>
-                                        <p:tgtEl>
-                                          <p:spTgt spid="70"/>
-                                        </p:tgtEl>
-                                        <p:attrNameLst>
-                                          <p:attrName>ppt_y</p:attrName>
-                                        </p:attrNameLst>
-                                      </p:cBhvr>
-                                      <p:tavLst>
-                                        <p:tav tm="0">
-                                          <p:val>
-                                            <p:strVal val="ppt_y"/>
-                                          </p:val>
-                                        </p:tav>
-                                        <p:tav tm="100000">
-                                          <p:val>
-                                            <p:strVal val="ppt_y"/>
-                                          </p:val>
-                                        </p:tav>
-                                      </p:tavLst>
-                                    </p:anim>
-                                    <p:set>
-                                      <p:cBhvr>
-                                        <p:cTn id="68" dur="1" fill="hold">
-                                          <p:stCondLst>
-                                            <p:cond delay="1499"/>
-                                          </p:stCondLst>
-                                        </p:cTn>
-                                        <p:tgtEl>
-                                          <p:spTgt spid="70"/>
-                                        </p:tgtEl>
-                                        <p:attrNameLst>
-                                          <p:attrName>style.visibility</p:attrName>
-                                        </p:attrNameLst>
-                                      </p:cBhvr>
-                                      <p:to>
-                                        <p:strVal val="hidden"/>
-                                      </p:to>
-                                    </p:set>
-                                  </p:childTnLst>
-                                </p:cTn>
-                              </p:par>
-                              <p:par>
-                                <p:cTn id="69" presetID="2" presetClass="exit" presetSubtype="8" fill="hold" grpId="0" nodeType="withEffect">
-                                  <p:stCondLst>
-                                    <p:cond delay="0"/>
-                                  </p:stCondLst>
-                                  <p:childTnLst>
-                                    <p:anim calcmode="lin" valueType="num">
-                                      <p:cBhvr additive="base">
-                                        <p:cTn id="70" dur="1500"/>
-                                        <p:tgtEl>
-                                          <p:spTgt spid="71"/>
-                                        </p:tgtEl>
-                                        <p:attrNameLst>
-                                          <p:attrName>ppt_x</p:attrName>
-                                        </p:attrNameLst>
-                                      </p:cBhvr>
-                                      <p:tavLst>
-                                        <p:tav tm="0">
-                                          <p:val>
-                                            <p:strVal val="ppt_x"/>
-                                          </p:val>
-                                        </p:tav>
-                                        <p:tav tm="100000">
-                                          <p:val>
-                                            <p:strVal val="0-ppt_w/2"/>
-                                          </p:val>
-                                        </p:tav>
-                                      </p:tavLst>
-                                    </p:anim>
-                                    <p:anim calcmode="lin" valueType="num">
-                                      <p:cBhvr additive="base">
-                                        <p:cTn id="71" dur="1500"/>
-                                        <p:tgtEl>
-                                          <p:spTgt spid="71"/>
-                                        </p:tgtEl>
-                                        <p:attrNameLst>
-                                          <p:attrName>ppt_y</p:attrName>
-                                        </p:attrNameLst>
-                                      </p:cBhvr>
-                                      <p:tavLst>
-                                        <p:tav tm="0">
-                                          <p:val>
-                                            <p:strVal val="ppt_y"/>
-                                          </p:val>
-                                        </p:tav>
-                                        <p:tav tm="100000">
-                                          <p:val>
-                                            <p:strVal val="ppt_y"/>
-                                          </p:val>
-                                        </p:tav>
-                                      </p:tavLst>
-                                    </p:anim>
-                                    <p:set>
-                                      <p:cBhvr>
-                                        <p:cTn id="72" dur="1" fill="hold">
-                                          <p:stCondLst>
-                                            <p:cond delay="1499"/>
-                                          </p:stCondLst>
-                                        </p:cTn>
-                                        <p:tgtEl>
-                                          <p:spTgt spid="71"/>
-                                        </p:tgtEl>
-                                        <p:attrNameLst>
-                                          <p:attrName>style.visibility</p:attrName>
-                                        </p:attrNameLst>
-                                      </p:cBhvr>
-                                      <p:to>
-                                        <p:strVal val="hidden"/>
-                                      </p:to>
-                                    </p:set>
-                                  </p:childTnLst>
-                                </p:cTn>
-                              </p:par>
-                              <p:par>
-                                <p:cTn id="73" presetID="2" presetClass="exit" presetSubtype="8" fill="hold" grpId="0" nodeType="withEffect">
-                                  <p:stCondLst>
-                                    <p:cond delay="0"/>
-                                  </p:stCondLst>
-                                  <p:childTnLst>
-                                    <p:anim calcmode="lin" valueType="num">
-                                      <p:cBhvr additive="base">
-                                        <p:cTn id="74" dur="1500"/>
-                                        <p:tgtEl>
-                                          <p:spTgt spid="72"/>
-                                        </p:tgtEl>
-                                        <p:attrNameLst>
-                                          <p:attrName>ppt_x</p:attrName>
-                                        </p:attrNameLst>
-                                      </p:cBhvr>
-                                      <p:tavLst>
-                                        <p:tav tm="0">
-                                          <p:val>
-                                            <p:strVal val="ppt_x"/>
-                                          </p:val>
-                                        </p:tav>
-                                        <p:tav tm="100000">
-                                          <p:val>
-                                            <p:strVal val="0-ppt_w/2"/>
-                                          </p:val>
-                                        </p:tav>
-                                      </p:tavLst>
-                                    </p:anim>
-                                    <p:anim calcmode="lin" valueType="num">
-                                      <p:cBhvr additive="base">
-                                        <p:cTn id="75" dur="1500"/>
-                                        <p:tgtEl>
-                                          <p:spTgt spid="72"/>
-                                        </p:tgtEl>
-                                        <p:attrNameLst>
-                                          <p:attrName>ppt_y</p:attrName>
-                                        </p:attrNameLst>
-                                      </p:cBhvr>
-                                      <p:tavLst>
-                                        <p:tav tm="0">
-                                          <p:val>
-                                            <p:strVal val="ppt_y"/>
-                                          </p:val>
-                                        </p:tav>
-                                        <p:tav tm="100000">
-                                          <p:val>
-                                            <p:strVal val="ppt_y"/>
-                                          </p:val>
-                                        </p:tav>
-                                      </p:tavLst>
-                                    </p:anim>
-                                    <p:set>
-                                      <p:cBhvr>
-                                        <p:cTn id="76" dur="1" fill="hold">
-                                          <p:stCondLst>
-                                            <p:cond delay="1499"/>
-                                          </p:stCondLst>
-                                        </p:cTn>
-                                        <p:tgtEl>
-                                          <p:spTgt spid="72"/>
-                                        </p:tgtEl>
-                                        <p:attrNameLst>
-                                          <p:attrName>style.visibility</p:attrName>
-                                        </p:attrNameLst>
-                                      </p:cBhvr>
-                                      <p:to>
-                                        <p:strVal val="hidden"/>
-                                      </p:to>
-                                    </p:set>
-                                  </p:childTnLst>
-                                </p:cTn>
-                              </p:par>
-                              <p:par>
-                                <p:cTn id="77" presetID="2" presetClass="exit" presetSubtype="8" fill="hold" nodeType="withEffect">
-                                  <p:stCondLst>
-                                    <p:cond delay="0"/>
-                                  </p:stCondLst>
-                                  <p:childTnLst>
-                                    <p:anim calcmode="lin" valueType="num">
-                                      <p:cBhvr additive="base">
-                                        <p:cTn id="78" dur="1150"/>
-                                        <p:tgtEl>
-                                          <p:spTgt spid="73"/>
-                                        </p:tgtEl>
-                                        <p:attrNameLst>
-                                          <p:attrName>ppt_x</p:attrName>
-                                        </p:attrNameLst>
-                                      </p:cBhvr>
-                                      <p:tavLst>
-                                        <p:tav tm="0">
-                                          <p:val>
-                                            <p:strVal val="ppt_x"/>
-                                          </p:val>
-                                        </p:tav>
-                                        <p:tav tm="100000">
-                                          <p:val>
-                                            <p:strVal val="0-ppt_w/2"/>
-                                          </p:val>
-                                        </p:tav>
-                                      </p:tavLst>
-                                    </p:anim>
-                                    <p:anim calcmode="lin" valueType="num">
-                                      <p:cBhvr additive="base">
-                                        <p:cTn id="79" dur="1150"/>
-                                        <p:tgtEl>
-                                          <p:spTgt spid="73"/>
-                                        </p:tgtEl>
-                                        <p:attrNameLst>
-                                          <p:attrName>ppt_y</p:attrName>
-                                        </p:attrNameLst>
-                                      </p:cBhvr>
-                                      <p:tavLst>
-                                        <p:tav tm="0">
-                                          <p:val>
-                                            <p:strVal val="ppt_y"/>
-                                          </p:val>
-                                        </p:tav>
-                                        <p:tav tm="100000">
-                                          <p:val>
-                                            <p:strVal val="ppt_y"/>
-                                          </p:val>
-                                        </p:tav>
-                                      </p:tavLst>
-                                    </p:anim>
-                                    <p:set>
-                                      <p:cBhvr>
-                                        <p:cTn id="80" dur="1" fill="hold">
-                                          <p:stCondLst>
-                                            <p:cond delay="1149"/>
-                                          </p:stCondLst>
-                                        </p:cTn>
-                                        <p:tgtEl>
-                                          <p:spTgt spid="73"/>
-                                        </p:tgtEl>
-                                        <p:attrNameLst>
-                                          <p:attrName>style.visibility</p:attrName>
-                                        </p:attrNameLst>
-                                      </p:cBhvr>
-                                      <p:to>
-                                        <p:strVal val="hidden"/>
-                                      </p:to>
-                                    </p:set>
-                                  </p:childTnLst>
-                                </p:cTn>
-                              </p:par>
-                              <p:par>
-                                <p:cTn id="81" presetID="2" presetClass="exit" presetSubtype="8" fill="hold" nodeType="withEffect">
-                                  <p:stCondLst>
-                                    <p:cond delay="0"/>
-                                  </p:stCondLst>
-                                  <p:childTnLst>
-                                    <p:anim calcmode="lin" valueType="num">
-                                      <p:cBhvr additive="base">
-                                        <p:cTn id="82" dur="1150"/>
-                                        <p:tgtEl>
-                                          <p:spTgt spid="74"/>
-                                        </p:tgtEl>
-                                        <p:attrNameLst>
-                                          <p:attrName>ppt_x</p:attrName>
-                                        </p:attrNameLst>
-                                      </p:cBhvr>
-                                      <p:tavLst>
-                                        <p:tav tm="0">
-                                          <p:val>
-                                            <p:strVal val="ppt_x"/>
-                                          </p:val>
-                                        </p:tav>
-                                        <p:tav tm="100000">
-                                          <p:val>
-                                            <p:strVal val="0-ppt_w/2"/>
-                                          </p:val>
-                                        </p:tav>
-                                      </p:tavLst>
-                                    </p:anim>
-                                    <p:anim calcmode="lin" valueType="num">
-                                      <p:cBhvr additive="base">
-                                        <p:cTn id="83" dur="1150"/>
-                                        <p:tgtEl>
-                                          <p:spTgt spid="74"/>
-                                        </p:tgtEl>
-                                        <p:attrNameLst>
-                                          <p:attrName>ppt_y</p:attrName>
-                                        </p:attrNameLst>
-                                      </p:cBhvr>
-                                      <p:tavLst>
-                                        <p:tav tm="0">
-                                          <p:val>
-                                            <p:strVal val="ppt_y"/>
-                                          </p:val>
-                                        </p:tav>
-                                        <p:tav tm="100000">
-                                          <p:val>
-                                            <p:strVal val="ppt_y"/>
-                                          </p:val>
-                                        </p:tav>
-                                      </p:tavLst>
-                                    </p:anim>
-                                    <p:set>
-                                      <p:cBhvr>
-                                        <p:cTn id="84" dur="1" fill="hold">
-                                          <p:stCondLst>
-                                            <p:cond delay="1149"/>
-                                          </p:stCondLst>
-                                        </p:cTn>
-                                        <p:tgtEl>
-                                          <p:spTgt spid="74"/>
-                                        </p:tgtEl>
-                                        <p:attrNameLst>
-                                          <p:attrName>style.visibility</p:attrName>
-                                        </p:attrNameLst>
-                                      </p:cBhvr>
-                                      <p:to>
-                                        <p:strVal val="hidden"/>
-                                      </p:to>
-                                    </p:set>
-                                  </p:childTnLst>
-                                </p:cTn>
-                              </p:par>
-                              <p:par>
-                                <p:cTn id="85" presetID="2" presetClass="exit" presetSubtype="8" fill="hold" nodeType="withEffect">
-                                  <p:stCondLst>
-                                    <p:cond delay="0"/>
-                                  </p:stCondLst>
-                                  <p:childTnLst>
-                                    <p:anim calcmode="lin" valueType="num">
-                                      <p:cBhvr additive="base">
-                                        <p:cTn id="86" dur="1150"/>
-                                        <p:tgtEl>
-                                          <p:spTgt spid="88"/>
-                                        </p:tgtEl>
-                                        <p:attrNameLst>
-                                          <p:attrName>ppt_x</p:attrName>
-                                        </p:attrNameLst>
-                                      </p:cBhvr>
-                                      <p:tavLst>
-                                        <p:tav tm="0">
-                                          <p:val>
-                                            <p:strVal val="ppt_x"/>
-                                          </p:val>
-                                        </p:tav>
-                                        <p:tav tm="100000">
-                                          <p:val>
-                                            <p:strVal val="0-ppt_w/2"/>
-                                          </p:val>
-                                        </p:tav>
-                                      </p:tavLst>
-                                    </p:anim>
-                                    <p:anim calcmode="lin" valueType="num">
-                                      <p:cBhvr additive="base">
-                                        <p:cTn id="87" dur="1150"/>
-                                        <p:tgtEl>
-                                          <p:spTgt spid="88"/>
-                                        </p:tgtEl>
-                                        <p:attrNameLst>
-                                          <p:attrName>ppt_y</p:attrName>
-                                        </p:attrNameLst>
-                                      </p:cBhvr>
-                                      <p:tavLst>
-                                        <p:tav tm="0">
-                                          <p:val>
-                                            <p:strVal val="ppt_y"/>
-                                          </p:val>
-                                        </p:tav>
-                                        <p:tav tm="100000">
-                                          <p:val>
-                                            <p:strVal val="ppt_y"/>
-                                          </p:val>
-                                        </p:tav>
-                                      </p:tavLst>
-                                    </p:anim>
-                                    <p:set>
-                                      <p:cBhvr>
-                                        <p:cTn id="88" dur="1" fill="hold">
-                                          <p:stCondLst>
-                                            <p:cond delay="1149"/>
-                                          </p:stCondLst>
-                                        </p:cTn>
-                                        <p:tgtEl>
-                                          <p:spTgt spid="88"/>
-                                        </p:tgtEl>
-                                        <p:attrNameLst>
-                                          <p:attrName>style.visibility</p:attrName>
-                                        </p:attrNameLst>
-                                      </p:cBhvr>
-                                      <p:to>
-                                        <p:strVal val="hidden"/>
-                                      </p:to>
-                                    </p:set>
-                                  </p:childTnLst>
-                                </p:cTn>
-                              </p:par>
-                            </p:childTnLst>
-                          </p:cTn>
-                        </p:par>
-                      </p:childTnLst>
-                    </p:cTn>
-                  </p:par>
-                </p:childTnLst>
-              </p:cTn>
-              <p:prevCondLst>
-                <p:cond evt="onPrev" delay="0">
-                  <p:tgtEl>
-                    <p:sldTgt/>
-                  </p:tgtEl>
-                </p:cond>
-              </p:prevCondLst>
-              <p:nextCondLst>
-                <p:cond evt="onNext" delay="0">
-                  <p:tgtEl>
-                    <p:sldTgt/>
-                  </p:tgtEl>
-                </p:cond>
-              </p:nextCondLst>
-            </p:seq>
-          </p:childTnLst>
-        </p:cTn>
-      </p:par>
-    </p:tnLst>
-    <p:bldLst>
-      <p:bldP spid="70" grpId="0" animBg="1"/>
-      <p:bldP spid="71" grpId="0" animBg="1"/>
-      <p:bldP spid="72" grpId="0" animBg="1"/>
-      <p:bldP spid="19" grpId="0" animBg="1"/>
-      <p:bldP spid="24" grpId="0" animBg="1"/>
-      <p:bldP spid="31" grpId="0" animBg="1"/>
-      <p:bldP spid="32" grpId="0" animBg="1"/>
-      <p:bldP spid="33" grpId="0" animBg="1"/>
-      <p:bldP spid="34" grpId="0" animBg="1"/>
-      <p:bldP spid="35" grpId="0" animBg="1"/>
-      <p:bldP spid="47" grpId="0" animBg="1"/>
-      <p:bldP spid="48" grpId="0" animBg="1"/>
-      <p:bldP spid="49" grpId="0" animBg="1"/>
-      <p:bldP spid="50" grpId="0" animBg="1"/>
-      <p:bldP spid="51" grpId="0" animBg="1"/>
-      <p:bldP spid="52" grpId="0" animBg="1"/>
-    </p:bldLst>
-  </p:timing>
 </p:sld>
 </file>
 
-<file path=ppt/slides/slide8.xml><?xml version="1.0" encoding="utf-8"?>
+<file path=ppt/slides/slide9.xml><?xml version="1.0" encoding="utf-8"?>
 <p:sld xmlns:a="http://schemas.openxmlformats.org/drawingml/2006/main" xmlns:r="http://schemas.openxmlformats.org/officeDocument/2006/relationships" xmlns:p="http://schemas.openxmlformats.org/presentationml/2006/main">
   <p:cSld>
     <p:spTree>

--- a/03_企画書/PenguinPlan.pptx
+++ b/03_企画書/PenguinPlan.pptx
@@ -5641,10 +5641,10 @@
       </p:grpSpPr>
       <p:sp>
         <p:nvSpPr>
-          <p:cNvPr id="70" name="六角形 69">
-            <a:extLst>
-              <a:ext uri="{FF2B5EF4-FFF2-40B4-BE49-F238E27FC236}">
-                <a16:creationId xmlns:a16="http://schemas.microsoft.com/office/drawing/2014/main" id="{9ABA0172-07C8-FD29-360E-6054BC5FD642}"/>
+          <p:cNvPr id="10" name="六角形 9">
+            <a:extLst>
+              <a:ext uri="{FF2B5EF4-FFF2-40B4-BE49-F238E27FC236}">
+                <a16:creationId xmlns:a16="http://schemas.microsoft.com/office/drawing/2014/main" id="{30BEB69F-B92D-4966-85FA-EC47A70B3063}"/>
               </a:ext>
             </a:extLst>
           </p:cNvPr>
@@ -5653,251 +5653,7 @@
         </p:nvSpPr>
         <p:spPr>
           <a:xfrm>
-            <a:off x="1468918" y="3968624"/>
-            <a:ext cx="900000" cy="900000"/>
-          </a:xfrm>
-          <a:prstGeom prst="hexagon">
-            <a:avLst/>
-          </a:prstGeom>
-          <a:solidFill>
-            <a:srgbClr val="00B0F0"/>
-          </a:solidFill>
-          <a:ln w="12700"/>
-        </p:spPr>
-        <p:style>
-          <a:lnRef idx="2">
-            <a:schemeClr val="accent1">
-              <a:shade val="50000"/>
-            </a:schemeClr>
-          </a:lnRef>
-          <a:fillRef idx="1">
-            <a:schemeClr val="accent1"/>
-          </a:fillRef>
-          <a:effectRef idx="0">
-            <a:schemeClr val="accent1"/>
-          </a:effectRef>
-          <a:fontRef idx="minor">
-            <a:schemeClr val="lt1"/>
-          </a:fontRef>
-        </p:style>
-        <p:txBody>
-          <a:bodyPr rtlCol="0" anchor="ctr"/>
-          <a:lstStyle/>
-          <a:p>
-            <a:pPr algn="ctr"/>
-            <a:endParaRPr kumimoji="1" lang="ja-JP" altLang="en-US"/>
-          </a:p>
-        </p:txBody>
-      </p:sp>
-      <p:sp>
-        <p:nvSpPr>
-          <p:cNvPr id="71" name="六角形 70">
-            <a:extLst>
-              <a:ext uri="{FF2B5EF4-FFF2-40B4-BE49-F238E27FC236}">
-                <a16:creationId xmlns:a16="http://schemas.microsoft.com/office/drawing/2014/main" id="{2F53D961-DEAB-4A0F-5E9C-3350241C599C}"/>
-              </a:ext>
-            </a:extLst>
-          </p:cNvPr>
-          <p:cNvSpPr/>
-          <p:nvPr/>
-        </p:nvSpPr>
-        <p:spPr>
-          <a:xfrm>
-            <a:off x="2145193" y="3520529"/>
-            <a:ext cx="900000" cy="900000"/>
-          </a:xfrm>
-          <a:prstGeom prst="hexagon">
-            <a:avLst/>
-          </a:prstGeom>
-          <a:solidFill>
-            <a:srgbClr val="00B0F0"/>
-          </a:solidFill>
-          <a:ln w="12700"/>
-        </p:spPr>
-        <p:style>
-          <a:lnRef idx="2">
-            <a:schemeClr val="accent1">
-              <a:shade val="50000"/>
-            </a:schemeClr>
-          </a:lnRef>
-          <a:fillRef idx="1">
-            <a:schemeClr val="accent1"/>
-          </a:fillRef>
-          <a:effectRef idx="0">
-            <a:schemeClr val="accent1"/>
-          </a:effectRef>
-          <a:fontRef idx="minor">
-            <a:schemeClr val="lt1"/>
-          </a:fontRef>
-        </p:style>
-        <p:txBody>
-          <a:bodyPr rtlCol="0" anchor="ctr"/>
-          <a:lstStyle/>
-          <a:p>
-            <a:pPr algn="ctr"/>
-            <a:endParaRPr kumimoji="1" lang="ja-JP" altLang="en-US"/>
-          </a:p>
-        </p:txBody>
-      </p:sp>
-      <p:sp>
-        <p:nvSpPr>
-          <p:cNvPr id="72" name="六角形 71">
-            <a:extLst>
-              <a:ext uri="{FF2B5EF4-FFF2-40B4-BE49-F238E27FC236}">
-                <a16:creationId xmlns:a16="http://schemas.microsoft.com/office/drawing/2014/main" id="{8001A97C-739A-E3DC-2C1E-5A2EC4315E9B}"/>
-              </a:ext>
-            </a:extLst>
-          </p:cNvPr>
-          <p:cNvSpPr/>
-          <p:nvPr/>
-        </p:nvSpPr>
-        <p:spPr>
-          <a:xfrm>
-            <a:off x="2145193" y="2621100"/>
-            <a:ext cx="900000" cy="900000"/>
-          </a:xfrm>
-          <a:prstGeom prst="hexagon">
-            <a:avLst/>
-          </a:prstGeom>
-          <a:solidFill>
-            <a:srgbClr val="00B0F0"/>
-          </a:solidFill>
-          <a:ln w="12700"/>
-        </p:spPr>
-        <p:style>
-          <a:lnRef idx="2">
-            <a:schemeClr val="accent1">
-              <a:shade val="50000"/>
-            </a:schemeClr>
-          </a:lnRef>
-          <a:fillRef idx="1">
-            <a:schemeClr val="accent1"/>
-          </a:fillRef>
-          <a:effectRef idx="0">
-            <a:schemeClr val="accent1"/>
-          </a:effectRef>
-          <a:fontRef idx="minor">
-            <a:schemeClr val="lt1"/>
-          </a:fontRef>
-        </p:style>
-        <p:txBody>
-          <a:bodyPr rtlCol="0" anchor="ctr"/>
-          <a:lstStyle/>
-          <a:p>
-            <a:pPr algn="ctr"/>
-            <a:endParaRPr kumimoji="1" lang="ja-JP" altLang="en-US"/>
-          </a:p>
-        </p:txBody>
-      </p:sp>
-      <p:sp>
-        <p:nvSpPr>
-          <p:cNvPr id="18" name="正方形/長方形 17">
-            <a:extLst>
-              <a:ext uri="{FF2B5EF4-FFF2-40B4-BE49-F238E27FC236}">
-                <a16:creationId xmlns:a16="http://schemas.microsoft.com/office/drawing/2014/main" id="{FFE66F17-3ABB-49E2-4B2A-F36C9B4DEB74}"/>
-              </a:ext>
-            </a:extLst>
-          </p:cNvPr>
-          <p:cNvSpPr/>
-          <p:nvPr/>
-        </p:nvSpPr>
-        <p:spPr>
-          <a:xfrm>
-            <a:off x="1156254" y="1604149"/>
-            <a:ext cx="9879491" cy="3896999"/>
-          </a:xfrm>
-          <a:prstGeom prst="rect">
-            <a:avLst/>
-          </a:prstGeom>
-          <a:noFill/>
-          <a:ln w="38100">
-            <a:solidFill>
-              <a:schemeClr val="tx1"/>
-            </a:solidFill>
-          </a:ln>
-        </p:spPr>
-        <p:style>
-          <a:lnRef idx="2">
-            <a:schemeClr val="accent1">
-              <a:shade val="15000"/>
-            </a:schemeClr>
-          </a:lnRef>
-          <a:fillRef idx="1">
-            <a:schemeClr val="accent1"/>
-          </a:fillRef>
-          <a:effectRef idx="0">
-            <a:schemeClr val="accent1"/>
-          </a:effectRef>
-          <a:fontRef idx="minor">
-            <a:schemeClr val="lt1"/>
-          </a:fontRef>
-        </p:style>
-        <p:txBody>
-          <a:bodyPr rtlCol="0" anchor="ctr"/>
-          <a:lstStyle/>
-          <a:p>
-            <a:pPr algn="ctr"/>
-            <a:endParaRPr kumimoji="1" lang="ja-JP" altLang="en-US"/>
-          </a:p>
-        </p:txBody>
-      </p:sp>
-      <p:sp>
-        <p:nvSpPr>
-          <p:cNvPr id="2" name="テキスト ボックス 1">
-            <a:extLst>
-              <a:ext uri="{FF2B5EF4-FFF2-40B4-BE49-F238E27FC236}">
-                <a16:creationId xmlns:a16="http://schemas.microsoft.com/office/drawing/2014/main" id="{A0F4658D-A937-89F7-F7CE-E54595E91EF6}"/>
-              </a:ext>
-            </a:extLst>
-          </p:cNvPr>
-          <p:cNvSpPr txBox="1"/>
-          <p:nvPr/>
-        </p:nvSpPr>
-        <p:spPr>
-          <a:xfrm>
-            <a:off x="0" y="0"/>
-            <a:ext cx="5298245" cy="923330"/>
-          </a:xfrm>
-          <a:prstGeom prst="rect">
-            <a:avLst/>
-          </a:prstGeom>
-          <a:noFill/>
-        </p:spPr>
-        <p:txBody>
-          <a:bodyPr wrap="none" rtlCol="0">
-            <a:spAutoFit/>
-          </a:bodyPr>
-          <a:lstStyle/>
-          <a:p>
-            <a:r>
-              <a:rPr lang="ja-JP" altLang="en-US" sz="5400" dirty="0">
-                <a:latin typeface="GN-キルゴUかなO" panose="02000600000000000000" pitchFamily="2" charset="-128"/>
-                <a:ea typeface="GN-キルゴUかなO" panose="02000600000000000000" pitchFamily="2" charset="-128"/>
-              </a:rPr>
-              <a:t>ゲームのイメージ</a:t>
-            </a:r>
-            <a:endParaRPr kumimoji="1" lang="ja-JP" altLang="en-US" sz="5400" dirty="0">
-              <a:latin typeface="GN-キルゴUかなO" panose="02000600000000000000" pitchFamily="2" charset="-128"/>
-              <a:ea typeface="GN-キルゴUかなO" panose="02000600000000000000" pitchFamily="2" charset="-128"/>
-            </a:endParaRPr>
-          </a:p>
-        </p:txBody>
-      </p:sp>
-      <p:sp>
-        <p:nvSpPr>
-          <p:cNvPr id="19" name="六角形 18">
-            <a:extLst>
-              <a:ext uri="{FF2B5EF4-FFF2-40B4-BE49-F238E27FC236}">
-                <a16:creationId xmlns:a16="http://schemas.microsoft.com/office/drawing/2014/main" id="{AD5DCF0A-5C0B-76C8-B933-602CA4648AC3}"/>
-              </a:ext>
-            </a:extLst>
-          </p:cNvPr>
-          <p:cNvSpPr/>
-          <p:nvPr/>
-        </p:nvSpPr>
-        <p:spPr>
-          <a:xfrm>
-            <a:off x="4149781" y="3967405"/>
+            <a:off x="4823005" y="4418699"/>
             <a:ext cx="900000" cy="900000"/>
           </a:xfrm>
           <a:prstGeom prst="hexagon">
@@ -5938,10 +5694,10 @@
       </p:sp>
       <p:sp>
         <p:nvSpPr>
-          <p:cNvPr id="24" name="六角形 23">
-            <a:extLst>
-              <a:ext uri="{FF2B5EF4-FFF2-40B4-BE49-F238E27FC236}">
-                <a16:creationId xmlns:a16="http://schemas.microsoft.com/office/drawing/2014/main" id="{1F073947-247B-CB10-6B23-547D9CC329BA}"/>
+          <p:cNvPr id="8" name="六角形 7">
+            <a:extLst>
+              <a:ext uri="{FF2B5EF4-FFF2-40B4-BE49-F238E27FC236}">
+                <a16:creationId xmlns:a16="http://schemas.microsoft.com/office/drawing/2014/main" id="{1F77AA04-5B01-2FD7-0B21-DBE97411090C}"/>
               </a:ext>
             </a:extLst>
           </p:cNvPr>
@@ -5950,7 +5706,7 @@
         </p:nvSpPr>
         <p:spPr>
           <a:xfrm>
-            <a:off x="4826056" y="3519310"/>
+            <a:off x="4156537" y="3067290"/>
             <a:ext cx="900000" cy="900000"/>
           </a:xfrm>
           <a:prstGeom prst="hexagon">
@@ -5991,10 +5747,10 @@
       </p:sp>
       <p:sp>
         <p:nvSpPr>
-          <p:cNvPr id="31" name="六角形 30">
-            <a:extLst>
-              <a:ext uri="{FF2B5EF4-FFF2-40B4-BE49-F238E27FC236}">
-                <a16:creationId xmlns:a16="http://schemas.microsoft.com/office/drawing/2014/main" id="{C5923BFE-B38C-6CEE-9EE5-F343AF919F7F}"/>
+          <p:cNvPr id="7" name="六角形 6">
+            <a:extLst>
+              <a:ext uri="{FF2B5EF4-FFF2-40B4-BE49-F238E27FC236}">
+                <a16:creationId xmlns:a16="http://schemas.microsoft.com/office/drawing/2014/main" id="{099A0A42-9A39-1D81-7BC3-F8FCD415752E}"/>
               </a:ext>
             </a:extLst>
           </p:cNvPr>
@@ -6003,7 +5759,7 @@
         </p:nvSpPr>
         <p:spPr>
           <a:xfrm>
-            <a:off x="4828683" y="2619310"/>
+            <a:off x="5498778" y="3072509"/>
             <a:ext cx="900000" cy="900000"/>
           </a:xfrm>
           <a:prstGeom prst="hexagon">
@@ -6044,10 +5800,10 @@
       </p:sp>
       <p:sp>
         <p:nvSpPr>
-          <p:cNvPr id="32" name="六角形 31">
-            <a:extLst>
-              <a:ext uri="{FF2B5EF4-FFF2-40B4-BE49-F238E27FC236}">
-                <a16:creationId xmlns:a16="http://schemas.microsoft.com/office/drawing/2014/main" id="{D8C10FE7-9702-B3D6-7F73-2F94367EE8FC}"/>
+          <p:cNvPr id="70" name="六角形 69">
+            <a:extLst>
+              <a:ext uri="{FF2B5EF4-FFF2-40B4-BE49-F238E27FC236}">
+                <a16:creationId xmlns:a16="http://schemas.microsoft.com/office/drawing/2014/main" id="{9ABA0172-07C8-FD29-360E-6054BC5FD642}"/>
               </a:ext>
             </a:extLst>
           </p:cNvPr>
@@ -6056,7 +5812,251 @@
         </p:nvSpPr>
         <p:spPr>
           <a:xfrm>
-            <a:off x="4161356" y="2167381"/>
+            <a:off x="1468918" y="3968624"/>
+            <a:ext cx="900000" cy="900000"/>
+          </a:xfrm>
+          <a:prstGeom prst="hexagon">
+            <a:avLst/>
+          </a:prstGeom>
+          <a:solidFill>
+            <a:srgbClr val="00B0F0"/>
+          </a:solidFill>
+          <a:ln w="12700"/>
+        </p:spPr>
+        <p:style>
+          <a:lnRef idx="2">
+            <a:schemeClr val="accent1">
+              <a:shade val="50000"/>
+            </a:schemeClr>
+          </a:lnRef>
+          <a:fillRef idx="1">
+            <a:schemeClr val="accent1"/>
+          </a:fillRef>
+          <a:effectRef idx="0">
+            <a:schemeClr val="accent1"/>
+          </a:effectRef>
+          <a:fontRef idx="minor">
+            <a:schemeClr val="lt1"/>
+          </a:fontRef>
+        </p:style>
+        <p:txBody>
+          <a:bodyPr rtlCol="0" anchor="ctr"/>
+          <a:lstStyle/>
+          <a:p>
+            <a:pPr algn="ctr"/>
+            <a:endParaRPr kumimoji="1" lang="ja-JP" altLang="en-US"/>
+          </a:p>
+        </p:txBody>
+      </p:sp>
+      <p:sp>
+        <p:nvSpPr>
+          <p:cNvPr id="71" name="六角形 70">
+            <a:extLst>
+              <a:ext uri="{FF2B5EF4-FFF2-40B4-BE49-F238E27FC236}">
+                <a16:creationId xmlns:a16="http://schemas.microsoft.com/office/drawing/2014/main" id="{2F53D961-DEAB-4A0F-5E9C-3350241C599C}"/>
+              </a:ext>
+            </a:extLst>
+          </p:cNvPr>
+          <p:cNvSpPr/>
+          <p:nvPr/>
+        </p:nvSpPr>
+        <p:spPr>
+          <a:xfrm>
+            <a:off x="2145193" y="3520529"/>
+            <a:ext cx="900000" cy="900000"/>
+          </a:xfrm>
+          <a:prstGeom prst="hexagon">
+            <a:avLst/>
+          </a:prstGeom>
+          <a:solidFill>
+            <a:srgbClr val="00B0F0"/>
+          </a:solidFill>
+          <a:ln w="12700"/>
+        </p:spPr>
+        <p:style>
+          <a:lnRef idx="2">
+            <a:schemeClr val="accent1">
+              <a:shade val="50000"/>
+            </a:schemeClr>
+          </a:lnRef>
+          <a:fillRef idx="1">
+            <a:schemeClr val="accent1"/>
+          </a:fillRef>
+          <a:effectRef idx="0">
+            <a:schemeClr val="accent1"/>
+          </a:effectRef>
+          <a:fontRef idx="minor">
+            <a:schemeClr val="lt1"/>
+          </a:fontRef>
+        </p:style>
+        <p:txBody>
+          <a:bodyPr rtlCol="0" anchor="ctr"/>
+          <a:lstStyle/>
+          <a:p>
+            <a:pPr algn="ctr"/>
+            <a:endParaRPr kumimoji="1" lang="ja-JP" altLang="en-US"/>
+          </a:p>
+        </p:txBody>
+      </p:sp>
+      <p:sp>
+        <p:nvSpPr>
+          <p:cNvPr id="72" name="六角形 71">
+            <a:extLst>
+              <a:ext uri="{FF2B5EF4-FFF2-40B4-BE49-F238E27FC236}">
+                <a16:creationId xmlns:a16="http://schemas.microsoft.com/office/drawing/2014/main" id="{8001A97C-739A-E3DC-2C1E-5A2EC4315E9B}"/>
+              </a:ext>
+            </a:extLst>
+          </p:cNvPr>
+          <p:cNvSpPr/>
+          <p:nvPr/>
+        </p:nvSpPr>
+        <p:spPr>
+          <a:xfrm>
+            <a:off x="2145193" y="2621100"/>
+            <a:ext cx="900000" cy="900000"/>
+          </a:xfrm>
+          <a:prstGeom prst="hexagon">
+            <a:avLst/>
+          </a:prstGeom>
+          <a:solidFill>
+            <a:srgbClr val="00B0F0"/>
+          </a:solidFill>
+          <a:ln w="12700"/>
+        </p:spPr>
+        <p:style>
+          <a:lnRef idx="2">
+            <a:schemeClr val="accent1">
+              <a:shade val="50000"/>
+            </a:schemeClr>
+          </a:lnRef>
+          <a:fillRef idx="1">
+            <a:schemeClr val="accent1"/>
+          </a:fillRef>
+          <a:effectRef idx="0">
+            <a:schemeClr val="accent1"/>
+          </a:effectRef>
+          <a:fontRef idx="minor">
+            <a:schemeClr val="lt1"/>
+          </a:fontRef>
+        </p:style>
+        <p:txBody>
+          <a:bodyPr rtlCol="0" anchor="ctr"/>
+          <a:lstStyle/>
+          <a:p>
+            <a:pPr algn="ctr"/>
+            <a:endParaRPr kumimoji="1" lang="ja-JP" altLang="en-US"/>
+          </a:p>
+        </p:txBody>
+      </p:sp>
+      <p:sp>
+        <p:nvSpPr>
+          <p:cNvPr id="18" name="正方形/長方形 17">
+            <a:extLst>
+              <a:ext uri="{FF2B5EF4-FFF2-40B4-BE49-F238E27FC236}">
+                <a16:creationId xmlns:a16="http://schemas.microsoft.com/office/drawing/2014/main" id="{FFE66F17-3ABB-49E2-4B2A-F36C9B4DEB74}"/>
+              </a:ext>
+            </a:extLst>
+          </p:cNvPr>
+          <p:cNvSpPr/>
+          <p:nvPr/>
+        </p:nvSpPr>
+        <p:spPr>
+          <a:xfrm>
+            <a:off x="1156254" y="1604149"/>
+            <a:ext cx="9879491" cy="3896999"/>
+          </a:xfrm>
+          <a:prstGeom prst="rect">
+            <a:avLst/>
+          </a:prstGeom>
+          <a:noFill/>
+          <a:ln w="38100">
+            <a:solidFill>
+              <a:schemeClr val="tx1"/>
+            </a:solidFill>
+          </a:ln>
+        </p:spPr>
+        <p:style>
+          <a:lnRef idx="2">
+            <a:schemeClr val="accent1">
+              <a:shade val="15000"/>
+            </a:schemeClr>
+          </a:lnRef>
+          <a:fillRef idx="1">
+            <a:schemeClr val="accent1"/>
+          </a:fillRef>
+          <a:effectRef idx="0">
+            <a:schemeClr val="accent1"/>
+          </a:effectRef>
+          <a:fontRef idx="minor">
+            <a:schemeClr val="lt1"/>
+          </a:fontRef>
+        </p:style>
+        <p:txBody>
+          <a:bodyPr rtlCol="0" anchor="ctr"/>
+          <a:lstStyle/>
+          <a:p>
+            <a:pPr algn="ctr"/>
+            <a:endParaRPr kumimoji="1" lang="ja-JP" altLang="en-US"/>
+          </a:p>
+        </p:txBody>
+      </p:sp>
+      <p:sp>
+        <p:nvSpPr>
+          <p:cNvPr id="2" name="テキスト ボックス 1">
+            <a:extLst>
+              <a:ext uri="{FF2B5EF4-FFF2-40B4-BE49-F238E27FC236}">
+                <a16:creationId xmlns:a16="http://schemas.microsoft.com/office/drawing/2014/main" id="{A0F4658D-A937-89F7-F7CE-E54595E91EF6}"/>
+              </a:ext>
+            </a:extLst>
+          </p:cNvPr>
+          <p:cNvSpPr txBox="1"/>
+          <p:nvPr/>
+        </p:nvSpPr>
+        <p:spPr>
+          <a:xfrm>
+            <a:off x="0" y="0"/>
+            <a:ext cx="5298245" cy="923330"/>
+          </a:xfrm>
+          <a:prstGeom prst="rect">
+            <a:avLst/>
+          </a:prstGeom>
+          <a:noFill/>
+        </p:spPr>
+        <p:txBody>
+          <a:bodyPr wrap="none" rtlCol="0">
+            <a:spAutoFit/>
+          </a:bodyPr>
+          <a:lstStyle/>
+          <a:p>
+            <a:r>
+              <a:rPr lang="ja-JP" altLang="en-US" sz="5400" dirty="0">
+                <a:latin typeface="GN-キルゴUかなO" panose="02000600000000000000" pitchFamily="2" charset="-128"/>
+                <a:ea typeface="GN-キルゴUかなO" panose="02000600000000000000" pitchFamily="2" charset="-128"/>
+              </a:rPr>
+              <a:t>ゲームのイメージ</a:t>
+            </a:r>
+            <a:endParaRPr kumimoji="1" lang="ja-JP" altLang="en-US" sz="5400" dirty="0">
+              <a:latin typeface="GN-キルゴUかなO" panose="02000600000000000000" pitchFamily="2" charset="-128"/>
+              <a:ea typeface="GN-キルゴUかなO" panose="02000600000000000000" pitchFamily="2" charset="-128"/>
+            </a:endParaRPr>
+          </a:p>
+        </p:txBody>
+      </p:sp>
+      <p:sp>
+        <p:nvSpPr>
+          <p:cNvPr id="19" name="六角形 18">
+            <a:extLst>
+              <a:ext uri="{FF2B5EF4-FFF2-40B4-BE49-F238E27FC236}">
+                <a16:creationId xmlns:a16="http://schemas.microsoft.com/office/drawing/2014/main" id="{AD5DCF0A-5C0B-76C8-B933-602CA4648AC3}"/>
+              </a:ext>
+            </a:extLst>
+          </p:cNvPr>
+          <p:cNvSpPr/>
+          <p:nvPr/>
+        </p:nvSpPr>
+        <p:spPr>
+          <a:xfrm>
+            <a:off x="4149781" y="3967405"/>
             <a:ext cx="900000" cy="900000"/>
           </a:xfrm>
           <a:prstGeom prst="hexagon">
@@ -6097,10 +6097,10 @@
       </p:sp>
       <p:sp>
         <p:nvSpPr>
-          <p:cNvPr id="33" name="六角形 32">
-            <a:extLst>
-              <a:ext uri="{FF2B5EF4-FFF2-40B4-BE49-F238E27FC236}">
-                <a16:creationId xmlns:a16="http://schemas.microsoft.com/office/drawing/2014/main" id="{A88CCD1A-D6AB-8ACF-0AD4-3B358B0F17A5}"/>
+          <p:cNvPr id="24" name="六角形 23">
+            <a:extLst>
+              <a:ext uri="{FF2B5EF4-FFF2-40B4-BE49-F238E27FC236}">
+                <a16:creationId xmlns:a16="http://schemas.microsoft.com/office/drawing/2014/main" id="{1F073947-247B-CB10-6B23-547D9CC329BA}"/>
               </a:ext>
             </a:extLst>
           </p:cNvPr>
@@ -6109,7 +6109,7 @@
         </p:nvSpPr>
         <p:spPr>
           <a:xfrm>
-            <a:off x="8178180" y="2627257"/>
+            <a:off x="4826056" y="3519310"/>
             <a:ext cx="900000" cy="900000"/>
           </a:xfrm>
           <a:prstGeom prst="hexagon">
@@ -6150,10 +6150,10 @@
       </p:sp>
       <p:sp>
         <p:nvSpPr>
-          <p:cNvPr id="34" name="六角形 33">
-            <a:extLst>
-              <a:ext uri="{FF2B5EF4-FFF2-40B4-BE49-F238E27FC236}">
-                <a16:creationId xmlns:a16="http://schemas.microsoft.com/office/drawing/2014/main" id="{3ADA2276-12E9-8D18-1E30-3CBF3936C060}"/>
+          <p:cNvPr id="31" name="六角形 30">
+            <a:extLst>
+              <a:ext uri="{FF2B5EF4-FFF2-40B4-BE49-F238E27FC236}">
+                <a16:creationId xmlns:a16="http://schemas.microsoft.com/office/drawing/2014/main" id="{C5923BFE-B38C-6CEE-9EE5-F343AF919F7F}"/>
               </a:ext>
             </a:extLst>
           </p:cNvPr>
@@ -6162,7 +6162,7 @@
         </p:nvSpPr>
         <p:spPr>
           <a:xfrm>
-            <a:off x="7510853" y="2175328"/>
+            <a:off x="4828683" y="2619310"/>
             <a:ext cx="900000" cy="900000"/>
           </a:xfrm>
           <a:prstGeom prst="hexagon">
@@ -6203,10 +6203,10 @@
       </p:sp>
       <p:sp>
         <p:nvSpPr>
-          <p:cNvPr id="35" name="六角形 34">
-            <a:extLst>
-              <a:ext uri="{FF2B5EF4-FFF2-40B4-BE49-F238E27FC236}">
-                <a16:creationId xmlns:a16="http://schemas.microsoft.com/office/drawing/2014/main" id="{0CEB4E0A-A4A4-7E6E-4697-DFB9888A4866}"/>
+          <p:cNvPr id="32" name="六角形 31">
+            <a:extLst>
+              <a:ext uri="{FF2B5EF4-FFF2-40B4-BE49-F238E27FC236}">
+                <a16:creationId xmlns:a16="http://schemas.microsoft.com/office/drawing/2014/main" id="{D8C10FE7-9702-B3D6-7F73-2F94367EE8FC}"/>
               </a:ext>
             </a:extLst>
           </p:cNvPr>
@@ -6215,7 +6215,7 @@
         </p:nvSpPr>
         <p:spPr>
           <a:xfrm>
-            <a:off x="6839716" y="1719589"/>
+            <a:off x="4161356" y="2167381"/>
             <a:ext cx="900000" cy="900000"/>
           </a:xfrm>
           <a:prstGeom prst="hexagon">
@@ -6254,312 +6254,12 @@
           </a:p>
         </p:txBody>
       </p:sp>
-      <p:cxnSp>
-        <p:nvCxnSpPr>
-          <p:cNvPr id="36" name="直線コネクタ 35">
-            <a:extLst>
-              <a:ext uri="{FF2B5EF4-FFF2-40B4-BE49-F238E27FC236}">
-                <a16:creationId xmlns:a16="http://schemas.microsoft.com/office/drawing/2014/main" id="{CCDCF1F3-4370-5714-4689-F13D52EB0FEC}"/>
-              </a:ext>
-            </a:extLst>
-          </p:cNvPr>
-          <p:cNvCxnSpPr>
-            <a:cxnSpLocks/>
-          </p:cNvCxnSpPr>
-          <p:nvPr/>
-        </p:nvCxnSpPr>
-        <p:spPr>
-          <a:xfrm>
-            <a:off x="9055360" y="2617381"/>
-            <a:ext cx="1181297" cy="0"/>
-          </a:xfrm>
-          <a:prstGeom prst="line">
-            <a:avLst/>
-          </a:prstGeom>
-        </p:spPr>
-        <p:style>
-          <a:lnRef idx="2">
-            <a:schemeClr val="accent1"/>
-          </a:lnRef>
-          <a:fillRef idx="0">
-            <a:schemeClr val="accent1"/>
-          </a:fillRef>
-          <a:effectRef idx="1">
-            <a:schemeClr val="accent1"/>
-          </a:effectRef>
-          <a:fontRef idx="minor">
-            <a:schemeClr val="tx1"/>
-          </a:fontRef>
-        </p:style>
-      </p:cxnSp>
-      <p:cxnSp>
-        <p:nvCxnSpPr>
-          <p:cNvPr id="37" name="直線コネクタ 36">
-            <a:extLst>
-              <a:ext uri="{FF2B5EF4-FFF2-40B4-BE49-F238E27FC236}">
-                <a16:creationId xmlns:a16="http://schemas.microsoft.com/office/drawing/2014/main" id="{C1D5DA92-CE7E-3802-F209-E28C4E85C384}"/>
-              </a:ext>
-            </a:extLst>
-          </p:cNvPr>
-          <p:cNvCxnSpPr>
-            <a:cxnSpLocks/>
-          </p:cNvCxnSpPr>
-          <p:nvPr/>
-        </p:nvCxnSpPr>
-        <p:spPr>
-          <a:xfrm>
-            <a:off x="9466733" y="2959851"/>
-            <a:ext cx="966243" cy="0"/>
-          </a:xfrm>
-          <a:prstGeom prst="line">
-            <a:avLst/>
-          </a:prstGeom>
-        </p:spPr>
-        <p:style>
-          <a:lnRef idx="2">
-            <a:schemeClr val="accent1"/>
-          </a:lnRef>
-          <a:fillRef idx="0">
-            <a:schemeClr val="accent1"/>
-          </a:fillRef>
-          <a:effectRef idx="1">
-            <a:schemeClr val="accent1"/>
-          </a:effectRef>
-          <a:fontRef idx="minor">
-            <a:schemeClr val="tx1"/>
-          </a:fontRef>
-        </p:style>
-      </p:cxnSp>
-      <p:cxnSp>
-        <p:nvCxnSpPr>
-          <p:cNvPr id="38" name="直線コネクタ 37">
-            <a:extLst>
-              <a:ext uri="{FF2B5EF4-FFF2-40B4-BE49-F238E27FC236}">
-                <a16:creationId xmlns:a16="http://schemas.microsoft.com/office/drawing/2014/main" id="{22C196DA-1D86-738E-DFE7-1F5B51ACA909}"/>
-              </a:ext>
-            </a:extLst>
-          </p:cNvPr>
-          <p:cNvCxnSpPr>
-            <a:cxnSpLocks/>
-          </p:cNvCxnSpPr>
-          <p:nvPr/>
-        </p:nvCxnSpPr>
-        <p:spPr>
-          <a:xfrm flipV="1">
-            <a:off x="9138663" y="3325157"/>
-            <a:ext cx="1014690" cy="14274"/>
-          </a:xfrm>
-          <a:prstGeom prst="line">
-            <a:avLst/>
-          </a:prstGeom>
-        </p:spPr>
-        <p:style>
-          <a:lnRef idx="2">
-            <a:schemeClr val="accent1"/>
-          </a:lnRef>
-          <a:fillRef idx="0">
-            <a:schemeClr val="accent1"/>
-          </a:fillRef>
-          <a:effectRef idx="1">
-            <a:schemeClr val="accent1"/>
-          </a:effectRef>
-          <a:fontRef idx="minor">
-            <a:schemeClr val="tx1"/>
-          </a:fontRef>
-        </p:style>
-      </p:cxnSp>
-      <p:cxnSp>
-        <p:nvCxnSpPr>
-          <p:cNvPr id="39" name="直線コネクタ 38">
-            <a:extLst>
-              <a:ext uri="{FF2B5EF4-FFF2-40B4-BE49-F238E27FC236}">
-                <a16:creationId xmlns:a16="http://schemas.microsoft.com/office/drawing/2014/main" id="{C3E06EDE-6172-1999-D0F9-07C440B61A5D}"/>
-              </a:ext>
-            </a:extLst>
-          </p:cNvPr>
-          <p:cNvCxnSpPr>
-            <a:cxnSpLocks/>
-          </p:cNvCxnSpPr>
-          <p:nvPr/>
-        </p:nvCxnSpPr>
-        <p:spPr>
-          <a:xfrm>
-            <a:off x="8066656" y="2042414"/>
-            <a:ext cx="1519304" cy="0"/>
-          </a:xfrm>
-          <a:prstGeom prst="line">
-            <a:avLst/>
-          </a:prstGeom>
-        </p:spPr>
-        <p:style>
-          <a:lnRef idx="2">
-            <a:schemeClr val="accent1"/>
-          </a:lnRef>
-          <a:fillRef idx="0">
-            <a:schemeClr val="accent1"/>
-          </a:fillRef>
-          <a:effectRef idx="1">
-            <a:schemeClr val="accent1"/>
-          </a:effectRef>
-          <a:fontRef idx="minor">
-            <a:schemeClr val="tx1"/>
-          </a:fontRef>
-        </p:style>
-      </p:cxnSp>
-      <p:cxnSp>
-        <p:nvCxnSpPr>
-          <p:cNvPr id="40" name="直線コネクタ 39">
-            <a:extLst>
-              <a:ext uri="{FF2B5EF4-FFF2-40B4-BE49-F238E27FC236}">
-                <a16:creationId xmlns:a16="http://schemas.microsoft.com/office/drawing/2014/main" id="{7A84AD8B-A722-E1A9-5836-072D38B5DD52}"/>
-              </a:ext>
-            </a:extLst>
-          </p:cNvPr>
-          <p:cNvCxnSpPr>
-            <a:cxnSpLocks/>
-          </p:cNvCxnSpPr>
-          <p:nvPr/>
-        </p:nvCxnSpPr>
-        <p:spPr>
-          <a:xfrm>
-            <a:off x="8550859" y="2342212"/>
-            <a:ext cx="931747" cy="0"/>
-          </a:xfrm>
-          <a:prstGeom prst="line">
-            <a:avLst/>
-          </a:prstGeom>
-        </p:spPr>
-        <p:style>
-          <a:lnRef idx="2">
-            <a:schemeClr val="accent1"/>
-          </a:lnRef>
-          <a:fillRef idx="0">
-            <a:schemeClr val="accent1"/>
-          </a:fillRef>
-          <a:effectRef idx="1">
-            <a:schemeClr val="accent1"/>
-          </a:effectRef>
-          <a:fontRef idx="minor">
-            <a:schemeClr val="tx1"/>
-          </a:fontRef>
-        </p:style>
-      </p:cxnSp>
-      <p:cxnSp>
-        <p:nvCxnSpPr>
-          <p:cNvPr id="41" name="直線コネクタ 40">
-            <a:extLst>
-              <a:ext uri="{FF2B5EF4-FFF2-40B4-BE49-F238E27FC236}">
-                <a16:creationId xmlns:a16="http://schemas.microsoft.com/office/drawing/2014/main" id="{C6CB91D0-1E5C-BAD2-9758-7ED513FF6871}"/>
-              </a:ext>
-            </a:extLst>
-          </p:cNvPr>
-          <p:cNvCxnSpPr>
-            <a:cxnSpLocks/>
-          </p:cNvCxnSpPr>
-          <p:nvPr/>
-        </p:nvCxnSpPr>
-        <p:spPr>
-          <a:xfrm>
-            <a:off x="7743350" y="1785334"/>
-            <a:ext cx="1544890" cy="5338"/>
-          </a:xfrm>
-          <a:prstGeom prst="line">
-            <a:avLst/>
-          </a:prstGeom>
-        </p:spPr>
-        <p:style>
-          <a:lnRef idx="2">
-            <a:schemeClr val="accent1"/>
-          </a:lnRef>
-          <a:fillRef idx="0">
-            <a:schemeClr val="accent1"/>
-          </a:fillRef>
-          <a:effectRef idx="1">
-            <a:schemeClr val="accent1"/>
-          </a:effectRef>
-          <a:fontRef idx="minor">
-            <a:schemeClr val="tx1"/>
-          </a:fontRef>
-        </p:style>
-      </p:cxnSp>
-      <p:pic>
-        <p:nvPicPr>
-          <p:cNvPr id="45" name="図 44">
-            <a:extLst>
-              <a:ext uri="{FF2B5EF4-FFF2-40B4-BE49-F238E27FC236}">
-                <a16:creationId xmlns:a16="http://schemas.microsoft.com/office/drawing/2014/main" id="{BA32613C-8A25-2C3A-C4FE-FF4008605EBD}"/>
-              </a:ext>
-            </a:extLst>
-          </p:cNvPr>
-          <p:cNvPicPr>
-            <a:picLocks noChangeAspect="1"/>
-          </p:cNvPicPr>
-          <p:nvPr/>
-        </p:nvPicPr>
-        <p:blipFill>
-          <a:blip r:embed="rId2">
-            <a:extLst>
-              <a:ext uri="{28A0092B-C50C-407E-A947-70E740481C1C}">
-                <a14:useLocalDpi xmlns:a14="http://schemas.microsoft.com/office/drawing/2010/main" val="0"/>
-              </a:ext>
-            </a:extLst>
-          </a:blip>
-          <a:stretch>
-            <a:fillRect/>
-          </a:stretch>
-        </p:blipFill>
-        <p:spPr>
-          <a:xfrm flipH="1">
-            <a:off x="4076685" y="1583245"/>
-            <a:ext cx="1214507" cy="1214507"/>
-          </a:xfrm>
-          <a:prstGeom prst="rect">
-            <a:avLst/>
-          </a:prstGeom>
-        </p:spPr>
-      </p:pic>
-      <p:pic>
-        <p:nvPicPr>
-          <p:cNvPr id="46" name="図 45">
-            <a:extLst>
-              <a:ext uri="{FF2B5EF4-FFF2-40B4-BE49-F238E27FC236}">
-                <a16:creationId xmlns:a16="http://schemas.microsoft.com/office/drawing/2014/main" id="{08EEEBD6-9CDC-49B8-0A24-D73BE7EFED53}"/>
-              </a:ext>
-            </a:extLst>
-          </p:cNvPr>
-          <p:cNvPicPr>
-            <a:picLocks noChangeAspect="1"/>
-          </p:cNvPicPr>
-          <p:nvPr/>
-        </p:nvPicPr>
-        <p:blipFill>
-          <a:blip r:embed="rId3">
-            <a:extLst>
-              <a:ext uri="{28A0092B-C50C-407E-A947-70E740481C1C}">
-                <a14:useLocalDpi xmlns:a14="http://schemas.microsoft.com/office/drawing/2010/main" val="0"/>
-              </a:ext>
-            </a:extLst>
-          </a:blip>
-          <a:stretch>
-            <a:fillRect/>
-          </a:stretch>
-        </p:blipFill>
-        <p:spPr>
-          <a:xfrm>
-            <a:off x="4161356" y="4103446"/>
-            <a:ext cx="930826" cy="501214"/>
-          </a:xfrm>
-          <a:prstGeom prst="rect">
-            <a:avLst/>
-          </a:prstGeom>
-        </p:spPr>
-      </p:pic>
-      <p:sp>
-        <p:nvSpPr>
-          <p:cNvPr id="47" name="六角形 46">
-            <a:extLst>
-              <a:ext uri="{FF2B5EF4-FFF2-40B4-BE49-F238E27FC236}">
-                <a16:creationId xmlns:a16="http://schemas.microsoft.com/office/drawing/2014/main" id="{7B028AE0-391C-4F2F-0CFB-8B29B6A80C4B}"/>
+      <p:sp>
+        <p:nvSpPr>
+          <p:cNvPr id="33" name="六角形 32">
+            <a:extLst>
+              <a:ext uri="{FF2B5EF4-FFF2-40B4-BE49-F238E27FC236}">
+                <a16:creationId xmlns:a16="http://schemas.microsoft.com/office/drawing/2014/main" id="{A88CCD1A-D6AB-8ACF-0AD4-3B358B0F17A5}"/>
               </a:ext>
             </a:extLst>
           </p:cNvPr>
@@ -6568,7 +6268,7 @@
         </p:nvSpPr>
         <p:spPr>
           <a:xfrm>
-            <a:off x="6169089" y="4427296"/>
+            <a:off x="8178180" y="2627257"/>
             <a:ext cx="900000" cy="900000"/>
           </a:xfrm>
           <a:prstGeom prst="hexagon">
@@ -6609,10 +6309,10 @@
       </p:sp>
       <p:sp>
         <p:nvSpPr>
-          <p:cNvPr id="48" name="六角形 47">
-            <a:extLst>
-              <a:ext uri="{FF2B5EF4-FFF2-40B4-BE49-F238E27FC236}">
-                <a16:creationId xmlns:a16="http://schemas.microsoft.com/office/drawing/2014/main" id="{E09AD067-FBE6-4AAD-EDE5-B9D8A3AB614A}"/>
+          <p:cNvPr id="34" name="六角形 33">
+            <a:extLst>
+              <a:ext uri="{FF2B5EF4-FFF2-40B4-BE49-F238E27FC236}">
+                <a16:creationId xmlns:a16="http://schemas.microsoft.com/office/drawing/2014/main" id="{3ADA2276-12E9-8D18-1E30-3CBF3936C060}"/>
               </a:ext>
             </a:extLst>
           </p:cNvPr>
@@ -6621,7 +6321,7 @@
         </p:nvSpPr>
         <p:spPr>
           <a:xfrm>
-            <a:off x="5497952" y="3971557"/>
+            <a:off x="7510853" y="2175328"/>
             <a:ext cx="900000" cy="900000"/>
           </a:xfrm>
           <a:prstGeom prst="hexagon">
@@ -6662,10 +6362,10 @@
       </p:sp>
       <p:sp>
         <p:nvSpPr>
-          <p:cNvPr id="49" name="六角形 48">
-            <a:extLst>
-              <a:ext uri="{FF2B5EF4-FFF2-40B4-BE49-F238E27FC236}">
-                <a16:creationId xmlns:a16="http://schemas.microsoft.com/office/drawing/2014/main" id="{58FBDB7E-281F-5B29-C825-4108745E0996}"/>
+          <p:cNvPr id="35" name="六角形 34">
+            <a:extLst>
+              <a:ext uri="{FF2B5EF4-FFF2-40B4-BE49-F238E27FC236}">
+                <a16:creationId xmlns:a16="http://schemas.microsoft.com/office/drawing/2014/main" id="{0CEB4E0A-A4A4-7E6E-4697-DFB9888A4866}"/>
               </a:ext>
             </a:extLst>
           </p:cNvPr>
@@ -6674,7 +6374,7 @@
         </p:nvSpPr>
         <p:spPr>
           <a:xfrm>
-            <a:off x="9912523" y="4435125"/>
+            <a:off x="6839716" y="1719589"/>
             <a:ext cx="900000" cy="900000"/>
           </a:xfrm>
           <a:prstGeom prst="hexagon">
@@ -6713,12 +6413,276 @@
           </a:p>
         </p:txBody>
       </p:sp>
-      <p:sp>
-        <p:nvSpPr>
-          <p:cNvPr id="50" name="六角形 49">
-            <a:extLst>
-              <a:ext uri="{FF2B5EF4-FFF2-40B4-BE49-F238E27FC236}">
-                <a16:creationId xmlns:a16="http://schemas.microsoft.com/office/drawing/2014/main" id="{60FB55C3-93FC-1C8A-53E9-06B1A47D508F}"/>
+      <p:cxnSp>
+        <p:nvCxnSpPr>
+          <p:cNvPr id="36" name="直線コネクタ 35">
+            <a:extLst>
+              <a:ext uri="{FF2B5EF4-FFF2-40B4-BE49-F238E27FC236}">
+                <a16:creationId xmlns:a16="http://schemas.microsoft.com/office/drawing/2014/main" id="{CCDCF1F3-4370-5714-4689-F13D52EB0FEC}"/>
+              </a:ext>
+            </a:extLst>
+          </p:cNvPr>
+          <p:cNvCxnSpPr>
+            <a:cxnSpLocks/>
+          </p:cNvCxnSpPr>
+          <p:nvPr/>
+        </p:nvCxnSpPr>
+        <p:spPr>
+          <a:xfrm>
+            <a:off x="9055360" y="2617381"/>
+            <a:ext cx="1181297" cy="0"/>
+          </a:xfrm>
+          <a:prstGeom prst="line">
+            <a:avLst/>
+          </a:prstGeom>
+        </p:spPr>
+        <p:style>
+          <a:lnRef idx="2">
+            <a:schemeClr val="accent1"/>
+          </a:lnRef>
+          <a:fillRef idx="0">
+            <a:schemeClr val="accent1"/>
+          </a:fillRef>
+          <a:effectRef idx="1">
+            <a:schemeClr val="accent1"/>
+          </a:effectRef>
+          <a:fontRef idx="minor">
+            <a:schemeClr val="tx1"/>
+          </a:fontRef>
+        </p:style>
+      </p:cxnSp>
+      <p:cxnSp>
+        <p:nvCxnSpPr>
+          <p:cNvPr id="37" name="直線コネクタ 36">
+            <a:extLst>
+              <a:ext uri="{FF2B5EF4-FFF2-40B4-BE49-F238E27FC236}">
+                <a16:creationId xmlns:a16="http://schemas.microsoft.com/office/drawing/2014/main" id="{C1D5DA92-CE7E-3802-F209-E28C4E85C384}"/>
+              </a:ext>
+            </a:extLst>
+          </p:cNvPr>
+          <p:cNvCxnSpPr>
+            <a:cxnSpLocks/>
+          </p:cNvCxnSpPr>
+          <p:nvPr/>
+        </p:nvCxnSpPr>
+        <p:spPr>
+          <a:xfrm>
+            <a:off x="9466733" y="2959851"/>
+            <a:ext cx="966243" cy="0"/>
+          </a:xfrm>
+          <a:prstGeom prst="line">
+            <a:avLst/>
+          </a:prstGeom>
+        </p:spPr>
+        <p:style>
+          <a:lnRef idx="2">
+            <a:schemeClr val="accent1"/>
+          </a:lnRef>
+          <a:fillRef idx="0">
+            <a:schemeClr val="accent1"/>
+          </a:fillRef>
+          <a:effectRef idx="1">
+            <a:schemeClr val="accent1"/>
+          </a:effectRef>
+          <a:fontRef idx="minor">
+            <a:schemeClr val="tx1"/>
+          </a:fontRef>
+        </p:style>
+      </p:cxnSp>
+      <p:cxnSp>
+        <p:nvCxnSpPr>
+          <p:cNvPr id="38" name="直線コネクタ 37">
+            <a:extLst>
+              <a:ext uri="{FF2B5EF4-FFF2-40B4-BE49-F238E27FC236}">
+                <a16:creationId xmlns:a16="http://schemas.microsoft.com/office/drawing/2014/main" id="{22C196DA-1D86-738E-DFE7-1F5B51ACA909}"/>
+              </a:ext>
+            </a:extLst>
+          </p:cNvPr>
+          <p:cNvCxnSpPr>
+            <a:cxnSpLocks/>
+          </p:cNvCxnSpPr>
+          <p:nvPr/>
+        </p:nvCxnSpPr>
+        <p:spPr>
+          <a:xfrm flipV="1">
+            <a:off x="9138663" y="3325157"/>
+            <a:ext cx="1014690" cy="14274"/>
+          </a:xfrm>
+          <a:prstGeom prst="line">
+            <a:avLst/>
+          </a:prstGeom>
+        </p:spPr>
+        <p:style>
+          <a:lnRef idx="2">
+            <a:schemeClr val="accent1"/>
+          </a:lnRef>
+          <a:fillRef idx="0">
+            <a:schemeClr val="accent1"/>
+          </a:fillRef>
+          <a:effectRef idx="1">
+            <a:schemeClr val="accent1"/>
+          </a:effectRef>
+          <a:fontRef idx="minor">
+            <a:schemeClr val="tx1"/>
+          </a:fontRef>
+        </p:style>
+      </p:cxnSp>
+      <p:cxnSp>
+        <p:nvCxnSpPr>
+          <p:cNvPr id="39" name="直線コネクタ 38">
+            <a:extLst>
+              <a:ext uri="{FF2B5EF4-FFF2-40B4-BE49-F238E27FC236}">
+                <a16:creationId xmlns:a16="http://schemas.microsoft.com/office/drawing/2014/main" id="{C3E06EDE-6172-1999-D0F9-07C440B61A5D}"/>
+              </a:ext>
+            </a:extLst>
+          </p:cNvPr>
+          <p:cNvCxnSpPr>
+            <a:cxnSpLocks/>
+          </p:cNvCxnSpPr>
+          <p:nvPr/>
+        </p:nvCxnSpPr>
+        <p:spPr>
+          <a:xfrm>
+            <a:off x="8066656" y="2042414"/>
+            <a:ext cx="1519304" cy="0"/>
+          </a:xfrm>
+          <a:prstGeom prst="line">
+            <a:avLst/>
+          </a:prstGeom>
+        </p:spPr>
+        <p:style>
+          <a:lnRef idx="2">
+            <a:schemeClr val="accent1"/>
+          </a:lnRef>
+          <a:fillRef idx="0">
+            <a:schemeClr val="accent1"/>
+          </a:fillRef>
+          <a:effectRef idx="1">
+            <a:schemeClr val="accent1"/>
+          </a:effectRef>
+          <a:fontRef idx="minor">
+            <a:schemeClr val="tx1"/>
+          </a:fontRef>
+        </p:style>
+      </p:cxnSp>
+      <p:cxnSp>
+        <p:nvCxnSpPr>
+          <p:cNvPr id="40" name="直線コネクタ 39">
+            <a:extLst>
+              <a:ext uri="{FF2B5EF4-FFF2-40B4-BE49-F238E27FC236}">
+                <a16:creationId xmlns:a16="http://schemas.microsoft.com/office/drawing/2014/main" id="{7A84AD8B-A722-E1A9-5836-072D38B5DD52}"/>
+              </a:ext>
+            </a:extLst>
+          </p:cNvPr>
+          <p:cNvCxnSpPr>
+            <a:cxnSpLocks/>
+          </p:cNvCxnSpPr>
+          <p:nvPr/>
+        </p:nvCxnSpPr>
+        <p:spPr>
+          <a:xfrm>
+            <a:off x="8550859" y="2342212"/>
+            <a:ext cx="931747" cy="0"/>
+          </a:xfrm>
+          <a:prstGeom prst="line">
+            <a:avLst/>
+          </a:prstGeom>
+        </p:spPr>
+        <p:style>
+          <a:lnRef idx="2">
+            <a:schemeClr val="accent1"/>
+          </a:lnRef>
+          <a:fillRef idx="0">
+            <a:schemeClr val="accent1"/>
+          </a:fillRef>
+          <a:effectRef idx="1">
+            <a:schemeClr val="accent1"/>
+          </a:effectRef>
+          <a:fontRef idx="minor">
+            <a:schemeClr val="tx1"/>
+          </a:fontRef>
+        </p:style>
+      </p:cxnSp>
+      <p:cxnSp>
+        <p:nvCxnSpPr>
+          <p:cNvPr id="41" name="直線コネクタ 40">
+            <a:extLst>
+              <a:ext uri="{FF2B5EF4-FFF2-40B4-BE49-F238E27FC236}">
+                <a16:creationId xmlns:a16="http://schemas.microsoft.com/office/drawing/2014/main" id="{C6CB91D0-1E5C-BAD2-9758-7ED513FF6871}"/>
+              </a:ext>
+            </a:extLst>
+          </p:cNvPr>
+          <p:cNvCxnSpPr>
+            <a:cxnSpLocks/>
+          </p:cNvCxnSpPr>
+          <p:nvPr/>
+        </p:nvCxnSpPr>
+        <p:spPr>
+          <a:xfrm>
+            <a:off x="7743350" y="1785334"/>
+            <a:ext cx="1544890" cy="5338"/>
+          </a:xfrm>
+          <a:prstGeom prst="line">
+            <a:avLst/>
+          </a:prstGeom>
+        </p:spPr>
+        <p:style>
+          <a:lnRef idx="2">
+            <a:schemeClr val="accent1"/>
+          </a:lnRef>
+          <a:fillRef idx="0">
+            <a:schemeClr val="accent1"/>
+          </a:fillRef>
+          <a:effectRef idx="1">
+            <a:schemeClr val="accent1"/>
+          </a:effectRef>
+          <a:fontRef idx="minor">
+            <a:schemeClr val="tx1"/>
+          </a:fontRef>
+        </p:style>
+      </p:cxnSp>
+      <p:pic>
+        <p:nvPicPr>
+          <p:cNvPr id="46" name="図 45">
+            <a:extLst>
+              <a:ext uri="{FF2B5EF4-FFF2-40B4-BE49-F238E27FC236}">
+                <a16:creationId xmlns:a16="http://schemas.microsoft.com/office/drawing/2014/main" id="{08EEEBD6-9CDC-49B8-0A24-D73BE7EFED53}"/>
+              </a:ext>
+            </a:extLst>
+          </p:cNvPr>
+          <p:cNvPicPr>
+            <a:picLocks noChangeAspect="1"/>
+          </p:cNvPicPr>
+          <p:nvPr/>
+        </p:nvPicPr>
+        <p:blipFill>
+          <a:blip r:embed="rId2">
+            <a:extLst>
+              <a:ext uri="{28A0092B-C50C-407E-A947-70E740481C1C}">
+                <a14:useLocalDpi xmlns:a14="http://schemas.microsoft.com/office/drawing/2010/main" val="0"/>
+              </a:ext>
+            </a:extLst>
+          </a:blip>
+          <a:stretch>
+            <a:fillRect/>
+          </a:stretch>
+        </p:blipFill>
+        <p:spPr>
+          <a:xfrm>
+            <a:off x="4891605" y="2721884"/>
+            <a:ext cx="930826" cy="501214"/>
+          </a:xfrm>
+          <a:prstGeom prst="rect">
+            <a:avLst/>
+          </a:prstGeom>
+        </p:spPr>
+      </p:pic>
+      <p:sp>
+        <p:nvSpPr>
+          <p:cNvPr id="47" name="六角形 46">
+            <a:extLst>
+              <a:ext uri="{FF2B5EF4-FFF2-40B4-BE49-F238E27FC236}">
+                <a16:creationId xmlns:a16="http://schemas.microsoft.com/office/drawing/2014/main" id="{7B028AE0-391C-4F2F-0CFB-8B29B6A80C4B}"/>
               </a:ext>
             </a:extLst>
           </p:cNvPr>
@@ -6727,7 +6691,7 @@
         </p:nvSpPr>
         <p:spPr>
           <a:xfrm>
-            <a:off x="9241386" y="3979386"/>
+            <a:off x="6169089" y="4427296"/>
             <a:ext cx="900000" cy="900000"/>
           </a:xfrm>
           <a:prstGeom prst="hexagon">
@@ -6768,10 +6732,10 @@
       </p:sp>
       <p:sp>
         <p:nvSpPr>
-          <p:cNvPr id="51" name="六角形 50">
-            <a:extLst>
-              <a:ext uri="{FF2B5EF4-FFF2-40B4-BE49-F238E27FC236}">
-                <a16:creationId xmlns:a16="http://schemas.microsoft.com/office/drawing/2014/main" id="{FF9B25FF-CB9D-C059-6840-340950E34C61}"/>
+          <p:cNvPr id="48" name="六角形 47">
+            <a:extLst>
+              <a:ext uri="{FF2B5EF4-FFF2-40B4-BE49-F238E27FC236}">
+                <a16:creationId xmlns:a16="http://schemas.microsoft.com/office/drawing/2014/main" id="{E09AD067-FBE6-4AAD-EDE5-B9D8A3AB614A}"/>
               </a:ext>
             </a:extLst>
           </p:cNvPr>
@@ -6780,7 +6744,7 @@
         </p:nvSpPr>
         <p:spPr>
           <a:xfrm>
-            <a:off x="8566733" y="4430045"/>
+            <a:off x="5497952" y="3971557"/>
             <a:ext cx="900000" cy="900000"/>
           </a:xfrm>
           <a:prstGeom prst="hexagon">
@@ -6821,10 +6785,10 @@
       </p:sp>
       <p:sp>
         <p:nvSpPr>
-          <p:cNvPr id="52" name="六角形 51">
-            <a:extLst>
-              <a:ext uri="{FF2B5EF4-FFF2-40B4-BE49-F238E27FC236}">
-                <a16:creationId xmlns:a16="http://schemas.microsoft.com/office/drawing/2014/main" id="{33DB9C58-3991-FB5A-5750-A2D0F4AFF306}"/>
+          <p:cNvPr id="49" name="六角形 48">
+            <a:extLst>
+              <a:ext uri="{FF2B5EF4-FFF2-40B4-BE49-F238E27FC236}">
+                <a16:creationId xmlns:a16="http://schemas.microsoft.com/office/drawing/2014/main" id="{58FBDB7E-281F-5B29-C825-4108745E0996}"/>
               </a:ext>
             </a:extLst>
           </p:cNvPr>
@@ -6833,7 +6797,7 @@
         </p:nvSpPr>
         <p:spPr>
           <a:xfrm>
-            <a:off x="7892080" y="3981106"/>
+            <a:off x="9912523" y="4435125"/>
             <a:ext cx="900000" cy="900000"/>
           </a:xfrm>
           <a:prstGeom prst="hexagon">
@@ -6872,6 +6836,165 @@
           </a:p>
         </p:txBody>
       </p:sp>
+      <p:sp>
+        <p:nvSpPr>
+          <p:cNvPr id="50" name="六角形 49">
+            <a:extLst>
+              <a:ext uri="{FF2B5EF4-FFF2-40B4-BE49-F238E27FC236}">
+                <a16:creationId xmlns:a16="http://schemas.microsoft.com/office/drawing/2014/main" id="{60FB55C3-93FC-1C8A-53E9-06B1A47D508F}"/>
+              </a:ext>
+            </a:extLst>
+          </p:cNvPr>
+          <p:cNvSpPr/>
+          <p:nvPr/>
+        </p:nvSpPr>
+        <p:spPr>
+          <a:xfrm>
+            <a:off x="9241386" y="3979386"/>
+            <a:ext cx="900000" cy="900000"/>
+          </a:xfrm>
+          <a:prstGeom prst="hexagon">
+            <a:avLst/>
+          </a:prstGeom>
+          <a:solidFill>
+            <a:schemeClr val="accent1">
+              <a:lumMod val="20000"/>
+              <a:lumOff val="80000"/>
+            </a:schemeClr>
+          </a:solidFill>
+          <a:ln w="12700"/>
+        </p:spPr>
+        <p:style>
+          <a:lnRef idx="2">
+            <a:schemeClr val="accent1">
+              <a:shade val="50000"/>
+            </a:schemeClr>
+          </a:lnRef>
+          <a:fillRef idx="1">
+            <a:schemeClr val="accent1"/>
+          </a:fillRef>
+          <a:effectRef idx="0">
+            <a:schemeClr val="accent1"/>
+          </a:effectRef>
+          <a:fontRef idx="minor">
+            <a:schemeClr val="lt1"/>
+          </a:fontRef>
+        </p:style>
+        <p:txBody>
+          <a:bodyPr rtlCol="0" anchor="ctr"/>
+          <a:lstStyle/>
+          <a:p>
+            <a:pPr algn="ctr"/>
+            <a:endParaRPr kumimoji="1" lang="ja-JP" altLang="en-US"/>
+          </a:p>
+        </p:txBody>
+      </p:sp>
+      <p:sp>
+        <p:nvSpPr>
+          <p:cNvPr id="51" name="六角形 50">
+            <a:extLst>
+              <a:ext uri="{FF2B5EF4-FFF2-40B4-BE49-F238E27FC236}">
+                <a16:creationId xmlns:a16="http://schemas.microsoft.com/office/drawing/2014/main" id="{FF9B25FF-CB9D-C059-6840-340950E34C61}"/>
+              </a:ext>
+            </a:extLst>
+          </p:cNvPr>
+          <p:cNvSpPr/>
+          <p:nvPr/>
+        </p:nvSpPr>
+        <p:spPr>
+          <a:xfrm>
+            <a:off x="8566733" y="4430045"/>
+            <a:ext cx="900000" cy="900000"/>
+          </a:xfrm>
+          <a:prstGeom prst="hexagon">
+            <a:avLst/>
+          </a:prstGeom>
+          <a:solidFill>
+            <a:schemeClr val="accent1">
+              <a:lumMod val="20000"/>
+              <a:lumOff val="80000"/>
+            </a:schemeClr>
+          </a:solidFill>
+          <a:ln w="12700"/>
+        </p:spPr>
+        <p:style>
+          <a:lnRef idx="2">
+            <a:schemeClr val="accent1">
+              <a:shade val="50000"/>
+            </a:schemeClr>
+          </a:lnRef>
+          <a:fillRef idx="1">
+            <a:schemeClr val="accent1"/>
+          </a:fillRef>
+          <a:effectRef idx="0">
+            <a:schemeClr val="accent1"/>
+          </a:effectRef>
+          <a:fontRef idx="minor">
+            <a:schemeClr val="lt1"/>
+          </a:fontRef>
+        </p:style>
+        <p:txBody>
+          <a:bodyPr rtlCol="0" anchor="ctr"/>
+          <a:lstStyle/>
+          <a:p>
+            <a:pPr algn="ctr"/>
+            <a:endParaRPr kumimoji="1" lang="ja-JP" altLang="en-US"/>
+          </a:p>
+        </p:txBody>
+      </p:sp>
+      <p:sp>
+        <p:nvSpPr>
+          <p:cNvPr id="52" name="六角形 51">
+            <a:extLst>
+              <a:ext uri="{FF2B5EF4-FFF2-40B4-BE49-F238E27FC236}">
+                <a16:creationId xmlns:a16="http://schemas.microsoft.com/office/drawing/2014/main" id="{33DB9C58-3991-FB5A-5750-A2D0F4AFF306}"/>
+              </a:ext>
+            </a:extLst>
+          </p:cNvPr>
+          <p:cNvSpPr/>
+          <p:nvPr/>
+        </p:nvSpPr>
+        <p:spPr>
+          <a:xfrm>
+            <a:off x="7892080" y="3981106"/>
+            <a:ext cx="900000" cy="900000"/>
+          </a:xfrm>
+          <a:prstGeom prst="hexagon">
+            <a:avLst/>
+          </a:prstGeom>
+          <a:solidFill>
+            <a:schemeClr val="accent1">
+              <a:lumMod val="20000"/>
+              <a:lumOff val="80000"/>
+            </a:schemeClr>
+          </a:solidFill>
+          <a:ln w="12700"/>
+        </p:spPr>
+        <p:style>
+          <a:lnRef idx="2">
+            <a:schemeClr val="accent1">
+              <a:shade val="50000"/>
+            </a:schemeClr>
+          </a:lnRef>
+          <a:fillRef idx="1">
+            <a:schemeClr val="accent1"/>
+          </a:fillRef>
+          <a:effectRef idx="0">
+            <a:schemeClr val="accent1"/>
+          </a:effectRef>
+          <a:fontRef idx="minor">
+            <a:schemeClr val="lt1"/>
+          </a:fontRef>
+        </p:style>
+        <p:txBody>
+          <a:bodyPr rtlCol="0" anchor="ctr"/>
+          <a:lstStyle/>
+          <a:p>
+            <a:pPr algn="ctr"/>
+            <a:endParaRPr kumimoji="1" lang="ja-JP" altLang="en-US"/>
+          </a:p>
+        </p:txBody>
+      </p:sp>
       <p:cxnSp>
         <p:nvCxnSpPr>
           <p:cNvPr id="53" name="直線コネクタ 52">
@@ -7115,7 +7238,7 @@
           <p:nvPr/>
         </p:nvPicPr>
         <p:blipFill>
-          <a:blip r:embed="rId3">
+          <a:blip r:embed="rId2">
             <a:extLst>
               <a:ext uri="{28A0092B-C50C-407E-A947-70E740481C1C}">
                 <a14:useLocalDpi xmlns:a14="http://schemas.microsoft.com/office/drawing/2010/main" val="0"/>
@@ -7151,7 +7274,7 @@
           <p:nvPr/>
         </p:nvPicPr>
         <p:blipFill>
-          <a:blip r:embed="rId3">
+          <a:blip r:embed="rId2">
             <a:extLst>
               <a:ext uri="{28A0092B-C50C-407E-A947-70E740481C1C}">
                 <a14:useLocalDpi xmlns:a14="http://schemas.microsoft.com/office/drawing/2010/main" val="0"/>
@@ -7340,8 +7463,8 @@
         </p:nvCxnSpPr>
         <p:spPr>
           <a:xfrm flipV="1">
-            <a:off x="3131681" y="3536056"/>
-            <a:ext cx="1069766" cy="174"/>
+            <a:off x="3131681" y="3527257"/>
+            <a:ext cx="934994" cy="8973"/>
           </a:xfrm>
           <a:prstGeom prst="line">
             <a:avLst/>
@@ -7414,7 +7537,7 @@
         </p:nvSpPr>
         <p:spPr>
           <a:xfrm>
-            <a:off x="768171" y="923330"/>
+            <a:off x="169950" y="872796"/>
             <a:ext cx="2698175" cy="523220"/>
           </a:xfrm>
           <a:prstGeom prst="rect">
@@ -7493,6 +7616,539 @@
               </a:rPr>
               <a:t>で行われる</a:t>
             </a:r>
+          </a:p>
+        </p:txBody>
+      </p:sp>
+      <p:sp>
+        <p:nvSpPr>
+          <p:cNvPr id="6" name="矢印: 下 5">
+            <a:extLst>
+              <a:ext uri="{FF2B5EF4-FFF2-40B4-BE49-F238E27FC236}">
+                <a16:creationId xmlns:a16="http://schemas.microsoft.com/office/drawing/2014/main" id="{9A64A9AC-8E70-E5E1-8D03-166B876A94ED}"/>
+              </a:ext>
+            </a:extLst>
+          </p:cNvPr>
+          <p:cNvSpPr/>
+          <p:nvPr/>
+        </p:nvSpPr>
+        <p:spPr>
+          <a:xfrm rot="18275946">
+            <a:off x="3185300" y="1029008"/>
+            <a:ext cx="649559" cy="1711351"/>
+          </a:xfrm>
+          <a:prstGeom prst="downArrow">
+            <a:avLst/>
+          </a:prstGeom>
+          <a:solidFill>
+            <a:schemeClr val="bg1"/>
+          </a:solidFill>
+          <a:ln w="28575">
+            <a:solidFill>
+              <a:schemeClr val="tx1"/>
+            </a:solidFill>
+          </a:ln>
+        </p:spPr>
+        <p:style>
+          <a:lnRef idx="2">
+            <a:schemeClr val="accent1">
+              <a:shade val="15000"/>
+            </a:schemeClr>
+          </a:lnRef>
+          <a:fillRef idx="1">
+            <a:schemeClr val="accent1"/>
+          </a:fillRef>
+          <a:effectRef idx="0">
+            <a:schemeClr val="accent1"/>
+          </a:effectRef>
+          <a:fontRef idx="minor">
+            <a:schemeClr val="lt1"/>
+          </a:fontRef>
+        </p:style>
+        <p:txBody>
+          <a:bodyPr rtlCol="0" anchor="ctr"/>
+          <a:lstStyle/>
+          <a:p>
+            <a:pPr algn="ctr"/>
+            <a:endParaRPr kumimoji="1" lang="ja-JP" altLang="en-US"/>
+          </a:p>
+        </p:txBody>
+      </p:sp>
+      <p:sp>
+        <p:nvSpPr>
+          <p:cNvPr id="12" name="矢印: 上 11">
+            <a:extLst>
+              <a:ext uri="{FF2B5EF4-FFF2-40B4-BE49-F238E27FC236}">
+                <a16:creationId xmlns:a16="http://schemas.microsoft.com/office/drawing/2014/main" id="{DC2EF08F-FB8F-BA75-57A1-F2F9F2033F7D}"/>
+              </a:ext>
+            </a:extLst>
+          </p:cNvPr>
+          <p:cNvSpPr/>
+          <p:nvPr/>
+        </p:nvSpPr>
+        <p:spPr>
+          <a:xfrm>
+            <a:off x="5110225" y="3234467"/>
+            <a:ext cx="388134" cy="429064"/>
+          </a:xfrm>
+          <a:prstGeom prst="upArrow">
+            <a:avLst/>
+          </a:prstGeom>
+          <a:solidFill>
+            <a:srgbClr val="FF0000"/>
+          </a:solidFill>
+          <a:ln>
+            <a:solidFill>
+              <a:schemeClr val="tx1"/>
+            </a:solidFill>
+          </a:ln>
+        </p:spPr>
+        <p:style>
+          <a:lnRef idx="2">
+            <a:schemeClr val="accent1">
+              <a:shade val="15000"/>
+            </a:schemeClr>
+          </a:lnRef>
+          <a:fillRef idx="1">
+            <a:schemeClr val="accent1"/>
+          </a:fillRef>
+          <a:effectRef idx="0">
+            <a:schemeClr val="accent1"/>
+          </a:effectRef>
+          <a:fontRef idx="minor">
+            <a:schemeClr val="lt1"/>
+          </a:fontRef>
+        </p:style>
+        <p:txBody>
+          <a:bodyPr rtlCol="0" anchor="ctr"/>
+          <a:lstStyle/>
+          <a:p>
+            <a:pPr algn="ctr"/>
+            <a:endParaRPr kumimoji="1" lang="ja-JP" altLang="en-US"/>
+          </a:p>
+        </p:txBody>
+      </p:sp>
+      <p:sp>
+        <p:nvSpPr>
+          <p:cNvPr id="13" name="矢印: 上 12">
+            <a:extLst>
+              <a:ext uri="{FF2B5EF4-FFF2-40B4-BE49-F238E27FC236}">
+                <a16:creationId xmlns:a16="http://schemas.microsoft.com/office/drawing/2014/main" id="{477D81EC-EC1A-CA62-677E-60249B804014}"/>
+              </a:ext>
+            </a:extLst>
+          </p:cNvPr>
+          <p:cNvSpPr/>
+          <p:nvPr/>
+        </p:nvSpPr>
+        <p:spPr>
+          <a:xfrm rot="3600000">
+            <a:off x="5479511" y="3482644"/>
+            <a:ext cx="388134" cy="429064"/>
+          </a:xfrm>
+          <a:prstGeom prst="upArrow">
+            <a:avLst/>
+          </a:prstGeom>
+          <a:solidFill>
+            <a:srgbClr val="FF0000"/>
+          </a:solidFill>
+          <a:ln>
+            <a:solidFill>
+              <a:schemeClr val="tx1"/>
+            </a:solidFill>
+          </a:ln>
+        </p:spPr>
+        <p:style>
+          <a:lnRef idx="2">
+            <a:schemeClr val="accent1">
+              <a:shade val="15000"/>
+            </a:schemeClr>
+          </a:lnRef>
+          <a:fillRef idx="1">
+            <a:schemeClr val="accent1"/>
+          </a:fillRef>
+          <a:effectRef idx="0">
+            <a:schemeClr val="accent1"/>
+          </a:effectRef>
+          <a:fontRef idx="minor">
+            <a:schemeClr val="lt1"/>
+          </a:fontRef>
+        </p:style>
+        <p:txBody>
+          <a:bodyPr rtlCol="0" anchor="ctr"/>
+          <a:lstStyle/>
+          <a:p>
+            <a:pPr algn="ctr"/>
+            <a:endParaRPr kumimoji="1" lang="ja-JP" altLang="en-US"/>
+          </a:p>
+        </p:txBody>
+      </p:sp>
+      <p:sp>
+        <p:nvSpPr>
+          <p:cNvPr id="14" name="矢印: 上 13">
+            <a:extLst>
+              <a:ext uri="{FF2B5EF4-FFF2-40B4-BE49-F238E27FC236}">
+                <a16:creationId xmlns:a16="http://schemas.microsoft.com/office/drawing/2014/main" id="{721E5D11-B36B-2EC7-04F1-A2D89B4A060F}"/>
+              </a:ext>
+            </a:extLst>
+          </p:cNvPr>
+          <p:cNvSpPr/>
+          <p:nvPr/>
+        </p:nvSpPr>
+        <p:spPr>
+          <a:xfrm rot="7200000">
+            <a:off x="5478684" y="4010317"/>
+            <a:ext cx="388134" cy="429064"/>
+          </a:xfrm>
+          <a:prstGeom prst="upArrow">
+            <a:avLst/>
+          </a:prstGeom>
+          <a:solidFill>
+            <a:srgbClr val="FF0000"/>
+          </a:solidFill>
+          <a:ln>
+            <a:solidFill>
+              <a:schemeClr val="tx1"/>
+            </a:solidFill>
+          </a:ln>
+        </p:spPr>
+        <p:style>
+          <a:lnRef idx="2">
+            <a:schemeClr val="accent1">
+              <a:shade val="15000"/>
+            </a:schemeClr>
+          </a:lnRef>
+          <a:fillRef idx="1">
+            <a:schemeClr val="accent1"/>
+          </a:fillRef>
+          <a:effectRef idx="0">
+            <a:schemeClr val="accent1"/>
+          </a:effectRef>
+          <a:fontRef idx="minor">
+            <a:schemeClr val="lt1"/>
+          </a:fontRef>
+        </p:style>
+        <p:txBody>
+          <a:bodyPr rtlCol="0" anchor="ctr"/>
+          <a:lstStyle/>
+          <a:p>
+            <a:pPr algn="ctr"/>
+            <a:endParaRPr kumimoji="1" lang="ja-JP" altLang="en-US"/>
+          </a:p>
+        </p:txBody>
+      </p:sp>
+      <p:sp>
+        <p:nvSpPr>
+          <p:cNvPr id="15" name="矢印: 上 14">
+            <a:extLst>
+              <a:ext uri="{FF2B5EF4-FFF2-40B4-BE49-F238E27FC236}">
+                <a16:creationId xmlns:a16="http://schemas.microsoft.com/office/drawing/2014/main" id="{E45E2DEC-D9C5-5B74-BBB7-633D162C4165}"/>
+              </a:ext>
+            </a:extLst>
+          </p:cNvPr>
+          <p:cNvSpPr/>
+          <p:nvPr/>
+        </p:nvSpPr>
+        <p:spPr>
+          <a:xfrm rot="10800000">
+            <a:off x="5076902" y="4274730"/>
+            <a:ext cx="388134" cy="429064"/>
+          </a:xfrm>
+          <a:prstGeom prst="upArrow">
+            <a:avLst/>
+          </a:prstGeom>
+          <a:solidFill>
+            <a:srgbClr val="FF0000"/>
+          </a:solidFill>
+          <a:ln>
+            <a:solidFill>
+              <a:schemeClr val="tx1"/>
+            </a:solidFill>
+          </a:ln>
+        </p:spPr>
+        <p:style>
+          <a:lnRef idx="2">
+            <a:schemeClr val="accent1">
+              <a:shade val="15000"/>
+            </a:schemeClr>
+          </a:lnRef>
+          <a:fillRef idx="1">
+            <a:schemeClr val="accent1"/>
+          </a:fillRef>
+          <a:effectRef idx="0">
+            <a:schemeClr val="accent1"/>
+          </a:effectRef>
+          <a:fontRef idx="minor">
+            <a:schemeClr val="lt1"/>
+          </a:fontRef>
+        </p:style>
+        <p:txBody>
+          <a:bodyPr rtlCol="0" anchor="ctr"/>
+          <a:lstStyle/>
+          <a:p>
+            <a:pPr algn="ctr"/>
+            <a:endParaRPr kumimoji="1" lang="ja-JP" altLang="en-US"/>
+          </a:p>
+        </p:txBody>
+      </p:sp>
+      <p:sp>
+        <p:nvSpPr>
+          <p:cNvPr id="16" name="矢印: 上 15">
+            <a:extLst>
+              <a:ext uri="{FF2B5EF4-FFF2-40B4-BE49-F238E27FC236}">
+                <a16:creationId xmlns:a16="http://schemas.microsoft.com/office/drawing/2014/main" id="{E8FA3E1F-E4BE-E051-0369-9C4387B4099D}"/>
+              </a:ext>
+            </a:extLst>
+          </p:cNvPr>
+          <p:cNvSpPr/>
+          <p:nvPr/>
+        </p:nvSpPr>
+        <p:spPr>
+          <a:xfrm rot="14400000">
+            <a:off x="4667493" y="3987624"/>
+            <a:ext cx="388134" cy="429064"/>
+          </a:xfrm>
+          <a:prstGeom prst="upArrow">
+            <a:avLst/>
+          </a:prstGeom>
+          <a:solidFill>
+            <a:srgbClr val="FF0000"/>
+          </a:solidFill>
+          <a:ln>
+            <a:solidFill>
+              <a:schemeClr val="tx1"/>
+            </a:solidFill>
+          </a:ln>
+        </p:spPr>
+        <p:style>
+          <a:lnRef idx="2">
+            <a:schemeClr val="accent1">
+              <a:shade val="15000"/>
+            </a:schemeClr>
+          </a:lnRef>
+          <a:fillRef idx="1">
+            <a:schemeClr val="accent1"/>
+          </a:fillRef>
+          <a:effectRef idx="0">
+            <a:schemeClr val="accent1"/>
+          </a:effectRef>
+          <a:fontRef idx="minor">
+            <a:schemeClr val="lt1"/>
+          </a:fontRef>
+        </p:style>
+        <p:txBody>
+          <a:bodyPr rtlCol="0" anchor="ctr"/>
+          <a:lstStyle/>
+          <a:p>
+            <a:pPr algn="ctr"/>
+            <a:endParaRPr kumimoji="1" lang="ja-JP" altLang="en-US"/>
+          </a:p>
+        </p:txBody>
+      </p:sp>
+      <p:sp>
+        <p:nvSpPr>
+          <p:cNvPr id="17" name="矢印: 上 16">
+            <a:extLst>
+              <a:ext uri="{FF2B5EF4-FFF2-40B4-BE49-F238E27FC236}">
+                <a16:creationId xmlns:a16="http://schemas.microsoft.com/office/drawing/2014/main" id="{ADC2315F-DBDC-2367-2E2D-00CBCF0EED74}"/>
+              </a:ext>
+            </a:extLst>
+          </p:cNvPr>
+          <p:cNvSpPr/>
+          <p:nvPr/>
+        </p:nvSpPr>
+        <p:spPr>
+          <a:xfrm rot="18000000">
+            <a:off x="4653659" y="3483192"/>
+            <a:ext cx="388134" cy="429064"/>
+          </a:xfrm>
+          <a:prstGeom prst="upArrow">
+            <a:avLst/>
+          </a:prstGeom>
+          <a:solidFill>
+            <a:srgbClr val="FF0000"/>
+          </a:solidFill>
+          <a:ln>
+            <a:solidFill>
+              <a:schemeClr val="tx1"/>
+            </a:solidFill>
+          </a:ln>
+        </p:spPr>
+        <p:style>
+          <a:lnRef idx="2">
+            <a:schemeClr val="accent1">
+              <a:shade val="15000"/>
+            </a:schemeClr>
+          </a:lnRef>
+          <a:fillRef idx="1">
+            <a:schemeClr val="accent1"/>
+          </a:fillRef>
+          <a:effectRef idx="0">
+            <a:schemeClr val="accent1"/>
+          </a:effectRef>
+          <a:fontRef idx="minor">
+            <a:schemeClr val="lt1"/>
+          </a:fontRef>
+        </p:style>
+        <p:txBody>
+          <a:bodyPr rtlCol="0" anchor="ctr"/>
+          <a:lstStyle/>
+          <a:p>
+            <a:pPr algn="ctr"/>
+            <a:endParaRPr kumimoji="1" lang="ja-JP" altLang="en-US"/>
+          </a:p>
+        </p:txBody>
+      </p:sp>
+      <p:pic>
+        <p:nvPicPr>
+          <p:cNvPr id="45" name="図 44">
+            <a:extLst>
+              <a:ext uri="{FF2B5EF4-FFF2-40B4-BE49-F238E27FC236}">
+                <a16:creationId xmlns:a16="http://schemas.microsoft.com/office/drawing/2014/main" id="{BA32613C-8A25-2C3A-C4FE-FF4008605EBD}"/>
+              </a:ext>
+            </a:extLst>
+          </p:cNvPr>
+          <p:cNvPicPr>
+            <a:picLocks noChangeAspect="1"/>
+          </p:cNvPicPr>
+          <p:nvPr/>
+        </p:nvPicPr>
+        <p:blipFill>
+          <a:blip r:embed="rId3">
+            <a:extLst>
+              <a:ext uri="{28A0092B-C50C-407E-A947-70E740481C1C}">
+                <a14:useLocalDpi xmlns:a14="http://schemas.microsoft.com/office/drawing/2010/main" val="0"/>
+              </a:ext>
+            </a:extLst>
+          </a:blip>
+          <a:stretch>
+            <a:fillRect/>
+          </a:stretch>
+        </p:blipFill>
+        <p:spPr>
+          <a:xfrm flipH="1">
+            <a:off x="4866367" y="3493777"/>
+            <a:ext cx="813864" cy="813864"/>
+          </a:xfrm>
+          <a:prstGeom prst="rect">
+            <a:avLst/>
+          </a:prstGeom>
+          <a:effectLst>
+            <a:glow rad="101600">
+              <a:schemeClr val="bg1">
+                <a:alpha val="90000"/>
+              </a:schemeClr>
+            </a:glow>
+          </a:effectLst>
+        </p:spPr>
+      </p:pic>
+      <p:sp>
+        <p:nvSpPr>
+          <p:cNvPr id="20" name="矢印: 下 19">
+            <a:extLst>
+              <a:ext uri="{FF2B5EF4-FFF2-40B4-BE49-F238E27FC236}">
+                <a16:creationId xmlns:a16="http://schemas.microsoft.com/office/drawing/2014/main" id="{EB2B6F6C-D6D6-720E-A2F1-99D50C310C3F}"/>
+              </a:ext>
+            </a:extLst>
+          </p:cNvPr>
+          <p:cNvSpPr/>
+          <p:nvPr/>
+        </p:nvSpPr>
+        <p:spPr>
+          <a:xfrm rot="13532526">
+            <a:off x="3904013" y="3975882"/>
+            <a:ext cx="649559" cy="2259398"/>
+          </a:xfrm>
+          <a:prstGeom prst="downArrow">
+            <a:avLst/>
+          </a:prstGeom>
+          <a:solidFill>
+            <a:schemeClr val="bg1"/>
+          </a:solidFill>
+          <a:ln w="28575">
+            <a:solidFill>
+              <a:schemeClr val="tx1"/>
+            </a:solidFill>
+          </a:ln>
+        </p:spPr>
+        <p:style>
+          <a:lnRef idx="2">
+            <a:schemeClr val="accent1">
+              <a:shade val="15000"/>
+            </a:schemeClr>
+          </a:lnRef>
+          <a:fillRef idx="1">
+            <a:schemeClr val="accent1"/>
+          </a:fillRef>
+          <a:effectRef idx="0">
+            <a:schemeClr val="accent1"/>
+          </a:effectRef>
+          <a:fontRef idx="minor">
+            <a:schemeClr val="lt1"/>
+          </a:fontRef>
+        </p:style>
+        <p:txBody>
+          <a:bodyPr rtlCol="0" anchor="ctr"/>
+          <a:lstStyle/>
+          <a:p>
+            <a:pPr algn="ctr"/>
+            <a:endParaRPr kumimoji="1" lang="ja-JP" altLang="en-US"/>
+          </a:p>
+        </p:txBody>
+      </p:sp>
+      <p:sp>
+        <p:nvSpPr>
+          <p:cNvPr id="21" name="テキスト ボックス 20">
+            <a:extLst>
+              <a:ext uri="{FF2B5EF4-FFF2-40B4-BE49-F238E27FC236}">
+                <a16:creationId xmlns:a16="http://schemas.microsoft.com/office/drawing/2014/main" id="{95290FF9-B0C3-5069-5746-2F29BA61AABF}"/>
+              </a:ext>
+            </a:extLst>
+          </p:cNvPr>
+          <p:cNvSpPr txBox="1"/>
+          <p:nvPr/>
+        </p:nvSpPr>
+        <p:spPr>
+          <a:xfrm>
+            <a:off x="0" y="5936972"/>
+            <a:ext cx="5200463" cy="646331"/>
+          </a:xfrm>
+          <a:prstGeom prst="rect">
+            <a:avLst/>
+          </a:prstGeom>
+          <a:noFill/>
+        </p:spPr>
+        <p:txBody>
+          <a:bodyPr wrap="none" rtlCol="0">
+            <a:spAutoFit/>
+          </a:bodyPr>
+          <a:lstStyle/>
+          <a:p>
+            <a:r>
+              <a:rPr lang="ja-JP" altLang="en-US" sz="3600" dirty="0">
+                <a:solidFill>
+                  <a:schemeClr val="accent1"/>
+                </a:solidFill>
+                <a:latin typeface="HGP創英角ｺﾞｼｯｸUB" panose="020B0900000000000000" pitchFamily="50" charset="-128"/>
+                <a:ea typeface="HGP創英角ｺﾞｼｯｸUB" panose="020B0900000000000000" pitchFamily="50" charset="-128"/>
+              </a:rPr>
+              <a:t>六方向</a:t>
+            </a:r>
+            <a:r>
+              <a:rPr lang="ja-JP" altLang="en-US" sz="3600" dirty="0">
+                <a:solidFill>
+                  <a:sysClr val="windowText" lastClr="000000"/>
+                </a:solidFill>
+                <a:latin typeface="HGP創英角ｺﾞｼｯｸUB" panose="020B0900000000000000" pitchFamily="50" charset="-128"/>
+                <a:ea typeface="HGP創英角ｺﾞｼｯｸUB" panose="020B0900000000000000" pitchFamily="50" charset="-128"/>
+              </a:rPr>
+              <a:t>に方向転換が可能</a:t>
+            </a:r>
+            <a:endParaRPr kumimoji="1" lang="ja-JP" altLang="en-US" sz="3600" dirty="0">
+              <a:solidFill>
+                <a:sysClr val="windowText" lastClr="000000"/>
+              </a:solidFill>
+              <a:latin typeface="HGP創英角ｺﾞｼｯｸUB" panose="020B0900000000000000" pitchFamily="50" charset="-128"/>
+              <a:ea typeface="HGP創英角ｺﾞｼｯｸUB" panose="020B0900000000000000" pitchFamily="50" charset="-128"/>
+            </a:endParaRPr>
           </a:p>
         </p:txBody>
       </p:sp>
